--- a/03-Sound/01_Pro_ucitele/Prezentace/32-zvuk.pptx
+++ b/03-Sound/01_Pro_ucitele/Prezentace/32-zvuk.pptx
@@ -4,12 +4,11 @@
   <p:sldMasterIdLst>
     <p:sldMasterId id="2147483648" r:id="rId2"/>
     <p:sldMasterId id="2147483661" r:id="rId3"/>
-    <p:sldMasterId id="2147483674" r:id="rId4"/>
   </p:sldMasterIdLst>
   <p:sldIdLst>
-    <p:sldId id="256" r:id="rId5"/>
-    <p:sldId id="257" r:id="rId6"/>
-    <p:sldId id="258" r:id="rId7"/>
+    <p:sldId id="256" r:id="rId4"/>
+    <p:sldId id="257" r:id="rId5"/>
+    <p:sldId id="258" r:id="rId6"/>
   </p:sldIdLst>
   <p:sldSz cx="10080625" cy="7559675"/>
   <p:notesSz cx="7559675" cy="10691812"/>
@@ -1963,351 +1962,6 @@
 </p:sldLayout>
 </file>
 
-<file path=ppt/slideLayouts/slideLayout25.xml><?xml version="1.0" encoding="utf-8"?>
-<p:sldLayout xmlns:a="http://schemas.openxmlformats.org/drawingml/2006/main" xmlns:p="http://schemas.openxmlformats.org/presentationml/2006/main" xmlns:r="http://schemas.openxmlformats.org/officeDocument/2006/relationships" xmlns:p14="http://schemas.microsoft.com/office/powerpoint/2010/main" xmlns:p15="http://schemas.microsoft.com/office/powerpoint/2012/main" xmlns:mc="http://schemas.openxmlformats.org/markup-compatibility/2006" type="blank" preserve="1">
-  <p:cSld name="Blank Slide">
-    <p:spTree>
-      <p:nvGrpSpPr>
-        <p:cNvPr id="1" name=""/>
-        <p:cNvGrpSpPr/>
-        <p:nvPr/>
-      </p:nvGrpSpPr>
-      <p:grpSpPr>
-        <a:xfrm>
-          <a:off x="0" y="0"/>
-          <a:ext cx="0" cy="0"/>
-          <a:chOff x="0" y="0"/>
-          <a:chExt cx="0" cy="0"/>
-        </a:xfrm>
-      </p:grpSpPr>
-    </p:spTree>
-  </p:cSld>
-</p:sldLayout>
-</file>
-
-<file path=ppt/slideLayouts/slideLayout26.xml><?xml version="1.0" encoding="utf-8"?>
-<p:sldLayout xmlns:a="http://schemas.openxmlformats.org/drawingml/2006/main" xmlns:p="http://schemas.openxmlformats.org/presentationml/2006/main" xmlns:r="http://schemas.openxmlformats.org/officeDocument/2006/relationships" xmlns:p14="http://schemas.microsoft.com/office/powerpoint/2010/main" xmlns:p15="http://schemas.microsoft.com/office/powerpoint/2012/main" xmlns:mc="http://schemas.openxmlformats.org/markup-compatibility/2006" type="tx" preserve="1">
-  <p:cSld name="Title Slide">
-    <p:spTree>
-      <p:nvGrpSpPr>
-        <p:cNvPr id="1" name=""/>
-        <p:cNvGrpSpPr/>
-        <p:nvPr/>
-      </p:nvGrpSpPr>
-      <p:grpSpPr>
-        <a:xfrm>
-          <a:off x="0" y="0"/>
-          <a:ext cx="0" cy="0"/>
-          <a:chOff x="0" y="0"/>
-          <a:chExt cx="0" cy="0"/>
-        </a:xfrm>
-      </p:grpSpPr>
-      <p:sp>
-        <p:nvSpPr>
-          <p:cNvPr id="78" name="PlaceHolder 1"/>
-          <p:cNvSpPr>
-            <a:spLocks noGrp="1"/>
-          </p:cNvSpPr>
-          <p:nvPr>
-            <p:ph type="title"/>
-          </p:nvPr>
-        </p:nvSpPr>
-        <p:spPr>
-          <a:xfrm>
-            <a:off x="504000" y="301320"/>
-            <a:ext cx="9072000" cy="1261800"/>
-          </a:xfrm>
-          <a:prstGeom prst="rect">
-            <a:avLst/>
-          </a:prstGeom>
-        </p:spPr>
-        <p:txBody>
-          <a:bodyPr lIns="0" rIns="0" tIns="0" bIns="0" anchor="ctr"/>
-          <a:p>
-            <a:pPr algn="ctr"/>
-            <a:endParaRPr b="0" lang="cs-CZ" sz="4400" spc="-1" strike="noStrike">
-              <a:latin typeface="Arial"/>
-            </a:endParaRPr>
-          </a:p>
-        </p:txBody>
-      </p:sp>
-      <p:sp>
-        <p:nvSpPr>
-          <p:cNvPr id="79" name="PlaceHolder 2"/>
-          <p:cNvSpPr>
-            <a:spLocks noGrp="1"/>
-          </p:cNvSpPr>
-          <p:nvPr>
-            <p:ph type="subTitle"/>
-          </p:nvPr>
-        </p:nvSpPr>
-        <p:spPr>
-          <a:xfrm>
-            <a:off x="504000" y="1768680"/>
-            <a:ext cx="9072000" cy="4384080"/>
-          </a:xfrm>
-          <a:prstGeom prst="rect">
-            <a:avLst/>
-          </a:prstGeom>
-        </p:spPr>
-        <p:txBody>
-          <a:bodyPr lIns="0" rIns="0" tIns="0" bIns="0" anchor="ctr"/>
-          <a:p>
-            <a:pPr algn="ctr"/>
-            <a:endParaRPr b="0" lang="cs-CZ" sz="3200" spc="-1" strike="noStrike">
-              <a:latin typeface="Arial"/>
-            </a:endParaRPr>
-          </a:p>
-        </p:txBody>
-      </p:sp>
-    </p:spTree>
-  </p:cSld>
-</p:sldLayout>
-</file>
-
-<file path=ppt/slideLayouts/slideLayout27.xml><?xml version="1.0" encoding="utf-8"?>
-<p:sldLayout xmlns:a="http://schemas.openxmlformats.org/drawingml/2006/main" xmlns:p="http://schemas.openxmlformats.org/presentationml/2006/main" xmlns:r="http://schemas.openxmlformats.org/officeDocument/2006/relationships" xmlns:p14="http://schemas.microsoft.com/office/powerpoint/2010/main" xmlns:p15="http://schemas.microsoft.com/office/powerpoint/2012/main" xmlns:mc="http://schemas.openxmlformats.org/markup-compatibility/2006" type="obj" preserve="1">
-  <p:cSld name="Title, Content">
-    <p:spTree>
-      <p:nvGrpSpPr>
-        <p:cNvPr id="1" name=""/>
-        <p:cNvGrpSpPr/>
-        <p:nvPr/>
-      </p:nvGrpSpPr>
-      <p:grpSpPr>
-        <a:xfrm>
-          <a:off x="0" y="0"/>
-          <a:ext cx="0" cy="0"/>
-          <a:chOff x="0" y="0"/>
-          <a:chExt cx="0" cy="0"/>
-        </a:xfrm>
-      </p:grpSpPr>
-      <p:sp>
-        <p:nvSpPr>
-          <p:cNvPr id="80" name="PlaceHolder 1"/>
-          <p:cNvSpPr>
-            <a:spLocks noGrp="1"/>
-          </p:cNvSpPr>
-          <p:nvPr>
-            <p:ph type="title"/>
-          </p:nvPr>
-        </p:nvSpPr>
-        <p:spPr>
-          <a:xfrm>
-            <a:off x="504000" y="301320"/>
-            <a:ext cx="9072000" cy="1261800"/>
-          </a:xfrm>
-          <a:prstGeom prst="rect">
-            <a:avLst/>
-          </a:prstGeom>
-        </p:spPr>
-        <p:txBody>
-          <a:bodyPr lIns="0" rIns="0" tIns="0" bIns="0" anchor="ctr"/>
-          <a:p>
-            <a:pPr algn="ctr"/>
-            <a:endParaRPr b="0" lang="cs-CZ" sz="4400" spc="-1" strike="noStrike">
-              <a:latin typeface="Arial"/>
-            </a:endParaRPr>
-          </a:p>
-        </p:txBody>
-      </p:sp>
-      <p:sp>
-        <p:nvSpPr>
-          <p:cNvPr id="81" name="PlaceHolder 2"/>
-          <p:cNvSpPr>
-            <a:spLocks noGrp="1"/>
-          </p:cNvSpPr>
-          <p:nvPr>
-            <p:ph type="body"/>
-          </p:nvPr>
-        </p:nvSpPr>
-        <p:spPr>
-          <a:xfrm>
-            <a:off x="504000" y="1768680"/>
-            <a:ext cx="9072000" cy="4384080"/>
-          </a:xfrm>
-          <a:prstGeom prst="rect">
-            <a:avLst/>
-          </a:prstGeom>
-        </p:spPr>
-        <p:txBody>
-          <a:bodyPr lIns="0" rIns="0" tIns="0" bIns="0">
-            <a:normAutofit/>
-          </a:bodyPr>
-          <a:p>
-            <a:endParaRPr b="0" lang="cs-CZ" sz="3200" spc="-1" strike="noStrike">
-              <a:latin typeface="Arial"/>
-            </a:endParaRPr>
-          </a:p>
-        </p:txBody>
-      </p:sp>
-    </p:spTree>
-  </p:cSld>
-</p:sldLayout>
-</file>
-
-<file path=ppt/slideLayouts/slideLayout28.xml><?xml version="1.0" encoding="utf-8"?>
-<p:sldLayout xmlns:a="http://schemas.openxmlformats.org/drawingml/2006/main" xmlns:p="http://schemas.openxmlformats.org/presentationml/2006/main" xmlns:r="http://schemas.openxmlformats.org/officeDocument/2006/relationships" xmlns:p14="http://schemas.microsoft.com/office/powerpoint/2010/main" xmlns:p15="http://schemas.microsoft.com/office/powerpoint/2012/main" xmlns:mc="http://schemas.openxmlformats.org/markup-compatibility/2006" type="twoObj" preserve="1">
-  <p:cSld name="Title, 2 Content">
-    <p:spTree>
-      <p:nvGrpSpPr>
-        <p:cNvPr id="1" name=""/>
-        <p:cNvGrpSpPr/>
-        <p:nvPr/>
-      </p:nvGrpSpPr>
-      <p:grpSpPr>
-        <a:xfrm>
-          <a:off x="0" y="0"/>
-          <a:ext cx="0" cy="0"/>
-          <a:chOff x="0" y="0"/>
-          <a:chExt cx="0" cy="0"/>
-        </a:xfrm>
-      </p:grpSpPr>
-      <p:sp>
-        <p:nvSpPr>
-          <p:cNvPr id="82" name="PlaceHolder 1"/>
-          <p:cNvSpPr>
-            <a:spLocks noGrp="1"/>
-          </p:cNvSpPr>
-          <p:nvPr>
-            <p:ph type="title"/>
-          </p:nvPr>
-        </p:nvSpPr>
-        <p:spPr>
-          <a:xfrm>
-            <a:off x="504000" y="301320"/>
-            <a:ext cx="9072000" cy="1261800"/>
-          </a:xfrm>
-          <a:prstGeom prst="rect">
-            <a:avLst/>
-          </a:prstGeom>
-        </p:spPr>
-        <p:txBody>
-          <a:bodyPr lIns="0" rIns="0" tIns="0" bIns="0" anchor="ctr"/>
-          <a:p>
-            <a:pPr algn="ctr"/>
-            <a:endParaRPr b="0" lang="cs-CZ" sz="4400" spc="-1" strike="noStrike">
-              <a:latin typeface="Arial"/>
-            </a:endParaRPr>
-          </a:p>
-        </p:txBody>
-      </p:sp>
-      <p:sp>
-        <p:nvSpPr>
-          <p:cNvPr id="83" name="PlaceHolder 2"/>
-          <p:cNvSpPr>
-            <a:spLocks noGrp="1"/>
-          </p:cNvSpPr>
-          <p:nvPr>
-            <p:ph type="body"/>
-          </p:nvPr>
-        </p:nvSpPr>
-        <p:spPr>
-          <a:xfrm>
-            <a:off x="504000" y="1768680"/>
-            <a:ext cx="4426920" cy="4384080"/>
-          </a:xfrm>
-          <a:prstGeom prst="rect">
-            <a:avLst/>
-          </a:prstGeom>
-        </p:spPr>
-        <p:txBody>
-          <a:bodyPr lIns="0" rIns="0" tIns="0" bIns="0">
-            <a:normAutofit/>
-          </a:bodyPr>
-          <a:p>
-            <a:endParaRPr b="0" lang="cs-CZ" sz="3200" spc="-1" strike="noStrike">
-              <a:latin typeface="Arial"/>
-            </a:endParaRPr>
-          </a:p>
-        </p:txBody>
-      </p:sp>
-      <p:sp>
-        <p:nvSpPr>
-          <p:cNvPr id="84" name="PlaceHolder 3"/>
-          <p:cNvSpPr>
-            <a:spLocks noGrp="1"/>
-          </p:cNvSpPr>
-          <p:nvPr>
-            <p:ph type="body"/>
-          </p:nvPr>
-        </p:nvSpPr>
-        <p:spPr>
-          <a:xfrm>
-            <a:off x="5152680" y="1768680"/>
-            <a:ext cx="4426920" cy="4384080"/>
-          </a:xfrm>
-          <a:prstGeom prst="rect">
-            <a:avLst/>
-          </a:prstGeom>
-        </p:spPr>
-        <p:txBody>
-          <a:bodyPr lIns="0" rIns="0" tIns="0" bIns="0">
-            <a:normAutofit/>
-          </a:bodyPr>
-          <a:p>
-            <a:endParaRPr b="0" lang="cs-CZ" sz="3200" spc="-1" strike="noStrike">
-              <a:latin typeface="Arial"/>
-            </a:endParaRPr>
-          </a:p>
-        </p:txBody>
-      </p:sp>
-    </p:spTree>
-  </p:cSld>
-</p:sldLayout>
-</file>
-
-<file path=ppt/slideLayouts/slideLayout29.xml><?xml version="1.0" encoding="utf-8"?>
-<p:sldLayout xmlns:a="http://schemas.openxmlformats.org/drawingml/2006/main" xmlns:p="http://schemas.openxmlformats.org/presentationml/2006/main" xmlns:r="http://schemas.openxmlformats.org/officeDocument/2006/relationships" xmlns:p14="http://schemas.microsoft.com/office/powerpoint/2010/main" xmlns:p15="http://schemas.microsoft.com/office/powerpoint/2012/main" xmlns:mc="http://schemas.openxmlformats.org/markup-compatibility/2006" type="titleOnly" preserve="1">
-  <p:cSld name="Title Only">
-    <p:spTree>
-      <p:nvGrpSpPr>
-        <p:cNvPr id="1" name=""/>
-        <p:cNvGrpSpPr/>
-        <p:nvPr/>
-      </p:nvGrpSpPr>
-      <p:grpSpPr>
-        <a:xfrm>
-          <a:off x="0" y="0"/>
-          <a:ext cx="0" cy="0"/>
-          <a:chOff x="0" y="0"/>
-          <a:chExt cx="0" cy="0"/>
-        </a:xfrm>
-      </p:grpSpPr>
-      <p:sp>
-        <p:nvSpPr>
-          <p:cNvPr id="85" name="PlaceHolder 1"/>
-          <p:cNvSpPr>
-            <a:spLocks noGrp="1"/>
-          </p:cNvSpPr>
-          <p:nvPr>
-            <p:ph type="title"/>
-          </p:nvPr>
-        </p:nvSpPr>
-        <p:spPr>
-          <a:xfrm>
-            <a:off x="504000" y="301320"/>
-            <a:ext cx="9072000" cy="1261800"/>
-          </a:xfrm>
-          <a:prstGeom prst="rect">
-            <a:avLst/>
-          </a:prstGeom>
-        </p:spPr>
-        <p:txBody>
-          <a:bodyPr lIns="0" rIns="0" tIns="0" bIns="0" anchor="ctr"/>
-          <a:p>
-            <a:pPr algn="ctr"/>
-            <a:endParaRPr b="0" lang="cs-CZ" sz="4400" spc="-1" strike="noStrike">
-              <a:latin typeface="Arial"/>
-            </a:endParaRPr>
-          </a:p>
-        </p:txBody>
-      </p:sp>
-    </p:spTree>
-  </p:cSld>
-</p:sldLayout>
-</file>
-
 <file path=ppt/slideLayouts/slideLayout3.xml><?xml version="1.0" encoding="utf-8"?>
 <p:sldLayout xmlns:a="http://schemas.openxmlformats.org/drawingml/2006/main" xmlns:p="http://schemas.openxmlformats.org/presentationml/2006/main" xmlns:r="http://schemas.openxmlformats.org/officeDocument/2006/relationships" xmlns:p14="http://schemas.microsoft.com/office/powerpoint/2010/main" xmlns:p15="http://schemas.microsoft.com/office/powerpoint/2012/main" xmlns:mc="http://schemas.openxmlformats.org/markup-compatibility/2006" type="obj" preserve="1">
   <p:cSld name="Title, Content">
@@ -2368,993 +2022,6 @@
           <a:xfrm>
             <a:off x="504000" y="1768680"/>
             <a:ext cx="9072000" cy="4384080"/>
-          </a:xfrm>
-          <a:prstGeom prst="rect">
-            <a:avLst/>
-          </a:prstGeom>
-        </p:spPr>
-        <p:txBody>
-          <a:bodyPr lIns="0" rIns="0" tIns="0" bIns="0">
-            <a:normAutofit/>
-          </a:bodyPr>
-          <a:p>
-            <a:endParaRPr b="0" lang="cs-CZ" sz="3200" spc="-1" strike="noStrike">
-              <a:latin typeface="Arial"/>
-            </a:endParaRPr>
-          </a:p>
-        </p:txBody>
-      </p:sp>
-    </p:spTree>
-  </p:cSld>
-</p:sldLayout>
-</file>
-
-<file path=ppt/slideLayouts/slideLayout30.xml><?xml version="1.0" encoding="utf-8"?>
-<p:sldLayout xmlns:a="http://schemas.openxmlformats.org/drawingml/2006/main" xmlns:p="http://schemas.openxmlformats.org/presentationml/2006/main" xmlns:r="http://schemas.openxmlformats.org/officeDocument/2006/relationships" xmlns:p14="http://schemas.microsoft.com/office/powerpoint/2010/main" xmlns:p15="http://schemas.microsoft.com/office/powerpoint/2012/main" xmlns:mc="http://schemas.openxmlformats.org/markup-compatibility/2006" type="objOnly" preserve="1">
-  <p:cSld name="Centered Text">
-    <p:spTree>
-      <p:nvGrpSpPr>
-        <p:cNvPr id="1" name=""/>
-        <p:cNvGrpSpPr/>
-        <p:nvPr/>
-      </p:nvGrpSpPr>
-      <p:grpSpPr>
-        <a:xfrm>
-          <a:off x="0" y="0"/>
-          <a:ext cx="0" cy="0"/>
-          <a:chOff x="0" y="0"/>
-          <a:chExt cx="0" cy="0"/>
-        </a:xfrm>
-      </p:grpSpPr>
-      <p:sp>
-        <p:nvSpPr>
-          <p:cNvPr id="86" name="PlaceHolder 1"/>
-          <p:cNvSpPr>
-            <a:spLocks noGrp="1"/>
-          </p:cNvSpPr>
-          <p:nvPr>
-            <p:ph type="subTitle"/>
-          </p:nvPr>
-        </p:nvSpPr>
-        <p:spPr>
-          <a:xfrm>
-            <a:off x="504000" y="301320"/>
-            <a:ext cx="9072000" cy="5850360"/>
-          </a:xfrm>
-          <a:prstGeom prst="rect">
-            <a:avLst/>
-          </a:prstGeom>
-        </p:spPr>
-        <p:txBody>
-          <a:bodyPr lIns="0" rIns="0" tIns="0" bIns="0" anchor="ctr"/>
-          <a:p>
-            <a:pPr algn="ctr"/>
-            <a:endParaRPr b="0" lang="cs-CZ" sz="3200" spc="-1" strike="noStrike">
-              <a:latin typeface="Arial"/>
-            </a:endParaRPr>
-          </a:p>
-        </p:txBody>
-      </p:sp>
-    </p:spTree>
-  </p:cSld>
-</p:sldLayout>
-</file>
-
-<file path=ppt/slideLayouts/slideLayout31.xml><?xml version="1.0" encoding="utf-8"?>
-<p:sldLayout xmlns:a="http://schemas.openxmlformats.org/drawingml/2006/main" xmlns:p="http://schemas.openxmlformats.org/presentationml/2006/main" xmlns:r="http://schemas.openxmlformats.org/officeDocument/2006/relationships" xmlns:p14="http://schemas.microsoft.com/office/powerpoint/2010/main" xmlns:p15="http://schemas.microsoft.com/office/powerpoint/2012/main" xmlns:mc="http://schemas.openxmlformats.org/markup-compatibility/2006" type="twoObjAndObj" preserve="1">
-  <p:cSld name="Title, 2 Content and Content">
-    <p:spTree>
-      <p:nvGrpSpPr>
-        <p:cNvPr id="1" name=""/>
-        <p:cNvGrpSpPr/>
-        <p:nvPr/>
-      </p:nvGrpSpPr>
-      <p:grpSpPr>
-        <a:xfrm>
-          <a:off x="0" y="0"/>
-          <a:ext cx="0" cy="0"/>
-          <a:chOff x="0" y="0"/>
-          <a:chExt cx="0" cy="0"/>
-        </a:xfrm>
-      </p:grpSpPr>
-      <p:sp>
-        <p:nvSpPr>
-          <p:cNvPr id="87" name="PlaceHolder 1"/>
-          <p:cNvSpPr>
-            <a:spLocks noGrp="1"/>
-          </p:cNvSpPr>
-          <p:nvPr>
-            <p:ph type="title"/>
-          </p:nvPr>
-        </p:nvSpPr>
-        <p:spPr>
-          <a:xfrm>
-            <a:off x="504000" y="301320"/>
-            <a:ext cx="9072000" cy="1261800"/>
-          </a:xfrm>
-          <a:prstGeom prst="rect">
-            <a:avLst/>
-          </a:prstGeom>
-        </p:spPr>
-        <p:txBody>
-          <a:bodyPr lIns="0" rIns="0" tIns="0" bIns="0" anchor="ctr"/>
-          <a:p>
-            <a:pPr algn="ctr"/>
-            <a:endParaRPr b="0" lang="cs-CZ" sz="4400" spc="-1" strike="noStrike">
-              <a:latin typeface="Arial"/>
-            </a:endParaRPr>
-          </a:p>
-        </p:txBody>
-      </p:sp>
-      <p:sp>
-        <p:nvSpPr>
-          <p:cNvPr id="88" name="PlaceHolder 2"/>
-          <p:cNvSpPr>
-            <a:spLocks noGrp="1"/>
-          </p:cNvSpPr>
-          <p:nvPr>
-            <p:ph type="body"/>
-          </p:nvPr>
-        </p:nvSpPr>
-        <p:spPr>
-          <a:xfrm>
-            <a:off x="504000" y="1768680"/>
-            <a:ext cx="4426920" cy="2090880"/>
-          </a:xfrm>
-          <a:prstGeom prst="rect">
-            <a:avLst/>
-          </a:prstGeom>
-        </p:spPr>
-        <p:txBody>
-          <a:bodyPr lIns="0" rIns="0" tIns="0" bIns="0">
-            <a:normAutofit/>
-          </a:bodyPr>
-          <a:p>
-            <a:endParaRPr b="0" lang="cs-CZ" sz="3200" spc="-1" strike="noStrike">
-              <a:latin typeface="Arial"/>
-            </a:endParaRPr>
-          </a:p>
-        </p:txBody>
-      </p:sp>
-      <p:sp>
-        <p:nvSpPr>
-          <p:cNvPr id="89" name="PlaceHolder 3"/>
-          <p:cNvSpPr>
-            <a:spLocks noGrp="1"/>
-          </p:cNvSpPr>
-          <p:nvPr>
-            <p:ph type="body"/>
-          </p:nvPr>
-        </p:nvSpPr>
-        <p:spPr>
-          <a:xfrm>
-            <a:off x="5152680" y="1768680"/>
-            <a:ext cx="4426920" cy="4384080"/>
-          </a:xfrm>
-          <a:prstGeom prst="rect">
-            <a:avLst/>
-          </a:prstGeom>
-        </p:spPr>
-        <p:txBody>
-          <a:bodyPr lIns="0" rIns="0" tIns="0" bIns="0">
-            <a:normAutofit/>
-          </a:bodyPr>
-          <a:p>
-            <a:endParaRPr b="0" lang="cs-CZ" sz="3200" spc="-1" strike="noStrike">
-              <a:latin typeface="Arial"/>
-            </a:endParaRPr>
-          </a:p>
-        </p:txBody>
-      </p:sp>
-      <p:sp>
-        <p:nvSpPr>
-          <p:cNvPr id="90" name="PlaceHolder 4"/>
-          <p:cNvSpPr>
-            <a:spLocks noGrp="1"/>
-          </p:cNvSpPr>
-          <p:nvPr>
-            <p:ph type="body"/>
-          </p:nvPr>
-        </p:nvSpPr>
-        <p:spPr>
-          <a:xfrm>
-            <a:off x="504000" y="4058640"/>
-            <a:ext cx="4426920" cy="2090880"/>
-          </a:xfrm>
-          <a:prstGeom prst="rect">
-            <a:avLst/>
-          </a:prstGeom>
-        </p:spPr>
-        <p:txBody>
-          <a:bodyPr lIns="0" rIns="0" tIns="0" bIns="0">
-            <a:normAutofit/>
-          </a:bodyPr>
-          <a:p>
-            <a:endParaRPr b="0" lang="cs-CZ" sz="3200" spc="-1" strike="noStrike">
-              <a:latin typeface="Arial"/>
-            </a:endParaRPr>
-          </a:p>
-        </p:txBody>
-      </p:sp>
-    </p:spTree>
-  </p:cSld>
-</p:sldLayout>
-</file>
-
-<file path=ppt/slideLayouts/slideLayout32.xml><?xml version="1.0" encoding="utf-8"?>
-<p:sldLayout xmlns:a="http://schemas.openxmlformats.org/drawingml/2006/main" xmlns:p="http://schemas.openxmlformats.org/presentationml/2006/main" xmlns:r="http://schemas.openxmlformats.org/officeDocument/2006/relationships" xmlns:p14="http://schemas.microsoft.com/office/powerpoint/2010/main" xmlns:p15="http://schemas.microsoft.com/office/powerpoint/2012/main" xmlns:mc="http://schemas.openxmlformats.org/markup-compatibility/2006" type="objAndTwoObj" preserve="1">
-  <p:cSld name="Title Content and 2 Content">
-    <p:spTree>
-      <p:nvGrpSpPr>
-        <p:cNvPr id="1" name=""/>
-        <p:cNvGrpSpPr/>
-        <p:nvPr/>
-      </p:nvGrpSpPr>
-      <p:grpSpPr>
-        <a:xfrm>
-          <a:off x="0" y="0"/>
-          <a:ext cx="0" cy="0"/>
-          <a:chOff x="0" y="0"/>
-          <a:chExt cx="0" cy="0"/>
-        </a:xfrm>
-      </p:grpSpPr>
-      <p:sp>
-        <p:nvSpPr>
-          <p:cNvPr id="91" name="PlaceHolder 1"/>
-          <p:cNvSpPr>
-            <a:spLocks noGrp="1"/>
-          </p:cNvSpPr>
-          <p:nvPr>
-            <p:ph type="title"/>
-          </p:nvPr>
-        </p:nvSpPr>
-        <p:spPr>
-          <a:xfrm>
-            <a:off x="504000" y="301320"/>
-            <a:ext cx="9072000" cy="1261800"/>
-          </a:xfrm>
-          <a:prstGeom prst="rect">
-            <a:avLst/>
-          </a:prstGeom>
-        </p:spPr>
-        <p:txBody>
-          <a:bodyPr lIns="0" rIns="0" tIns="0" bIns="0" anchor="ctr"/>
-          <a:p>
-            <a:pPr algn="ctr"/>
-            <a:endParaRPr b="0" lang="cs-CZ" sz="4400" spc="-1" strike="noStrike">
-              <a:latin typeface="Arial"/>
-            </a:endParaRPr>
-          </a:p>
-        </p:txBody>
-      </p:sp>
-      <p:sp>
-        <p:nvSpPr>
-          <p:cNvPr id="92" name="PlaceHolder 2"/>
-          <p:cNvSpPr>
-            <a:spLocks noGrp="1"/>
-          </p:cNvSpPr>
-          <p:nvPr>
-            <p:ph type="body"/>
-          </p:nvPr>
-        </p:nvSpPr>
-        <p:spPr>
-          <a:xfrm>
-            <a:off x="504000" y="1768680"/>
-            <a:ext cx="4426920" cy="4384080"/>
-          </a:xfrm>
-          <a:prstGeom prst="rect">
-            <a:avLst/>
-          </a:prstGeom>
-        </p:spPr>
-        <p:txBody>
-          <a:bodyPr lIns="0" rIns="0" tIns="0" bIns="0">
-            <a:normAutofit/>
-          </a:bodyPr>
-          <a:p>
-            <a:endParaRPr b="0" lang="cs-CZ" sz="3200" spc="-1" strike="noStrike">
-              <a:latin typeface="Arial"/>
-            </a:endParaRPr>
-          </a:p>
-        </p:txBody>
-      </p:sp>
-      <p:sp>
-        <p:nvSpPr>
-          <p:cNvPr id="93" name="PlaceHolder 3"/>
-          <p:cNvSpPr>
-            <a:spLocks noGrp="1"/>
-          </p:cNvSpPr>
-          <p:nvPr>
-            <p:ph type="body"/>
-          </p:nvPr>
-        </p:nvSpPr>
-        <p:spPr>
-          <a:xfrm>
-            <a:off x="5152680" y="1768680"/>
-            <a:ext cx="4426920" cy="2090880"/>
-          </a:xfrm>
-          <a:prstGeom prst="rect">
-            <a:avLst/>
-          </a:prstGeom>
-        </p:spPr>
-        <p:txBody>
-          <a:bodyPr lIns="0" rIns="0" tIns="0" bIns="0">
-            <a:normAutofit/>
-          </a:bodyPr>
-          <a:p>
-            <a:endParaRPr b="0" lang="cs-CZ" sz="3200" spc="-1" strike="noStrike">
-              <a:latin typeface="Arial"/>
-            </a:endParaRPr>
-          </a:p>
-        </p:txBody>
-      </p:sp>
-      <p:sp>
-        <p:nvSpPr>
-          <p:cNvPr id="94" name="PlaceHolder 4"/>
-          <p:cNvSpPr>
-            <a:spLocks noGrp="1"/>
-          </p:cNvSpPr>
-          <p:nvPr>
-            <p:ph type="body"/>
-          </p:nvPr>
-        </p:nvSpPr>
-        <p:spPr>
-          <a:xfrm>
-            <a:off x="5152680" y="4058640"/>
-            <a:ext cx="4426920" cy="2090880"/>
-          </a:xfrm>
-          <a:prstGeom prst="rect">
-            <a:avLst/>
-          </a:prstGeom>
-        </p:spPr>
-        <p:txBody>
-          <a:bodyPr lIns="0" rIns="0" tIns="0" bIns="0">
-            <a:normAutofit/>
-          </a:bodyPr>
-          <a:p>
-            <a:endParaRPr b="0" lang="cs-CZ" sz="3200" spc="-1" strike="noStrike">
-              <a:latin typeface="Arial"/>
-            </a:endParaRPr>
-          </a:p>
-        </p:txBody>
-      </p:sp>
-    </p:spTree>
-  </p:cSld>
-</p:sldLayout>
-</file>
-
-<file path=ppt/slideLayouts/slideLayout33.xml><?xml version="1.0" encoding="utf-8"?>
-<p:sldLayout xmlns:a="http://schemas.openxmlformats.org/drawingml/2006/main" xmlns:p="http://schemas.openxmlformats.org/presentationml/2006/main" xmlns:r="http://schemas.openxmlformats.org/officeDocument/2006/relationships" xmlns:p14="http://schemas.microsoft.com/office/powerpoint/2010/main" xmlns:p15="http://schemas.microsoft.com/office/powerpoint/2012/main" xmlns:mc="http://schemas.openxmlformats.org/markup-compatibility/2006" type="twoObjOverTx" preserve="1">
-  <p:cSld name="Title, 2 Content over Content">
-    <p:spTree>
-      <p:nvGrpSpPr>
-        <p:cNvPr id="1" name=""/>
-        <p:cNvGrpSpPr/>
-        <p:nvPr/>
-      </p:nvGrpSpPr>
-      <p:grpSpPr>
-        <a:xfrm>
-          <a:off x="0" y="0"/>
-          <a:ext cx="0" cy="0"/>
-          <a:chOff x="0" y="0"/>
-          <a:chExt cx="0" cy="0"/>
-        </a:xfrm>
-      </p:grpSpPr>
-      <p:sp>
-        <p:nvSpPr>
-          <p:cNvPr id="95" name="PlaceHolder 1"/>
-          <p:cNvSpPr>
-            <a:spLocks noGrp="1"/>
-          </p:cNvSpPr>
-          <p:nvPr>
-            <p:ph type="title"/>
-          </p:nvPr>
-        </p:nvSpPr>
-        <p:spPr>
-          <a:xfrm>
-            <a:off x="504000" y="301320"/>
-            <a:ext cx="9072000" cy="1261800"/>
-          </a:xfrm>
-          <a:prstGeom prst="rect">
-            <a:avLst/>
-          </a:prstGeom>
-        </p:spPr>
-        <p:txBody>
-          <a:bodyPr lIns="0" rIns="0" tIns="0" bIns="0" anchor="ctr"/>
-          <a:p>
-            <a:pPr algn="ctr"/>
-            <a:endParaRPr b="0" lang="cs-CZ" sz="4400" spc="-1" strike="noStrike">
-              <a:latin typeface="Arial"/>
-            </a:endParaRPr>
-          </a:p>
-        </p:txBody>
-      </p:sp>
-      <p:sp>
-        <p:nvSpPr>
-          <p:cNvPr id="96" name="PlaceHolder 2"/>
-          <p:cNvSpPr>
-            <a:spLocks noGrp="1"/>
-          </p:cNvSpPr>
-          <p:nvPr>
-            <p:ph type="body"/>
-          </p:nvPr>
-        </p:nvSpPr>
-        <p:spPr>
-          <a:xfrm>
-            <a:off x="504000" y="1768680"/>
-            <a:ext cx="4426920" cy="2090880"/>
-          </a:xfrm>
-          <a:prstGeom prst="rect">
-            <a:avLst/>
-          </a:prstGeom>
-        </p:spPr>
-        <p:txBody>
-          <a:bodyPr lIns="0" rIns="0" tIns="0" bIns="0">
-            <a:normAutofit/>
-          </a:bodyPr>
-          <a:p>
-            <a:endParaRPr b="0" lang="cs-CZ" sz="3200" spc="-1" strike="noStrike">
-              <a:latin typeface="Arial"/>
-            </a:endParaRPr>
-          </a:p>
-        </p:txBody>
-      </p:sp>
-      <p:sp>
-        <p:nvSpPr>
-          <p:cNvPr id="97" name="PlaceHolder 3"/>
-          <p:cNvSpPr>
-            <a:spLocks noGrp="1"/>
-          </p:cNvSpPr>
-          <p:nvPr>
-            <p:ph type="body"/>
-          </p:nvPr>
-        </p:nvSpPr>
-        <p:spPr>
-          <a:xfrm>
-            <a:off x="5152680" y="1768680"/>
-            <a:ext cx="4426920" cy="2090880"/>
-          </a:xfrm>
-          <a:prstGeom prst="rect">
-            <a:avLst/>
-          </a:prstGeom>
-        </p:spPr>
-        <p:txBody>
-          <a:bodyPr lIns="0" rIns="0" tIns="0" bIns="0">
-            <a:normAutofit/>
-          </a:bodyPr>
-          <a:p>
-            <a:endParaRPr b="0" lang="cs-CZ" sz="3200" spc="-1" strike="noStrike">
-              <a:latin typeface="Arial"/>
-            </a:endParaRPr>
-          </a:p>
-        </p:txBody>
-      </p:sp>
-      <p:sp>
-        <p:nvSpPr>
-          <p:cNvPr id="98" name="PlaceHolder 4"/>
-          <p:cNvSpPr>
-            <a:spLocks noGrp="1"/>
-          </p:cNvSpPr>
-          <p:nvPr>
-            <p:ph type="body"/>
-          </p:nvPr>
-        </p:nvSpPr>
-        <p:spPr>
-          <a:xfrm>
-            <a:off x="504000" y="4058640"/>
-            <a:ext cx="9072000" cy="2090880"/>
-          </a:xfrm>
-          <a:prstGeom prst="rect">
-            <a:avLst/>
-          </a:prstGeom>
-        </p:spPr>
-        <p:txBody>
-          <a:bodyPr lIns="0" rIns="0" tIns="0" bIns="0">
-            <a:normAutofit/>
-          </a:bodyPr>
-          <a:p>
-            <a:endParaRPr b="0" lang="cs-CZ" sz="3200" spc="-1" strike="noStrike">
-              <a:latin typeface="Arial"/>
-            </a:endParaRPr>
-          </a:p>
-        </p:txBody>
-      </p:sp>
-    </p:spTree>
-  </p:cSld>
-</p:sldLayout>
-</file>
-
-<file path=ppt/slideLayouts/slideLayout34.xml><?xml version="1.0" encoding="utf-8"?>
-<p:sldLayout xmlns:a="http://schemas.openxmlformats.org/drawingml/2006/main" xmlns:p="http://schemas.openxmlformats.org/presentationml/2006/main" xmlns:r="http://schemas.openxmlformats.org/officeDocument/2006/relationships" xmlns:p14="http://schemas.microsoft.com/office/powerpoint/2010/main" xmlns:p15="http://schemas.microsoft.com/office/powerpoint/2012/main" xmlns:mc="http://schemas.openxmlformats.org/markup-compatibility/2006" type="objOverTx" preserve="1">
-  <p:cSld name="Title, Content over Content">
-    <p:spTree>
-      <p:nvGrpSpPr>
-        <p:cNvPr id="1" name=""/>
-        <p:cNvGrpSpPr/>
-        <p:nvPr/>
-      </p:nvGrpSpPr>
-      <p:grpSpPr>
-        <a:xfrm>
-          <a:off x="0" y="0"/>
-          <a:ext cx="0" cy="0"/>
-          <a:chOff x="0" y="0"/>
-          <a:chExt cx="0" cy="0"/>
-        </a:xfrm>
-      </p:grpSpPr>
-      <p:sp>
-        <p:nvSpPr>
-          <p:cNvPr id="99" name="PlaceHolder 1"/>
-          <p:cNvSpPr>
-            <a:spLocks noGrp="1"/>
-          </p:cNvSpPr>
-          <p:nvPr>
-            <p:ph type="title"/>
-          </p:nvPr>
-        </p:nvSpPr>
-        <p:spPr>
-          <a:xfrm>
-            <a:off x="504000" y="301320"/>
-            <a:ext cx="9072000" cy="1261800"/>
-          </a:xfrm>
-          <a:prstGeom prst="rect">
-            <a:avLst/>
-          </a:prstGeom>
-        </p:spPr>
-        <p:txBody>
-          <a:bodyPr lIns="0" rIns="0" tIns="0" bIns="0" anchor="ctr"/>
-          <a:p>
-            <a:pPr algn="ctr"/>
-            <a:endParaRPr b="0" lang="cs-CZ" sz="4400" spc="-1" strike="noStrike">
-              <a:latin typeface="Arial"/>
-            </a:endParaRPr>
-          </a:p>
-        </p:txBody>
-      </p:sp>
-      <p:sp>
-        <p:nvSpPr>
-          <p:cNvPr id="100" name="PlaceHolder 2"/>
-          <p:cNvSpPr>
-            <a:spLocks noGrp="1"/>
-          </p:cNvSpPr>
-          <p:nvPr>
-            <p:ph type="body"/>
-          </p:nvPr>
-        </p:nvSpPr>
-        <p:spPr>
-          <a:xfrm>
-            <a:off x="504000" y="1768680"/>
-            <a:ext cx="9072000" cy="2090880"/>
-          </a:xfrm>
-          <a:prstGeom prst="rect">
-            <a:avLst/>
-          </a:prstGeom>
-        </p:spPr>
-        <p:txBody>
-          <a:bodyPr lIns="0" rIns="0" tIns="0" bIns="0">
-            <a:normAutofit/>
-          </a:bodyPr>
-          <a:p>
-            <a:endParaRPr b="0" lang="cs-CZ" sz="3200" spc="-1" strike="noStrike">
-              <a:latin typeface="Arial"/>
-            </a:endParaRPr>
-          </a:p>
-        </p:txBody>
-      </p:sp>
-      <p:sp>
-        <p:nvSpPr>
-          <p:cNvPr id="101" name="PlaceHolder 3"/>
-          <p:cNvSpPr>
-            <a:spLocks noGrp="1"/>
-          </p:cNvSpPr>
-          <p:nvPr>
-            <p:ph type="body"/>
-          </p:nvPr>
-        </p:nvSpPr>
-        <p:spPr>
-          <a:xfrm>
-            <a:off x="504000" y="4058640"/>
-            <a:ext cx="9072000" cy="2090880"/>
-          </a:xfrm>
-          <a:prstGeom prst="rect">
-            <a:avLst/>
-          </a:prstGeom>
-        </p:spPr>
-        <p:txBody>
-          <a:bodyPr lIns="0" rIns="0" tIns="0" bIns="0">
-            <a:normAutofit/>
-          </a:bodyPr>
-          <a:p>
-            <a:endParaRPr b="0" lang="cs-CZ" sz="3200" spc="-1" strike="noStrike">
-              <a:latin typeface="Arial"/>
-            </a:endParaRPr>
-          </a:p>
-        </p:txBody>
-      </p:sp>
-    </p:spTree>
-  </p:cSld>
-</p:sldLayout>
-</file>
-
-<file path=ppt/slideLayouts/slideLayout35.xml><?xml version="1.0" encoding="utf-8"?>
-<p:sldLayout xmlns:a="http://schemas.openxmlformats.org/drawingml/2006/main" xmlns:p="http://schemas.openxmlformats.org/presentationml/2006/main" xmlns:r="http://schemas.openxmlformats.org/officeDocument/2006/relationships" xmlns:p14="http://schemas.microsoft.com/office/powerpoint/2010/main" xmlns:p15="http://schemas.microsoft.com/office/powerpoint/2012/main" xmlns:mc="http://schemas.openxmlformats.org/markup-compatibility/2006" type="fourObj" preserve="1">
-  <p:cSld name="Title, 4 Content">
-    <p:spTree>
-      <p:nvGrpSpPr>
-        <p:cNvPr id="1" name=""/>
-        <p:cNvGrpSpPr/>
-        <p:nvPr/>
-      </p:nvGrpSpPr>
-      <p:grpSpPr>
-        <a:xfrm>
-          <a:off x="0" y="0"/>
-          <a:ext cx="0" cy="0"/>
-          <a:chOff x="0" y="0"/>
-          <a:chExt cx="0" cy="0"/>
-        </a:xfrm>
-      </p:grpSpPr>
-      <p:sp>
-        <p:nvSpPr>
-          <p:cNvPr id="102" name="PlaceHolder 1"/>
-          <p:cNvSpPr>
-            <a:spLocks noGrp="1"/>
-          </p:cNvSpPr>
-          <p:nvPr>
-            <p:ph type="title"/>
-          </p:nvPr>
-        </p:nvSpPr>
-        <p:spPr>
-          <a:xfrm>
-            <a:off x="504000" y="301320"/>
-            <a:ext cx="9072000" cy="1261800"/>
-          </a:xfrm>
-          <a:prstGeom prst="rect">
-            <a:avLst/>
-          </a:prstGeom>
-        </p:spPr>
-        <p:txBody>
-          <a:bodyPr lIns="0" rIns="0" tIns="0" bIns="0" anchor="ctr"/>
-          <a:p>
-            <a:pPr algn="ctr"/>
-            <a:endParaRPr b="0" lang="cs-CZ" sz="4400" spc="-1" strike="noStrike">
-              <a:latin typeface="Arial"/>
-            </a:endParaRPr>
-          </a:p>
-        </p:txBody>
-      </p:sp>
-      <p:sp>
-        <p:nvSpPr>
-          <p:cNvPr id="103" name="PlaceHolder 2"/>
-          <p:cNvSpPr>
-            <a:spLocks noGrp="1"/>
-          </p:cNvSpPr>
-          <p:nvPr>
-            <p:ph type="body"/>
-          </p:nvPr>
-        </p:nvSpPr>
-        <p:spPr>
-          <a:xfrm>
-            <a:off x="504000" y="1768680"/>
-            <a:ext cx="4426920" cy="2090880"/>
-          </a:xfrm>
-          <a:prstGeom prst="rect">
-            <a:avLst/>
-          </a:prstGeom>
-        </p:spPr>
-        <p:txBody>
-          <a:bodyPr lIns="0" rIns="0" tIns="0" bIns="0">
-            <a:normAutofit/>
-          </a:bodyPr>
-          <a:p>
-            <a:endParaRPr b="0" lang="cs-CZ" sz="3200" spc="-1" strike="noStrike">
-              <a:latin typeface="Arial"/>
-            </a:endParaRPr>
-          </a:p>
-        </p:txBody>
-      </p:sp>
-      <p:sp>
-        <p:nvSpPr>
-          <p:cNvPr id="104" name="PlaceHolder 3"/>
-          <p:cNvSpPr>
-            <a:spLocks noGrp="1"/>
-          </p:cNvSpPr>
-          <p:nvPr>
-            <p:ph type="body"/>
-          </p:nvPr>
-        </p:nvSpPr>
-        <p:spPr>
-          <a:xfrm>
-            <a:off x="5152680" y="1768680"/>
-            <a:ext cx="4426920" cy="2090880"/>
-          </a:xfrm>
-          <a:prstGeom prst="rect">
-            <a:avLst/>
-          </a:prstGeom>
-        </p:spPr>
-        <p:txBody>
-          <a:bodyPr lIns="0" rIns="0" tIns="0" bIns="0">
-            <a:normAutofit/>
-          </a:bodyPr>
-          <a:p>
-            <a:endParaRPr b="0" lang="cs-CZ" sz="3200" spc="-1" strike="noStrike">
-              <a:latin typeface="Arial"/>
-            </a:endParaRPr>
-          </a:p>
-        </p:txBody>
-      </p:sp>
-      <p:sp>
-        <p:nvSpPr>
-          <p:cNvPr id="105" name="PlaceHolder 4"/>
-          <p:cNvSpPr>
-            <a:spLocks noGrp="1"/>
-          </p:cNvSpPr>
-          <p:nvPr>
-            <p:ph type="body"/>
-          </p:nvPr>
-        </p:nvSpPr>
-        <p:spPr>
-          <a:xfrm>
-            <a:off x="504000" y="4058640"/>
-            <a:ext cx="4426920" cy="2090880"/>
-          </a:xfrm>
-          <a:prstGeom prst="rect">
-            <a:avLst/>
-          </a:prstGeom>
-        </p:spPr>
-        <p:txBody>
-          <a:bodyPr lIns="0" rIns="0" tIns="0" bIns="0">
-            <a:normAutofit/>
-          </a:bodyPr>
-          <a:p>
-            <a:endParaRPr b="0" lang="cs-CZ" sz="3200" spc="-1" strike="noStrike">
-              <a:latin typeface="Arial"/>
-            </a:endParaRPr>
-          </a:p>
-        </p:txBody>
-      </p:sp>
-      <p:sp>
-        <p:nvSpPr>
-          <p:cNvPr id="106" name="PlaceHolder 5"/>
-          <p:cNvSpPr>
-            <a:spLocks noGrp="1"/>
-          </p:cNvSpPr>
-          <p:nvPr>
-            <p:ph type="body"/>
-          </p:nvPr>
-        </p:nvSpPr>
-        <p:spPr>
-          <a:xfrm>
-            <a:off x="5152680" y="4058640"/>
-            <a:ext cx="4426920" cy="2090880"/>
-          </a:xfrm>
-          <a:prstGeom prst="rect">
-            <a:avLst/>
-          </a:prstGeom>
-        </p:spPr>
-        <p:txBody>
-          <a:bodyPr lIns="0" rIns="0" tIns="0" bIns="0">
-            <a:normAutofit/>
-          </a:bodyPr>
-          <a:p>
-            <a:endParaRPr b="0" lang="cs-CZ" sz="3200" spc="-1" strike="noStrike">
-              <a:latin typeface="Arial"/>
-            </a:endParaRPr>
-          </a:p>
-        </p:txBody>
-      </p:sp>
-    </p:spTree>
-  </p:cSld>
-</p:sldLayout>
-</file>
-
-<file path=ppt/slideLayouts/slideLayout36.xml><?xml version="1.0" encoding="utf-8"?>
-<p:sldLayout xmlns:a="http://schemas.openxmlformats.org/drawingml/2006/main" xmlns:p="http://schemas.openxmlformats.org/presentationml/2006/main" xmlns:r="http://schemas.openxmlformats.org/officeDocument/2006/relationships" xmlns:p14="http://schemas.microsoft.com/office/powerpoint/2010/main" xmlns:p15="http://schemas.microsoft.com/office/powerpoint/2012/main" xmlns:mc="http://schemas.openxmlformats.org/markup-compatibility/2006" type="blank" preserve="1">
-  <p:cSld name="Title, 6 Content">
-    <p:spTree>
-      <p:nvGrpSpPr>
-        <p:cNvPr id="1" name=""/>
-        <p:cNvGrpSpPr/>
-        <p:nvPr/>
-      </p:nvGrpSpPr>
-      <p:grpSpPr>
-        <a:xfrm>
-          <a:off x="0" y="0"/>
-          <a:ext cx="0" cy="0"/>
-          <a:chOff x="0" y="0"/>
-          <a:chExt cx="0" cy="0"/>
-        </a:xfrm>
-      </p:grpSpPr>
-      <p:sp>
-        <p:nvSpPr>
-          <p:cNvPr id="107" name="PlaceHolder 1"/>
-          <p:cNvSpPr>
-            <a:spLocks noGrp="1"/>
-          </p:cNvSpPr>
-          <p:nvPr>
-            <p:ph type="title"/>
-          </p:nvPr>
-        </p:nvSpPr>
-        <p:spPr>
-          <a:xfrm>
-            <a:off x="504000" y="301320"/>
-            <a:ext cx="9072000" cy="1261800"/>
-          </a:xfrm>
-          <a:prstGeom prst="rect">
-            <a:avLst/>
-          </a:prstGeom>
-        </p:spPr>
-        <p:txBody>
-          <a:bodyPr lIns="0" rIns="0" tIns="0" bIns="0" anchor="ctr"/>
-          <a:p>
-            <a:pPr algn="ctr"/>
-            <a:endParaRPr b="0" lang="cs-CZ" sz="4400" spc="-1" strike="noStrike">
-              <a:latin typeface="Arial"/>
-            </a:endParaRPr>
-          </a:p>
-        </p:txBody>
-      </p:sp>
-      <p:sp>
-        <p:nvSpPr>
-          <p:cNvPr id="108" name="PlaceHolder 2"/>
-          <p:cNvSpPr>
-            <a:spLocks noGrp="1"/>
-          </p:cNvSpPr>
-          <p:nvPr>
-            <p:ph type="body"/>
-          </p:nvPr>
-        </p:nvSpPr>
-        <p:spPr>
-          <a:xfrm>
-            <a:off x="504000" y="1768680"/>
-            <a:ext cx="2921040" cy="2090880"/>
-          </a:xfrm>
-          <a:prstGeom prst="rect">
-            <a:avLst/>
-          </a:prstGeom>
-        </p:spPr>
-        <p:txBody>
-          <a:bodyPr lIns="0" rIns="0" tIns="0" bIns="0">
-            <a:normAutofit/>
-          </a:bodyPr>
-          <a:p>
-            <a:endParaRPr b="0" lang="cs-CZ" sz="3200" spc="-1" strike="noStrike">
-              <a:latin typeface="Arial"/>
-            </a:endParaRPr>
-          </a:p>
-        </p:txBody>
-      </p:sp>
-      <p:sp>
-        <p:nvSpPr>
-          <p:cNvPr id="109" name="PlaceHolder 3"/>
-          <p:cNvSpPr>
-            <a:spLocks noGrp="1"/>
-          </p:cNvSpPr>
-          <p:nvPr>
-            <p:ph type="body"/>
-          </p:nvPr>
-        </p:nvSpPr>
-        <p:spPr>
-          <a:xfrm>
-            <a:off x="3571560" y="1768680"/>
-            <a:ext cx="2921040" cy="2090880"/>
-          </a:xfrm>
-          <a:prstGeom prst="rect">
-            <a:avLst/>
-          </a:prstGeom>
-        </p:spPr>
-        <p:txBody>
-          <a:bodyPr lIns="0" rIns="0" tIns="0" bIns="0">
-            <a:normAutofit/>
-          </a:bodyPr>
-          <a:p>
-            <a:endParaRPr b="0" lang="cs-CZ" sz="3200" spc="-1" strike="noStrike">
-              <a:latin typeface="Arial"/>
-            </a:endParaRPr>
-          </a:p>
-        </p:txBody>
-      </p:sp>
-      <p:sp>
-        <p:nvSpPr>
-          <p:cNvPr id="110" name="PlaceHolder 4"/>
-          <p:cNvSpPr>
-            <a:spLocks noGrp="1"/>
-          </p:cNvSpPr>
-          <p:nvPr>
-            <p:ph type="body"/>
-          </p:nvPr>
-        </p:nvSpPr>
-        <p:spPr>
-          <a:xfrm>
-            <a:off x="6639120" y="1768680"/>
-            <a:ext cx="2921040" cy="2090880"/>
-          </a:xfrm>
-          <a:prstGeom prst="rect">
-            <a:avLst/>
-          </a:prstGeom>
-        </p:spPr>
-        <p:txBody>
-          <a:bodyPr lIns="0" rIns="0" tIns="0" bIns="0">
-            <a:normAutofit/>
-          </a:bodyPr>
-          <a:p>
-            <a:endParaRPr b="0" lang="cs-CZ" sz="3200" spc="-1" strike="noStrike">
-              <a:latin typeface="Arial"/>
-            </a:endParaRPr>
-          </a:p>
-        </p:txBody>
-      </p:sp>
-      <p:sp>
-        <p:nvSpPr>
-          <p:cNvPr id="111" name="PlaceHolder 5"/>
-          <p:cNvSpPr>
-            <a:spLocks noGrp="1"/>
-          </p:cNvSpPr>
-          <p:nvPr>
-            <p:ph type="body"/>
-          </p:nvPr>
-        </p:nvSpPr>
-        <p:spPr>
-          <a:xfrm>
-            <a:off x="504000" y="4058640"/>
-            <a:ext cx="2921040" cy="2090880"/>
-          </a:xfrm>
-          <a:prstGeom prst="rect">
-            <a:avLst/>
-          </a:prstGeom>
-        </p:spPr>
-        <p:txBody>
-          <a:bodyPr lIns="0" rIns="0" tIns="0" bIns="0">
-            <a:normAutofit/>
-          </a:bodyPr>
-          <a:p>
-            <a:endParaRPr b="0" lang="cs-CZ" sz="3200" spc="-1" strike="noStrike">
-              <a:latin typeface="Arial"/>
-            </a:endParaRPr>
-          </a:p>
-        </p:txBody>
-      </p:sp>
-      <p:sp>
-        <p:nvSpPr>
-          <p:cNvPr id="112" name="PlaceHolder 6"/>
-          <p:cNvSpPr>
-            <a:spLocks noGrp="1"/>
-          </p:cNvSpPr>
-          <p:nvPr>
-            <p:ph type="body"/>
-          </p:nvPr>
-        </p:nvSpPr>
-        <p:spPr>
-          <a:xfrm>
-            <a:off x="3571560" y="4058640"/>
-            <a:ext cx="2921040" cy="2090880"/>
-          </a:xfrm>
-          <a:prstGeom prst="rect">
-            <a:avLst/>
-          </a:prstGeom>
-        </p:spPr>
-        <p:txBody>
-          <a:bodyPr lIns="0" rIns="0" tIns="0" bIns="0">
-            <a:normAutofit/>
-          </a:bodyPr>
-          <a:p>
-            <a:endParaRPr b="0" lang="cs-CZ" sz="3200" spc="-1" strike="noStrike">
-              <a:latin typeface="Arial"/>
-            </a:endParaRPr>
-          </a:p>
-        </p:txBody>
-      </p:sp>
-      <p:sp>
-        <p:nvSpPr>
-          <p:cNvPr id="113" name="PlaceHolder 7"/>
-          <p:cNvSpPr>
-            <a:spLocks noGrp="1"/>
-          </p:cNvSpPr>
-          <p:nvPr>
-            <p:ph type="body"/>
-          </p:nvPr>
-        </p:nvSpPr>
-        <p:spPr>
-          <a:xfrm>
-            <a:off x="6639120" y="4058640"/>
-            <a:ext cx="2921040" cy="2090880"/>
           </a:xfrm>
           <a:prstGeom prst="rect">
             <a:avLst/>
@@ -4533,267 +3200,6 @@
 </p:sldMaster>
 </file>
 
-<file path=ppt/slideMasters/slideMaster3.xml><?xml version="1.0" encoding="utf-8"?>
-<p:sldMaster xmlns:a="http://schemas.openxmlformats.org/drawingml/2006/main" xmlns:p="http://schemas.openxmlformats.org/presentationml/2006/main" xmlns:r="http://schemas.openxmlformats.org/officeDocument/2006/relationships" xmlns:p14="http://schemas.microsoft.com/office/powerpoint/2010/main" xmlns:p15="http://schemas.microsoft.com/office/powerpoint/2012/main" xmlns:mc="http://schemas.openxmlformats.org/markup-compatibility/2006">
-  <p:cSld>
-    <p:bg>
-      <p:bgPr>
-        <a:blipFill rotWithShape="0">
-          <a:blip r:embed="rId2"/>
-          <a:stretch>
-            <a:fillRect/>
-          </a:stretch>
-        </a:blipFill>
-      </p:bgPr>
-    </p:bg>
-    <p:spTree>
-      <p:nvGrpSpPr>
-        <p:cNvPr id="1" name=""/>
-        <p:cNvGrpSpPr/>
-        <p:nvPr/>
-      </p:nvGrpSpPr>
-      <p:grpSpPr>
-        <a:xfrm>
-          <a:off x="0" y="0"/>
-          <a:ext cx="0" cy="0"/>
-          <a:chOff x="0" y="0"/>
-          <a:chExt cx="0" cy="0"/>
-        </a:xfrm>
-      </p:grpSpPr>
-      <p:sp>
-        <p:nvSpPr>
-          <p:cNvPr id="76" name="PlaceHolder 1"/>
-          <p:cNvSpPr>
-            <a:spLocks noGrp="1"/>
-          </p:cNvSpPr>
-          <p:nvPr>
-            <p:ph type="title"/>
-          </p:nvPr>
-        </p:nvSpPr>
-        <p:spPr>
-          <a:xfrm>
-            <a:off x="504000" y="301320"/>
-            <a:ext cx="9072000" cy="1261800"/>
-          </a:xfrm>
-          <a:prstGeom prst="rect">
-            <a:avLst/>
-          </a:prstGeom>
-        </p:spPr>
-        <p:txBody>
-          <a:bodyPr lIns="0" rIns="0" tIns="0" bIns="0" anchor="ctr"/>
-          <a:p>
-            <a:pPr algn="ctr"/>
-            <a:r>
-              <a:rPr b="0" lang="cs-CZ" sz="4400" spc="-1" strike="noStrike">
-                <a:latin typeface="Arial"/>
-              </a:rPr>
-              <a:t>Klikněte pro úpravu formátu textu nadpisu</a:t>
-            </a:r>
-            <a:endParaRPr b="0" lang="cs-CZ" sz="4400" spc="-1" strike="noStrike">
-              <a:latin typeface="Arial"/>
-            </a:endParaRPr>
-          </a:p>
-        </p:txBody>
-      </p:sp>
-      <p:sp>
-        <p:nvSpPr>
-          <p:cNvPr id="77" name="PlaceHolder 2"/>
-          <p:cNvSpPr>
-            <a:spLocks noGrp="1"/>
-          </p:cNvSpPr>
-          <p:nvPr>
-            <p:ph type="body"/>
-          </p:nvPr>
-        </p:nvSpPr>
-        <p:spPr>
-          <a:xfrm>
-            <a:off x="504000" y="1768680"/>
-            <a:ext cx="9072000" cy="4384080"/>
-          </a:xfrm>
-          <a:prstGeom prst="rect">
-            <a:avLst/>
-          </a:prstGeom>
-        </p:spPr>
-        <p:txBody>
-          <a:bodyPr lIns="0" rIns="0" tIns="0" bIns="0">
-            <a:normAutofit/>
-          </a:bodyPr>
-          <a:p>
-            <a:pPr marL="432000" indent="-324000">
-              <a:spcBef>
-                <a:spcPts val="1417"/>
-              </a:spcBef>
-              <a:buClr>
-                <a:srgbClr val="000000"/>
-              </a:buClr>
-              <a:buSzPct val="45000"/>
-              <a:buFont typeface="Wingdings" charset="2"/>
-              <a:buChar char=""/>
-            </a:pPr>
-            <a:r>
-              <a:rPr b="0" lang="cs-CZ" sz="3200" spc="-1" strike="noStrike">
-                <a:latin typeface="Arial"/>
-              </a:rPr>
-              <a:t>Klikněte pro úpravu formátu textu osnovy</a:t>
-            </a:r>
-            <a:endParaRPr b="0" lang="cs-CZ" sz="3200" spc="-1" strike="noStrike">
-              <a:latin typeface="Arial"/>
-            </a:endParaRPr>
-          </a:p>
-          <a:p>
-            <a:pPr lvl="1" marL="864000" indent="-324000">
-              <a:spcBef>
-                <a:spcPts val="1134"/>
-              </a:spcBef>
-              <a:buClr>
-                <a:srgbClr val="000000"/>
-              </a:buClr>
-              <a:buSzPct val="75000"/>
-              <a:buFont typeface="Symbol" charset="2"/>
-              <a:buChar char=""/>
-            </a:pPr>
-            <a:r>
-              <a:rPr b="0" lang="cs-CZ" sz="2800" spc="-1" strike="noStrike">
-                <a:latin typeface="Arial"/>
-              </a:rPr>
-              <a:t>Druhá úroveň</a:t>
-            </a:r>
-            <a:endParaRPr b="0" lang="cs-CZ" sz="2800" spc="-1" strike="noStrike">
-              <a:latin typeface="Arial"/>
-            </a:endParaRPr>
-          </a:p>
-          <a:p>
-            <a:pPr lvl="2" marL="1296000" indent="-288000">
-              <a:spcBef>
-                <a:spcPts val="850"/>
-              </a:spcBef>
-              <a:buClr>
-                <a:srgbClr val="000000"/>
-              </a:buClr>
-              <a:buSzPct val="45000"/>
-              <a:buFont typeface="Wingdings" charset="2"/>
-              <a:buChar char=""/>
-            </a:pPr>
-            <a:r>
-              <a:rPr b="0" lang="cs-CZ" sz="2400" spc="-1" strike="noStrike">
-                <a:latin typeface="Arial"/>
-              </a:rPr>
-              <a:t>Třetí úroveň</a:t>
-            </a:r>
-            <a:endParaRPr b="0" lang="cs-CZ" sz="2400" spc="-1" strike="noStrike">
-              <a:latin typeface="Arial"/>
-            </a:endParaRPr>
-          </a:p>
-          <a:p>
-            <a:pPr lvl="3" marL="1728000" indent="-216000">
-              <a:spcBef>
-                <a:spcPts val="567"/>
-              </a:spcBef>
-              <a:buClr>
-                <a:srgbClr val="000000"/>
-              </a:buClr>
-              <a:buSzPct val="75000"/>
-              <a:buFont typeface="Symbol" charset="2"/>
-              <a:buChar char=""/>
-            </a:pPr>
-            <a:r>
-              <a:rPr b="0" lang="cs-CZ" sz="2000" spc="-1" strike="noStrike">
-                <a:latin typeface="Arial"/>
-              </a:rPr>
-              <a:t>Čtvrtá úroveň osnovy</a:t>
-            </a:r>
-            <a:endParaRPr b="0" lang="cs-CZ" sz="2000" spc="-1" strike="noStrike">
-              <a:latin typeface="Arial"/>
-            </a:endParaRPr>
-          </a:p>
-          <a:p>
-            <a:pPr lvl="4" marL="2160000" indent="-216000">
-              <a:spcBef>
-                <a:spcPts val="283"/>
-              </a:spcBef>
-              <a:buClr>
-                <a:srgbClr val="000000"/>
-              </a:buClr>
-              <a:buSzPct val="45000"/>
-              <a:buFont typeface="Wingdings" charset="2"/>
-              <a:buChar char=""/>
-            </a:pPr>
-            <a:r>
-              <a:rPr b="0" lang="cs-CZ" sz="2000" spc="-1" strike="noStrike">
-                <a:latin typeface="Arial"/>
-              </a:rPr>
-              <a:t>Pátá úroveň osnovy</a:t>
-            </a:r>
-            <a:endParaRPr b="0" lang="cs-CZ" sz="2000" spc="-1" strike="noStrike">
-              <a:latin typeface="Arial"/>
-            </a:endParaRPr>
-          </a:p>
-          <a:p>
-            <a:pPr lvl="5" marL="2592000" indent="-216000">
-              <a:spcBef>
-                <a:spcPts val="283"/>
-              </a:spcBef>
-              <a:buClr>
-                <a:srgbClr val="000000"/>
-              </a:buClr>
-              <a:buSzPct val="45000"/>
-              <a:buFont typeface="Wingdings" charset="2"/>
-              <a:buChar char=""/>
-            </a:pPr>
-            <a:r>
-              <a:rPr b="0" lang="cs-CZ" sz="2000" spc="-1" strike="noStrike">
-                <a:latin typeface="Arial"/>
-              </a:rPr>
-              <a:t>Šestá úroveň</a:t>
-            </a:r>
-            <a:endParaRPr b="0" lang="cs-CZ" sz="2000" spc="-1" strike="noStrike">
-              <a:latin typeface="Arial"/>
-            </a:endParaRPr>
-          </a:p>
-          <a:p>
-            <a:pPr lvl="6" marL="3024000" indent="-216000">
-              <a:spcBef>
-                <a:spcPts val="283"/>
-              </a:spcBef>
-              <a:buClr>
-                <a:srgbClr val="000000"/>
-              </a:buClr>
-              <a:buSzPct val="45000"/>
-              <a:buFont typeface="Wingdings" charset="2"/>
-              <a:buChar char=""/>
-            </a:pPr>
-            <a:r>
-              <a:rPr b="0" lang="cs-CZ" sz="2000" spc="-1" strike="noStrike">
-                <a:latin typeface="Arial"/>
-              </a:rPr>
-              <a:t>Sedmá úroveň</a:t>
-            </a:r>
-            <a:endParaRPr b="0" lang="cs-CZ" sz="2000" spc="-1" strike="noStrike">
-              <a:latin typeface="Arial"/>
-            </a:endParaRPr>
-          </a:p>
-        </p:txBody>
-      </p:sp>
-    </p:spTree>
-  </p:cSld>
-  <p:clrMap bg1="lt1" bg2="lt2" tx1="dk1" tx2="dk2" accent1="accent1" accent2="accent2" accent3="accent3" accent4="accent4" accent5="accent5" accent6="accent6" hlink="hlink" folHlink="folHlink"/>
-  <p:sldLayoutIdLst>
-    <p:sldLayoutId id="2147483675" r:id="rId3"/>
-    <p:sldLayoutId id="2147483676" r:id="rId4"/>
-    <p:sldLayoutId id="2147483677" r:id="rId5"/>
-    <p:sldLayoutId id="2147483678" r:id="rId6"/>
-    <p:sldLayoutId id="2147483679" r:id="rId7"/>
-    <p:sldLayoutId id="2147483680" r:id="rId8"/>
-    <p:sldLayoutId id="2147483681" r:id="rId9"/>
-    <p:sldLayoutId id="2147483682" r:id="rId10"/>
-    <p:sldLayoutId id="2147483683" r:id="rId11"/>
-    <p:sldLayoutId id="2147483684" r:id="rId12"/>
-    <p:sldLayoutId id="2147483685" r:id="rId13"/>
-    <p:sldLayoutId id="2147483686" r:id="rId14"/>
-  </p:sldLayoutIdLst>
-</p:sldMaster>
-</file>
-
 <file path=ppt/slides/slide1.xml><?xml version="1.0" encoding="utf-8"?>
 <p:sld xmlns:a="http://schemas.openxmlformats.org/drawingml/2006/main" xmlns:p="http://schemas.openxmlformats.org/presentationml/2006/main" xmlns:r="http://schemas.openxmlformats.org/officeDocument/2006/relationships" xmlns:p14="http://schemas.microsoft.com/office/powerpoint/2010/main" xmlns:p15="http://schemas.microsoft.com/office/powerpoint/2012/main" xmlns:mc="http://schemas.openxmlformats.org/markup-compatibility/2006">
   <p:cSld>
@@ -4813,14 +3219,14 @@
       </p:grpSpPr>
       <p:sp>
         <p:nvSpPr>
-          <p:cNvPr id="114" name="CustomShape 1"/>
+          <p:cNvPr id="76" name="CustomShape 1"/>
           <p:cNvSpPr/>
           <p:nvPr/>
         </p:nvSpPr>
         <p:spPr>
           <a:xfrm>
             <a:off x="504360" y="3528000"/>
-            <a:ext cx="9069120" cy="827640"/>
+            <a:ext cx="9068760" cy="827280"/>
           </a:xfrm>
           <a:prstGeom prst="rect">
             <a:avLst/>
@@ -4864,14 +3270,14 @@
       </p:sp>
       <p:sp>
         <p:nvSpPr>
-          <p:cNvPr id="115" name="CustomShape 2"/>
+          <p:cNvPr id="77" name="CustomShape 2"/>
           <p:cNvSpPr/>
           <p:nvPr/>
         </p:nvSpPr>
         <p:spPr>
           <a:xfrm>
             <a:off x="1728000" y="1080000"/>
-            <a:ext cx="6117480" cy="939960"/>
+            <a:ext cx="6117120" cy="939600"/>
           </a:xfrm>
           <a:prstGeom prst="rect">
             <a:avLst/>
@@ -4962,14 +3368,14 @@
       </p:grpSpPr>
       <p:sp>
         <p:nvSpPr>
-          <p:cNvPr id="116" name="CustomShape 1"/>
+          <p:cNvPr id="78" name="CustomShape 1"/>
           <p:cNvSpPr/>
           <p:nvPr/>
         </p:nvSpPr>
         <p:spPr>
           <a:xfrm>
             <a:off x="504000" y="72000"/>
-            <a:ext cx="9069120" cy="861480"/>
+            <a:ext cx="9068760" cy="861120"/>
           </a:xfrm>
           <a:prstGeom prst="rect">
             <a:avLst/>
@@ -5011,14 +3417,14 @@
       </p:sp>
       <p:sp>
         <p:nvSpPr>
-          <p:cNvPr id="117" name="CustomShape 2"/>
+          <p:cNvPr id="79" name="CustomShape 2"/>
           <p:cNvSpPr/>
           <p:nvPr/>
         </p:nvSpPr>
         <p:spPr>
           <a:xfrm>
             <a:off x="504000" y="1769040"/>
-            <a:ext cx="9069120" cy="4382280"/>
+            <a:ext cx="9068760" cy="4381920"/>
           </a:xfrm>
           <a:prstGeom prst="rect">
             <a:avLst/>
@@ -5039,62 +3445,50 @@
             <a:normAutofit/>
           </a:bodyPr>
           <a:p>
-            <a:r>
-              <a:rPr b="0" lang="cs-CZ" sz="3200" spc="-1" strike="noStrike">
-                <a:solidFill>
-                  <a:srgbClr val="000000"/>
-                </a:solidFill>
-                <a:latin typeface="Courier New"/>
-                <a:ea typeface="DejaVu Sans"/>
-              </a:rPr>
-              <a:t>from microbit import *</a:t>
-            </a:r>
-            <a:endParaRPr b="0" lang="cs-CZ" sz="3200" spc="-1" strike="noStrike">
-              <a:latin typeface="Arial"/>
-            </a:endParaRPr>
-          </a:p>
-          <a:p>
-            <a:r>
-              <a:rPr b="0" lang="cs-CZ" sz="3200" spc="-1" strike="noStrike">
-                <a:solidFill>
-                  <a:srgbClr val="000000"/>
-                </a:solidFill>
-                <a:latin typeface="Courier New"/>
-                <a:ea typeface="DejaVu Sans"/>
-              </a:rPr>
-              <a:t>import speech</a:t>
-            </a:r>
-            <a:endParaRPr b="0" lang="cs-CZ" sz="3200" spc="-1" strike="noStrike">
-              <a:latin typeface="Arial"/>
-            </a:endParaRPr>
-          </a:p>
-          <a:p>
-            <a:endParaRPr b="0" lang="cs-CZ" sz="3200" spc="-1" strike="noStrike">
-              <a:latin typeface="Arial"/>
-            </a:endParaRPr>
-          </a:p>
-          <a:p>
-            <a:r>
-              <a:rPr b="0" lang="cs-CZ" sz="3200" spc="-1" strike="noStrike">
-                <a:solidFill>
-                  <a:srgbClr val="000000"/>
-                </a:solidFill>
-                <a:latin typeface="Courier New"/>
-                <a:ea typeface="DejaVu Sans"/>
-              </a:rPr>
-              <a:t>speech.say("Hello",speed=100)</a:t>
-            </a:r>
-            <a:endParaRPr b="0" lang="cs-CZ" sz="3200" spc="-1" strike="noStrike">
-              <a:latin typeface="Arial"/>
-            </a:endParaRPr>
-          </a:p>
-          <a:p>
-            <a:endParaRPr b="0" lang="cs-CZ" sz="3200" spc="-1" strike="noStrike">
-              <a:latin typeface="Arial"/>
-            </a:endParaRPr>
-          </a:p>
-          <a:p>
-            <a:pPr marL="216000" indent="-216000">
+            <a:pPr>
+              <a:lnSpc>
+                <a:spcPct val="100000"/>
+              </a:lnSpc>
+            </a:pPr>
+            <a:endParaRPr b="0" lang="cs-CZ" sz="1800" spc="-1" strike="noStrike">
+              <a:latin typeface="Arial"/>
+            </a:endParaRPr>
+          </a:p>
+          <a:p>
+            <a:pPr>
+              <a:lnSpc>
+                <a:spcPct val="100000"/>
+              </a:lnSpc>
+            </a:pPr>
+            <a:endParaRPr b="0" lang="cs-CZ" sz="1800" spc="-1" strike="noStrike">
+              <a:latin typeface="Arial"/>
+            </a:endParaRPr>
+          </a:p>
+          <a:p>
+            <a:pPr>
+              <a:lnSpc>
+                <a:spcPct val="100000"/>
+              </a:lnSpc>
+            </a:pPr>
+            <a:endParaRPr b="0" lang="cs-CZ" sz="1800" spc="-1" strike="noStrike">
+              <a:latin typeface="Arial"/>
+            </a:endParaRPr>
+          </a:p>
+          <a:p>
+            <a:pPr>
+              <a:lnSpc>
+                <a:spcPct val="100000"/>
+              </a:lnSpc>
+            </a:pPr>
+            <a:endParaRPr b="0" lang="cs-CZ" sz="1800" spc="-1" strike="noStrike">
+              <a:latin typeface="Arial"/>
+            </a:endParaRPr>
+          </a:p>
+          <a:p>
+            <a:pPr marL="216000" indent="-215640">
+              <a:lnSpc>
+                <a:spcPct val="100000"/>
+              </a:lnSpc>
               <a:buClr>
                 <a:srgbClr val="000000"/>
               </a:buClr>
@@ -5127,7 +3521,10 @@
             </a:endParaRPr>
           </a:p>
           <a:p>
-            <a:pPr marL="216000" indent="-216000">
+            <a:pPr marL="216000" indent="-215640">
+              <a:lnSpc>
+                <a:spcPct val="100000"/>
+              </a:lnSpc>
               <a:buClr>
                 <a:srgbClr val="000000"/>
               </a:buClr>
@@ -5160,7 +3557,10 @@
             </a:endParaRPr>
           </a:p>
           <a:p>
-            <a:pPr marL="216000" indent="-216000">
+            <a:pPr marL="216000" indent="-215640">
+              <a:lnSpc>
+                <a:spcPct val="100000"/>
+              </a:lnSpc>
               <a:buClr>
                 <a:srgbClr val="000000"/>
               </a:buClr>
@@ -5186,7 +3586,234 @@
                 <a:latin typeface="Times New Roman"/>
                 <a:ea typeface="DejaVu Sans"/>
               </a:rPr>
-              <a:t>Knihovna speech je dosud experimentální a umí hovořit pouze anglicky</a:t>
+              <a:t>Knihovna speech je dosud experimentální a umí hovořit pouze anglicky – je proto nutné použít anglickou transkripci např. „Yoseph“ místo Josef</a:t>
+            </a:r>
+            <a:endParaRPr b="0" lang="cs-CZ" sz="3200" spc="-1" strike="noStrike">
+              <a:latin typeface="Arial"/>
+            </a:endParaRPr>
+          </a:p>
+        </p:txBody>
+      </p:sp>
+      <p:sp>
+        <p:nvSpPr>
+          <p:cNvPr id="80" name="TextShape 3"/>
+          <p:cNvSpPr txBox="1"/>
+          <p:nvPr/>
+        </p:nvSpPr>
+        <p:spPr>
+          <a:xfrm>
+            <a:off x="871920" y="1667160"/>
+            <a:ext cx="7920000" cy="1471680"/>
+          </a:xfrm>
+          <a:prstGeom prst="rect">
+            <a:avLst/>
+          </a:prstGeom>
+          <a:solidFill>
+            <a:srgbClr val="dddddd"/>
+          </a:solidFill>
+          <a:ln>
+            <a:solidFill>
+              <a:srgbClr val="000000"/>
+            </a:solidFill>
+          </a:ln>
+        </p:spPr>
+        <p:txBody>
+          <a:bodyPr lIns="90000" rIns="90000" tIns="45000" bIns="45000"/>
+          <a:p>
+            <a:pPr>
+              <a:lnSpc>
+                <a:spcPct val="100000"/>
+              </a:lnSpc>
+            </a:pPr>
+            <a:r>
+              <a:rPr b="0" lang="cs-CZ" sz="3200" spc="-1" strike="noStrike">
+                <a:solidFill>
+                  <a:srgbClr val="008000"/>
+                </a:solidFill>
+                <a:latin typeface="Courier New"/>
+                <a:ea typeface="DejaVu Sans"/>
+              </a:rPr>
+              <a:t>from</a:t>
+            </a:r>
+            <a:r>
+              <a:rPr b="0" lang="cs-CZ" sz="3200" spc="-1" strike="noStrike">
+                <a:solidFill>
+                  <a:srgbClr val="000000"/>
+                </a:solidFill>
+                <a:latin typeface="Courier New"/>
+                <a:ea typeface="DejaVu Sans"/>
+              </a:rPr>
+              <a:t> </a:t>
+            </a:r>
+            <a:r>
+              <a:rPr b="0" lang="cs-CZ" sz="3200" spc="-1" strike="noStrike">
+                <a:solidFill>
+                  <a:srgbClr val="0000ff"/>
+                </a:solidFill>
+                <a:latin typeface="Courier New"/>
+                <a:ea typeface="DejaVu Sans"/>
+              </a:rPr>
+              <a:t>microbit</a:t>
+            </a:r>
+            <a:r>
+              <a:rPr b="0" lang="cs-CZ" sz="3200" spc="-1" strike="noStrike">
+                <a:solidFill>
+                  <a:srgbClr val="000000"/>
+                </a:solidFill>
+                <a:latin typeface="Courier New"/>
+                <a:ea typeface="DejaVu Sans"/>
+              </a:rPr>
+              <a:t> </a:t>
+            </a:r>
+            <a:r>
+              <a:rPr b="0" lang="cs-CZ" sz="3200" spc="-1" strike="noStrike">
+                <a:solidFill>
+                  <a:srgbClr val="008000"/>
+                </a:solidFill>
+                <a:latin typeface="Courier New"/>
+                <a:ea typeface="DejaVu Sans"/>
+              </a:rPr>
+              <a:t>import</a:t>
+            </a:r>
+            <a:r>
+              <a:rPr b="0" lang="cs-CZ" sz="3200" spc="-1" strike="noStrike">
+                <a:solidFill>
+                  <a:srgbClr val="000000"/>
+                </a:solidFill>
+                <a:latin typeface="Courier New"/>
+                <a:ea typeface="DejaVu Sans"/>
+              </a:rPr>
+              <a:t> </a:t>
+            </a:r>
+            <a:r>
+              <a:rPr b="0" lang="cs-CZ" sz="3200" spc="-1" strike="noStrike">
+                <a:solidFill>
+                  <a:srgbClr val="666666"/>
+                </a:solidFill>
+                <a:latin typeface="Courier New"/>
+                <a:ea typeface="DejaVu Sans"/>
+              </a:rPr>
+              <a:t>*</a:t>
+            </a:r>
+            <a:endParaRPr b="0" lang="cs-CZ" sz="3200" spc="-1" strike="noStrike">
+              <a:latin typeface="Arial"/>
+            </a:endParaRPr>
+          </a:p>
+          <a:p>
+            <a:pPr>
+              <a:lnSpc>
+                <a:spcPct val="100000"/>
+              </a:lnSpc>
+            </a:pPr>
+            <a:r>
+              <a:rPr b="0" lang="cs-CZ" sz="3200" spc="-1" strike="noStrike">
+                <a:solidFill>
+                  <a:srgbClr val="008000"/>
+                </a:solidFill>
+                <a:latin typeface="Courier New"/>
+                <a:ea typeface="DejaVu Sans"/>
+              </a:rPr>
+              <a:t>import</a:t>
+            </a:r>
+            <a:r>
+              <a:rPr b="0" lang="cs-CZ" sz="3200" spc="-1" strike="noStrike">
+                <a:solidFill>
+                  <a:srgbClr val="000000"/>
+                </a:solidFill>
+                <a:latin typeface="Courier New"/>
+                <a:ea typeface="DejaVu Sans"/>
+              </a:rPr>
+              <a:t> </a:t>
+            </a:r>
+            <a:r>
+              <a:rPr b="0" lang="cs-CZ" sz="3200" spc="-1" strike="noStrike">
+                <a:solidFill>
+                  <a:srgbClr val="0000ff"/>
+                </a:solidFill>
+                <a:latin typeface="Courier New"/>
+                <a:ea typeface="DejaVu Sans"/>
+              </a:rPr>
+              <a:t>speech</a:t>
+            </a:r>
+            <a:endParaRPr b="0" lang="cs-CZ" sz="3200" spc="-1" strike="noStrike">
+              <a:latin typeface="Arial"/>
+            </a:endParaRPr>
+          </a:p>
+          <a:p>
+            <a:pPr>
+              <a:lnSpc>
+                <a:spcPct val="100000"/>
+              </a:lnSpc>
+            </a:pPr>
+            <a:r>
+              <a:rPr b="0" lang="cs-CZ" sz="3200" spc="-1" strike="noStrike">
+                <a:solidFill>
+                  <a:srgbClr val="000000"/>
+                </a:solidFill>
+                <a:latin typeface="Courier New"/>
+                <a:ea typeface="DejaVu Sans"/>
+              </a:rPr>
+              <a:t>speech</a:t>
+            </a:r>
+            <a:r>
+              <a:rPr b="0" lang="cs-CZ" sz="3200" spc="-1" strike="noStrike">
+                <a:solidFill>
+                  <a:srgbClr val="666666"/>
+                </a:solidFill>
+                <a:latin typeface="Courier New"/>
+                <a:ea typeface="DejaVu Sans"/>
+              </a:rPr>
+              <a:t>.</a:t>
+            </a:r>
+            <a:r>
+              <a:rPr b="0" lang="cs-CZ" sz="3200" spc="-1" strike="noStrike">
+                <a:solidFill>
+                  <a:srgbClr val="000000"/>
+                </a:solidFill>
+                <a:latin typeface="Courier New"/>
+                <a:ea typeface="DejaVu Sans"/>
+              </a:rPr>
+              <a:t>say(</a:t>
+            </a:r>
+            <a:r>
+              <a:rPr b="0" lang="cs-CZ" sz="3200" spc="-1" strike="noStrike">
+                <a:solidFill>
+                  <a:srgbClr val="ba2121"/>
+                </a:solidFill>
+                <a:latin typeface="Courier New"/>
+                <a:ea typeface="DejaVu Sans"/>
+              </a:rPr>
+              <a:t>"Hello"</a:t>
+            </a:r>
+            <a:r>
+              <a:rPr b="0" lang="cs-CZ" sz="3200" spc="-1" strike="noStrike">
+                <a:solidFill>
+                  <a:srgbClr val="000000"/>
+                </a:solidFill>
+                <a:latin typeface="Courier New"/>
+                <a:ea typeface="DejaVu Sans"/>
+              </a:rPr>
+              <a:t>,speed</a:t>
+            </a:r>
+            <a:r>
+              <a:rPr b="0" lang="cs-CZ" sz="3200" spc="-1" strike="noStrike">
+                <a:solidFill>
+                  <a:srgbClr val="666666"/>
+                </a:solidFill>
+                <a:latin typeface="Courier New"/>
+                <a:ea typeface="DejaVu Sans"/>
+              </a:rPr>
+              <a:t>=100</a:t>
+            </a:r>
+            <a:r>
+              <a:rPr b="0" lang="cs-CZ" sz="3200" spc="-1" strike="noStrike">
+                <a:solidFill>
+                  <a:srgbClr val="000000"/>
+                </a:solidFill>
+                <a:latin typeface="Courier New"/>
+                <a:ea typeface="DejaVu Sans"/>
+              </a:rPr>
+              <a:t>)</a:t>
             </a:r>
             <a:endParaRPr b="0" lang="cs-CZ" sz="3200" spc="-1" strike="noStrike">
               <a:latin typeface="Arial"/>
@@ -5245,14 +3872,14 @@
       </p:grpSpPr>
       <p:sp>
         <p:nvSpPr>
-          <p:cNvPr id="118" name="CustomShape 1"/>
+          <p:cNvPr id="81" name="CustomShape 1"/>
           <p:cNvSpPr/>
           <p:nvPr/>
         </p:nvSpPr>
         <p:spPr>
           <a:xfrm>
             <a:off x="576000" y="72000"/>
-            <a:ext cx="9069120" cy="861480"/>
+            <a:ext cx="9068760" cy="861120"/>
           </a:xfrm>
           <a:prstGeom prst="rect">
             <a:avLst/>
@@ -5294,20 +3921,20 @@
       </p:sp>
       <p:sp>
         <p:nvSpPr>
-          <p:cNvPr id="119" name="CustomShape 2"/>
+          <p:cNvPr id="82" name="CustomShape 2"/>
           <p:cNvSpPr/>
           <p:nvPr/>
         </p:nvSpPr>
         <p:spPr>
           <a:xfrm>
             <a:off x="79200" y="1769040"/>
-            <a:ext cx="9918000" cy="3196800"/>
+            <a:ext cx="9917640" cy="3774960"/>
           </a:xfrm>
           <a:prstGeom prst="rect">
             <a:avLst/>
           </a:prstGeom>
           <a:solidFill>
-            <a:srgbClr val="729fcf"/>
+            <a:srgbClr val="dddddd"/>
           </a:solidFill>
           <a:ln>
             <a:solidFill>
@@ -5324,180 +3951,1280 @@
         <p:txBody>
           <a:bodyPr wrap="none" lIns="90000" rIns="90000" tIns="45000" bIns="45000"/>
           <a:p>
+            <a:pPr>
+              <a:lnSpc>
+                <a:spcPct val="100000"/>
+              </a:lnSpc>
+            </a:pPr>
             <a:endParaRPr b="0" lang="cs-CZ" sz="1800" spc="-1" strike="noStrike">
               <a:latin typeface="Arial"/>
             </a:endParaRPr>
           </a:p>
           <a:p>
-            <a:r>
-              <a:rPr b="0" lang="cs-CZ" sz="1800" spc="-1" strike="noStrike">
-                <a:latin typeface="Courier New"/>
+            <a:pPr>
+              <a:lnSpc>
+                <a:spcPct val="100000"/>
+              </a:lnSpc>
+            </a:pPr>
+            <a:r>
+              <a:rPr b="0" lang="cs-CZ" sz="1800" spc="-1" strike="noStrike">
+                <a:solidFill>
+                  <a:srgbClr val="008000"/>
+                </a:solidFill>
+                <a:latin typeface="Courier New"/>
+                <a:ea typeface="DejaVu Sans"/>
               </a:rPr>
               <a:t> </a:t>
             </a:r>
             <a:r>
               <a:rPr b="0" lang="cs-CZ" sz="1800" spc="-1" strike="noStrike">
-                <a:latin typeface="Courier New"/>
-              </a:rPr>
-              <a:t>from microbit import *</a:t>
+                <a:solidFill>
+                  <a:srgbClr val="008000"/>
+                </a:solidFill>
+                <a:latin typeface="Courier New"/>
+                <a:ea typeface="DejaVu Sans"/>
+              </a:rPr>
+              <a:t>fro</a:t>
+            </a:r>
+            <a:r>
+              <a:rPr b="0" lang="cs-CZ" sz="1800" spc="-1" strike="noStrike">
+                <a:solidFill>
+                  <a:srgbClr val="000000"/>
+                </a:solidFill>
+                <a:latin typeface="Courier New"/>
+                <a:ea typeface="DejaVu Sans"/>
+              </a:rPr>
+              <a:t>m</a:t>
+            </a:r>
+            <a:r>
+              <a:rPr b="0" lang="cs-CZ" sz="1800" spc="-1" strike="noStrike">
+                <a:solidFill>
+                  <a:srgbClr val="0000ff"/>
+                </a:solidFill>
+                <a:latin typeface="Courier New"/>
+                <a:ea typeface="DejaVu Sans"/>
+              </a:rPr>
+              <a:t> microbi</a:t>
+            </a:r>
+            <a:r>
+              <a:rPr b="0" lang="cs-CZ" sz="1800" spc="-1" strike="noStrike">
+                <a:solidFill>
+                  <a:srgbClr val="000000"/>
+                </a:solidFill>
+                <a:latin typeface="Courier New"/>
+                <a:ea typeface="DejaVu Sans"/>
+              </a:rPr>
+              <a:t>t</a:t>
+            </a:r>
+            <a:r>
+              <a:rPr b="0" lang="cs-CZ" sz="1800" spc="-1" strike="noStrike">
+                <a:solidFill>
+                  <a:srgbClr val="008000"/>
+                </a:solidFill>
+                <a:latin typeface="Courier New"/>
+                <a:ea typeface="DejaVu Sans"/>
+              </a:rPr>
+              <a:t> impor</a:t>
+            </a:r>
+            <a:r>
+              <a:rPr b="0" lang="cs-CZ" sz="1800" spc="-1" strike="noStrike">
+                <a:solidFill>
+                  <a:srgbClr val="000000"/>
+                </a:solidFill>
+                <a:latin typeface="Courier New"/>
+                <a:ea typeface="DejaVu Sans"/>
+              </a:rPr>
+              <a:t>t</a:t>
+            </a:r>
+            <a:r>
+              <a:rPr b="0" lang="cs-CZ" sz="1800" spc="-1" strike="noStrike">
+                <a:solidFill>
+                  <a:srgbClr val="666666"/>
+                </a:solidFill>
+                <a:latin typeface="Courier New"/>
+                <a:ea typeface="DejaVu Sans"/>
+              </a:rPr>
+              <a:t> </a:t>
+            </a:r>
+            <a:r>
+              <a:rPr b="0" lang="cs-CZ" sz="1800" spc="-1" strike="noStrike">
+                <a:solidFill>
+                  <a:srgbClr val="000000"/>
+                </a:solidFill>
+                <a:latin typeface="Courier New"/>
+                <a:ea typeface="DejaVu Sans"/>
+              </a:rPr>
+              <a:t>*</a:t>
             </a:r>
             <a:endParaRPr b="0" lang="cs-CZ" sz="1800" spc="-1" strike="noStrike">
               <a:latin typeface="Arial"/>
             </a:endParaRPr>
           </a:p>
           <a:p>
-            <a:r>
-              <a:rPr b="0" lang="cs-CZ" sz="1800" spc="-1" strike="noStrike">
-                <a:latin typeface="Courier New"/>
+            <a:pPr>
+              <a:lnSpc>
+                <a:spcPct val="100000"/>
+              </a:lnSpc>
+            </a:pPr>
+            <a:r>
+              <a:rPr b="0" lang="cs-CZ" sz="1800" spc="-1" strike="noStrike">
+                <a:solidFill>
+                  <a:srgbClr val="008000"/>
+                </a:solidFill>
+                <a:latin typeface="Courier New"/>
+                <a:ea typeface="DejaVu Sans"/>
               </a:rPr>
               <a:t> </a:t>
             </a:r>
             <a:r>
               <a:rPr b="0" lang="cs-CZ" sz="1800" spc="-1" strike="noStrike">
-                <a:latin typeface="Courier New"/>
-              </a:rPr>
-              <a:t>import music</a:t>
+                <a:solidFill>
+                  <a:srgbClr val="008000"/>
+                </a:solidFill>
+                <a:latin typeface="Courier New"/>
+                <a:ea typeface="DejaVu Sans"/>
+              </a:rPr>
+              <a:t>impor</a:t>
+            </a:r>
+            <a:r>
+              <a:rPr b="0" lang="cs-CZ" sz="1800" spc="-1" strike="noStrike">
+                <a:solidFill>
+                  <a:srgbClr val="000000"/>
+                </a:solidFill>
+                <a:latin typeface="Courier New"/>
+                <a:ea typeface="DejaVu Sans"/>
+              </a:rPr>
+              <a:t>t</a:t>
+            </a:r>
+            <a:r>
+              <a:rPr b="0" lang="cs-CZ" sz="1800" spc="-1" strike="noStrike">
+                <a:solidFill>
+                  <a:srgbClr val="0000ff"/>
+                </a:solidFill>
+                <a:latin typeface="Courier New"/>
+                <a:ea typeface="DejaVu Sans"/>
+              </a:rPr>
+              <a:t> musi</a:t>
+            </a:r>
+            <a:r>
+              <a:rPr b="0" lang="cs-CZ" sz="1800" spc="-1" strike="noStrike">
+                <a:solidFill>
+                  <a:srgbClr val="000000"/>
+                </a:solidFill>
+                <a:latin typeface="Courier New"/>
+                <a:ea typeface="DejaVu Sans"/>
+              </a:rPr>
+              <a:t>c</a:t>
             </a:r>
             <a:endParaRPr b="0" lang="cs-CZ" sz="1800" spc="-1" strike="noStrike">
               <a:latin typeface="Arial"/>
             </a:endParaRPr>
           </a:p>
           <a:p>
+            <a:pPr>
+              <a:lnSpc>
+                <a:spcPct val="100000"/>
+              </a:lnSpc>
+            </a:pPr>
             <a:endParaRPr b="0" lang="cs-CZ" sz="1800" spc="-1" strike="noStrike">
               <a:latin typeface="Arial"/>
             </a:endParaRPr>
           </a:p>
           <a:p>
-            <a:r>
-              <a:rPr b="0" lang="cs-CZ" sz="1800" spc="-1" strike="noStrike">
-                <a:latin typeface="Courier New"/>
+            <a:pPr>
+              <a:lnSpc>
+                <a:spcPct val="100000"/>
+              </a:lnSpc>
+            </a:pPr>
+            <a:r>
+              <a:rPr b="0" lang="cs-CZ" sz="1800" spc="-1" strike="noStrike">
+                <a:solidFill>
+                  <a:srgbClr val="000000"/>
+                </a:solidFill>
+                <a:latin typeface="Courier New"/>
+                <a:ea typeface="DejaVu Sans"/>
               </a:rPr>
               <a:t> </a:t>
             </a:r>
             <a:r>
               <a:rPr b="0" lang="cs-CZ" sz="1800" spc="-1" strike="noStrike">
-                <a:latin typeface="Courier New"/>
-              </a:rPr>
-              <a:t>nota = ["C4:4", "R:1", "E4:4", "R:1", "F4:4", "R:4", "C4:4",          </a:t>
+                <a:solidFill>
+                  <a:srgbClr val="000000"/>
+                </a:solidFill>
+                <a:latin typeface="Courier New"/>
+                <a:ea typeface="DejaVu Sans"/>
+              </a:rPr>
+              <a:t>nota</a:t>
+            </a:r>
+            <a:r>
+              <a:rPr b="0" lang="cs-CZ" sz="1800" spc="-1" strike="noStrike">
+                <a:solidFill>
+                  <a:srgbClr val="666666"/>
+                </a:solidFill>
+                <a:latin typeface="Courier New"/>
+                <a:ea typeface="DejaVu Sans"/>
+              </a:rPr>
+              <a:t> </a:t>
+            </a:r>
+            <a:r>
+              <a:rPr b="0" lang="cs-CZ" sz="1800" spc="-1" strike="noStrike">
+                <a:solidFill>
+                  <a:srgbClr val="000000"/>
+                </a:solidFill>
+                <a:latin typeface="Courier New"/>
+                <a:ea typeface="DejaVu Sans"/>
+              </a:rPr>
+              <a:t>= </a:t>
+            </a:r>
+            <a:r>
+              <a:rPr b="0" lang="cs-CZ" sz="1800" spc="-1" strike="noStrike">
+                <a:solidFill>
+                  <a:srgbClr val="ba2121"/>
+                </a:solidFill>
+                <a:latin typeface="Courier New"/>
+                <a:ea typeface="DejaVu Sans"/>
+              </a:rPr>
+              <a:t>["C4:4</a:t>
+            </a:r>
+            <a:r>
+              <a:rPr b="0" lang="cs-CZ" sz="1800" spc="-1" strike="noStrike">
+                <a:solidFill>
+                  <a:srgbClr val="000000"/>
+                </a:solidFill>
+                <a:latin typeface="Courier New"/>
+                <a:ea typeface="DejaVu Sans"/>
+              </a:rPr>
+              <a:t>",</a:t>
+            </a:r>
+            <a:r>
+              <a:rPr b="0" lang="cs-CZ" sz="1800" spc="-1" strike="noStrike">
+                <a:solidFill>
+                  <a:srgbClr val="ba2121"/>
+                </a:solidFill>
+                <a:latin typeface="Courier New"/>
+                <a:ea typeface="DejaVu Sans"/>
+              </a:rPr>
+              <a:t> "R:1</a:t>
+            </a:r>
+            <a:r>
+              <a:rPr b="0" lang="cs-CZ" sz="1800" spc="-1" strike="noStrike">
+                <a:solidFill>
+                  <a:srgbClr val="000000"/>
+                </a:solidFill>
+                <a:latin typeface="Courier New"/>
+                <a:ea typeface="DejaVu Sans"/>
+              </a:rPr>
+              <a:t>",</a:t>
+            </a:r>
+            <a:r>
+              <a:rPr b="0" lang="cs-CZ" sz="1800" spc="-1" strike="noStrike">
+                <a:solidFill>
+                  <a:srgbClr val="ba2121"/>
+                </a:solidFill>
+                <a:latin typeface="Courier New"/>
+                <a:ea typeface="DejaVu Sans"/>
+              </a:rPr>
+              <a:t> "E4:4</a:t>
+            </a:r>
+            <a:r>
+              <a:rPr b="0" lang="cs-CZ" sz="1800" spc="-1" strike="noStrike">
+                <a:solidFill>
+                  <a:srgbClr val="000000"/>
+                </a:solidFill>
+                <a:latin typeface="Courier New"/>
+                <a:ea typeface="DejaVu Sans"/>
+              </a:rPr>
+              <a:t>",</a:t>
+            </a:r>
+            <a:r>
+              <a:rPr b="0" lang="cs-CZ" sz="1800" spc="-1" strike="noStrike">
+                <a:solidFill>
+                  <a:srgbClr val="ba2121"/>
+                </a:solidFill>
+                <a:latin typeface="Courier New"/>
+                <a:ea typeface="DejaVu Sans"/>
+              </a:rPr>
+              <a:t> "R:1</a:t>
+            </a:r>
+            <a:r>
+              <a:rPr b="0" lang="cs-CZ" sz="1800" spc="-1" strike="noStrike">
+                <a:solidFill>
+                  <a:srgbClr val="000000"/>
+                </a:solidFill>
+                <a:latin typeface="Courier New"/>
+                <a:ea typeface="DejaVu Sans"/>
+              </a:rPr>
+              <a:t>",</a:t>
+            </a:r>
+            <a:r>
+              <a:rPr b="0" lang="cs-CZ" sz="1800" spc="-1" strike="noStrike">
+                <a:solidFill>
+                  <a:srgbClr val="ba2121"/>
+                </a:solidFill>
+                <a:latin typeface="Courier New"/>
+                <a:ea typeface="DejaVu Sans"/>
+              </a:rPr>
+              <a:t> "F4:4</a:t>
+            </a:r>
+            <a:r>
+              <a:rPr b="0" lang="cs-CZ" sz="1800" spc="-1" strike="noStrike">
+                <a:solidFill>
+                  <a:srgbClr val="000000"/>
+                </a:solidFill>
+                <a:latin typeface="Courier New"/>
+                <a:ea typeface="DejaVu Sans"/>
+              </a:rPr>
+              <a:t>",</a:t>
+            </a:r>
+            <a:r>
+              <a:rPr b="0" lang="cs-CZ" sz="1800" spc="-1" strike="noStrike">
+                <a:solidFill>
+                  <a:srgbClr val="ba2121"/>
+                </a:solidFill>
+                <a:latin typeface="Courier New"/>
+                <a:ea typeface="DejaVu Sans"/>
+              </a:rPr>
+              <a:t> "R:4</a:t>
+            </a:r>
+            <a:r>
+              <a:rPr b="0" lang="cs-CZ" sz="1800" spc="-1" strike="noStrike">
+                <a:solidFill>
+                  <a:srgbClr val="000000"/>
+                </a:solidFill>
+                <a:latin typeface="Courier New"/>
+                <a:ea typeface="DejaVu Sans"/>
+              </a:rPr>
+              <a:t>",</a:t>
+            </a:r>
+            <a:r>
+              <a:rPr b="0" lang="cs-CZ" sz="1800" spc="-1" strike="noStrike">
+                <a:solidFill>
+                  <a:srgbClr val="ba2121"/>
+                </a:solidFill>
+                <a:latin typeface="Courier New"/>
+                <a:ea typeface="DejaVu Sans"/>
+              </a:rPr>
+              <a:t> "C4:4</a:t>
+            </a:r>
+            <a:r>
+              <a:rPr b="0" lang="cs-CZ" sz="1800" spc="-1" strike="noStrike">
+                <a:solidFill>
+                  <a:srgbClr val="000000"/>
+                </a:solidFill>
+                <a:latin typeface="Courier New"/>
+                <a:ea typeface="DejaVu Sans"/>
+              </a:rPr>
+              <a:t>",          </a:t>
             </a:r>
             <a:endParaRPr b="0" lang="cs-CZ" sz="1800" spc="-1" strike="noStrike">
               <a:latin typeface="Arial"/>
             </a:endParaRPr>
           </a:p>
           <a:p>
-            <a:r>
-              <a:rPr b="0" lang="cs-CZ" sz="1800" spc="-1" strike="noStrike">
-                <a:latin typeface="Courier New"/>
-              </a:rPr>
-              <a:t>        </a:t>
-            </a:r>
-            <a:r>
-              <a:rPr b="0" lang="cs-CZ" sz="1800" spc="-1" strike="noStrike">
-                <a:latin typeface="Courier New"/>
-              </a:rPr>
-              <a:t>"R:1", "E4:4", "R:1", "F4:4", "R:4",</a:t>
+            <a:pPr>
+              <a:lnSpc>
+                <a:spcPct val="100000"/>
+              </a:lnSpc>
+            </a:pPr>
+            <a:r>
+              <a:rPr b="0" lang="cs-CZ" sz="1800" spc="-1" strike="noStrike">
+                <a:solidFill>
+                  <a:srgbClr val="000000"/>
+                </a:solidFill>
+                <a:latin typeface="Courier New"/>
+                <a:ea typeface="DejaVu Sans"/>
+              </a:rPr>
+              <a:t>       </a:t>
+            </a:r>
+            <a:r>
+              <a:rPr b="0" lang="cs-CZ" sz="1800" spc="-1" strike="noStrike">
+                <a:solidFill>
+                  <a:srgbClr val="ba2121"/>
+                </a:solidFill>
+                <a:latin typeface="Courier New"/>
+                <a:ea typeface="DejaVu Sans"/>
+              </a:rPr>
+              <a:t>  </a:t>
+            </a:r>
+            <a:r>
+              <a:rPr b="0" lang="cs-CZ" sz="1800" spc="-1" strike="noStrike">
+                <a:solidFill>
+                  <a:srgbClr val="ba2121"/>
+                </a:solidFill>
+                <a:latin typeface="Courier New"/>
+                <a:ea typeface="DejaVu Sans"/>
+              </a:rPr>
+              <a:t>"R:1</a:t>
+            </a:r>
+            <a:r>
+              <a:rPr b="0" lang="cs-CZ" sz="1800" spc="-1" strike="noStrike">
+                <a:solidFill>
+                  <a:srgbClr val="000000"/>
+                </a:solidFill>
+                <a:latin typeface="Courier New"/>
+                <a:ea typeface="DejaVu Sans"/>
+              </a:rPr>
+              <a:t>",</a:t>
+            </a:r>
+            <a:r>
+              <a:rPr b="0" lang="cs-CZ" sz="1800" spc="-1" strike="noStrike">
+                <a:solidFill>
+                  <a:srgbClr val="ba2121"/>
+                </a:solidFill>
+                <a:latin typeface="Courier New"/>
+                <a:ea typeface="DejaVu Sans"/>
+              </a:rPr>
+              <a:t> "E4:4</a:t>
+            </a:r>
+            <a:r>
+              <a:rPr b="0" lang="cs-CZ" sz="1800" spc="-1" strike="noStrike">
+                <a:solidFill>
+                  <a:srgbClr val="000000"/>
+                </a:solidFill>
+                <a:latin typeface="Courier New"/>
+                <a:ea typeface="DejaVu Sans"/>
+              </a:rPr>
+              <a:t>",</a:t>
+            </a:r>
+            <a:r>
+              <a:rPr b="0" lang="cs-CZ" sz="1800" spc="-1" strike="noStrike">
+                <a:solidFill>
+                  <a:srgbClr val="ba2121"/>
+                </a:solidFill>
+                <a:latin typeface="Courier New"/>
+                <a:ea typeface="DejaVu Sans"/>
+              </a:rPr>
+              <a:t> "R:1</a:t>
+            </a:r>
+            <a:r>
+              <a:rPr b="0" lang="cs-CZ" sz="1800" spc="-1" strike="noStrike">
+                <a:solidFill>
+                  <a:srgbClr val="000000"/>
+                </a:solidFill>
+                <a:latin typeface="Courier New"/>
+                <a:ea typeface="DejaVu Sans"/>
+              </a:rPr>
+              <a:t>",</a:t>
+            </a:r>
+            <a:r>
+              <a:rPr b="0" lang="cs-CZ" sz="1800" spc="-1" strike="noStrike">
+                <a:solidFill>
+                  <a:srgbClr val="ba2121"/>
+                </a:solidFill>
+                <a:latin typeface="Courier New"/>
+                <a:ea typeface="DejaVu Sans"/>
+              </a:rPr>
+              <a:t> "F4:4</a:t>
+            </a:r>
+            <a:r>
+              <a:rPr b="0" lang="cs-CZ" sz="1800" spc="-1" strike="noStrike">
+                <a:solidFill>
+                  <a:srgbClr val="000000"/>
+                </a:solidFill>
+                <a:latin typeface="Courier New"/>
+                <a:ea typeface="DejaVu Sans"/>
+              </a:rPr>
+              <a:t>",</a:t>
+            </a:r>
+            <a:r>
+              <a:rPr b="0" lang="cs-CZ" sz="1800" spc="-1" strike="noStrike">
+                <a:solidFill>
+                  <a:srgbClr val="ba2121"/>
+                </a:solidFill>
+                <a:latin typeface="Courier New"/>
+                <a:ea typeface="DejaVu Sans"/>
+              </a:rPr>
+              <a:t> "R:4</a:t>
+            </a:r>
+            <a:r>
+              <a:rPr b="0" lang="cs-CZ" sz="1800" spc="-1" strike="noStrike">
+                <a:solidFill>
+                  <a:srgbClr val="000000"/>
+                </a:solidFill>
+                <a:latin typeface="Courier New"/>
+                <a:ea typeface="DejaVu Sans"/>
+              </a:rPr>
+              <a:t>",</a:t>
             </a:r>
             <a:endParaRPr b="0" lang="cs-CZ" sz="1800" spc="-1" strike="noStrike">
               <a:latin typeface="Arial"/>
             </a:endParaRPr>
           </a:p>
           <a:p>
-            <a:r>
-              <a:rPr b="0" lang="cs-CZ" sz="1800" spc="-1" strike="noStrike">
-                <a:latin typeface="Courier New"/>
-              </a:rPr>
-              <a:t>       </a:t>
-            </a:r>
-            <a:r>
-              <a:rPr b="0" lang="cs-CZ" sz="1800" spc="-1" strike="noStrike">
-                <a:latin typeface="Courier New"/>
-              </a:rPr>
-              <a:t>"E4:2", "R:1", "E4,2", "R:1", "D4:2", "R:1", "E4:2",</a:t>
+            <a:pPr>
+              <a:lnSpc>
+                <a:spcPct val="100000"/>
+              </a:lnSpc>
+            </a:pPr>
+            <a:r>
+              <a:rPr b="0" lang="cs-CZ" sz="1800" spc="-1" strike="noStrike">
+                <a:solidFill>
+                  <a:srgbClr val="000000"/>
+                </a:solidFill>
+                <a:latin typeface="Courier New"/>
+                <a:ea typeface="DejaVu Sans"/>
+              </a:rPr>
+              <a:t>      </a:t>
+            </a:r>
+            <a:r>
+              <a:rPr b="0" lang="cs-CZ" sz="1800" spc="-1" strike="noStrike">
+                <a:solidFill>
+                  <a:srgbClr val="ba2121"/>
+                </a:solidFill>
+                <a:latin typeface="Courier New"/>
+                <a:ea typeface="DejaVu Sans"/>
+              </a:rPr>
+              <a:t>   </a:t>
+            </a:r>
+            <a:r>
+              <a:rPr b="0" lang="cs-CZ" sz="1800" spc="-1" strike="noStrike">
+                <a:solidFill>
+                  <a:srgbClr val="ba2121"/>
+                </a:solidFill>
+                <a:latin typeface="Courier New"/>
+                <a:ea typeface="DejaVu Sans"/>
+              </a:rPr>
+              <a:t>"E4:2</a:t>
+            </a:r>
+            <a:r>
+              <a:rPr b="0" lang="cs-CZ" sz="1800" spc="-1" strike="noStrike">
+                <a:solidFill>
+                  <a:srgbClr val="000000"/>
+                </a:solidFill>
+                <a:latin typeface="Courier New"/>
+                <a:ea typeface="DejaVu Sans"/>
+              </a:rPr>
+              <a:t>",</a:t>
+            </a:r>
+            <a:r>
+              <a:rPr b="0" lang="cs-CZ" sz="1800" spc="-1" strike="noStrike">
+                <a:solidFill>
+                  <a:srgbClr val="ba2121"/>
+                </a:solidFill>
+                <a:latin typeface="Courier New"/>
+                <a:ea typeface="DejaVu Sans"/>
+              </a:rPr>
+              <a:t> "R:1</a:t>
+            </a:r>
+            <a:r>
+              <a:rPr b="0" lang="cs-CZ" sz="1800" spc="-1" strike="noStrike">
+                <a:solidFill>
+                  <a:srgbClr val="000000"/>
+                </a:solidFill>
+                <a:latin typeface="Courier New"/>
+                <a:ea typeface="DejaVu Sans"/>
+              </a:rPr>
+              <a:t>",</a:t>
+            </a:r>
+            <a:r>
+              <a:rPr b="0" lang="cs-CZ" sz="1800" spc="-1" strike="noStrike">
+                <a:solidFill>
+                  <a:srgbClr val="ba2121"/>
+                </a:solidFill>
+                <a:latin typeface="Courier New"/>
+                <a:ea typeface="DejaVu Sans"/>
+              </a:rPr>
+              <a:t> "E4,2</a:t>
+            </a:r>
+            <a:r>
+              <a:rPr b="0" lang="cs-CZ" sz="1800" spc="-1" strike="noStrike">
+                <a:solidFill>
+                  <a:srgbClr val="000000"/>
+                </a:solidFill>
+                <a:latin typeface="Courier New"/>
+                <a:ea typeface="DejaVu Sans"/>
+              </a:rPr>
+              <a:t>",</a:t>
+            </a:r>
+            <a:r>
+              <a:rPr b="0" lang="cs-CZ" sz="1800" spc="-1" strike="noStrike">
+                <a:solidFill>
+                  <a:srgbClr val="ba2121"/>
+                </a:solidFill>
+                <a:latin typeface="Courier New"/>
+                <a:ea typeface="DejaVu Sans"/>
+              </a:rPr>
+              <a:t> "R:1</a:t>
+            </a:r>
+            <a:r>
+              <a:rPr b="0" lang="cs-CZ" sz="1800" spc="-1" strike="noStrike">
+                <a:solidFill>
+                  <a:srgbClr val="000000"/>
+                </a:solidFill>
+                <a:latin typeface="Courier New"/>
+                <a:ea typeface="DejaVu Sans"/>
+              </a:rPr>
+              <a:t>",</a:t>
+            </a:r>
+            <a:r>
+              <a:rPr b="0" lang="cs-CZ" sz="1800" spc="-1" strike="noStrike">
+                <a:solidFill>
+                  <a:srgbClr val="ba2121"/>
+                </a:solidFill>
+                <a:latin typeface="Courier New"/>
+                <a:ea typeface="DejaVu Sans"/>
+              </a:rPr>
+              <a:t> "D4:2</a:t>
+            </a:r>
+            <a:r>
+              <a:rPr b="0" lang="cs-CZ" sz="1800" spc="-1" strike="noStrike">
+                <a:solidFill>
+                  <a:srgbClr val="000000"/>
+                </a:solidFill>
+                <a:latin typeface="Courier New"/>
+                <a:ea typeface="DejaVu Sans"/>
+              </a:rPr>
+              <a:t>",</a:t>
+            </a:r>
+            <a:r>
+              <a:rPr b="0" lang="cs-CZ" sz="1800" spc="-1" strike="noStrike">
+                <a:solidFill>
+                  <a:srgbClr val="ba2121"/>
+                </a:solidFill>
+                <a:latin typeface="Courier New"/>
+                <a:ea typeface="DejaVu Sans"/>
+              </a:rPr>
+              <a:t> "R:1</a:t>
+            </a:r>
+            <a:r>
+              <a:rPr b="0" lang="cs-CZ" sz="1800" spc="-1" strike="noStrike">
+                <a:solidFill>
+                  <a:srgbClr val="000000"/>
+                </a:solidFill>
+                <a:latin typeface="Courier New"/>
+                <a:ea typeface="DejaVu Sans"/>
+              </a:rPr>
+              <a:t>",</a:t>
+            </a:r>
+            <a:r>
+              <a:rPr b="0" lang="cs-CZ" sz="1800" spc="-1" strike="noStrike">
+                <a:solidFill>
+                  <a:srgbClr val="ba2121"/>
+                </a:solidFill>
+                <a:latin typeface="Courier New"/>
+                <a:ea typeface="DejaVu Sans"/>
+              </a:rPr>
+              <a:t> "E4:2</a:t>
+            </a:r>
+            <a:r>
+              <a:rPr b="0" lang="cs-CZ" sz="1800" spc="-1" strike="noStrike">
+                <a:solidFill>
+                  <a:srgbClr val="000000"/>
+                </a:solidFill>
+                <a:latin typeface="Courier New"/>
+                <a:ea typeface="DejaVu Sans"/>
+              </a:rPr>
+              <a:t>",</a:t>
             </a:r>
             <a:endParaRPr b="0" lang="cs-CZ" sz="1800" spc="-1" strike="noStrike">
               <a:latin typeface="Arial"/>
             </a:endParaRPr>
           </a:p>
           <a:p>
-            <a:r>
-              <a:rPr b="0" lang="cs-CZ" sz="1800" spc="-1" strike="noStrike">
-                <a:latin typeface="Courier New"/>
-              </a:rPr>
-              <a:t>       </a:t>
-            </a:r>
-            <a:r>
-              <a:rPr b="0" lang="cs-CZ" sz="1800" spc="-1" strike="noStrike">
-                <a:latin typeface="Courier New"/>
-              </a:rPr>
-              <a:t>"R:2", "F4:2", "R:1", "D4:2", "R:1",</a:t>
+            <a:pPr>
+              <a:lnSpc>
+                <a:spcPct val="100000"/>
+              </a:lnSpc>
+            </a:pPr>
+            <a:r>
+              <a:rPr b="0" lang="cs-CZ" sz="1800" spc="-1" strike="noStrike">
+                <a:solidFill>
+                  <a:srgbClr val="000000"/>
+                </a:solidFill>
+                <a:latin typeface="Courier New"/>
+                <a:ea typeface="DejaVu Sans"/>
+              </a:rPr>
+              <a:t>      </a:t>
+            </a:r>
+            <a:r>
+              <a:rPr b="0" lang="cs-CZ" sz="1800" spc="-1" strike="noStrike">
+                <a:solidFill>
+                  <a:srgbClr val="ba2121"/>
+                </a:solidFill>
+                <a:latin typeface="Courier New"/>
+                <a:ea typeface="DejaVu Sans"/>
+              </a:rPr>
+              <a:t>   </a:t>
+            </a:r>
+            <a:r>
+              <a:rPr b="0" lang="cs-CZ" sz="1800" spc="-1" strike="noStrike">
+                <a:solidFill>
+                  <a:srgbClr val="ba2121"/>
+                </a:solidFill>
+                <a:latin typeface="Courier New"/>
+                <a:ea typeface="DejaVu Sans"/>
+              </a:rPr>
+              <a:t>"R:2</a:t>
+            </a:r>
+            <a:r>
+              <a:rPr b="0" lang="cs-CZ" sz="1800" spc="-1" strike="noStrike">
+                <a:solidFill>
+                  <a:srgbClr val="000000"/>
+                </a:solidFill>
+                <a:latin typeface="Courier New"/>
+                <a:ea typeface="DejaVu Sans"/>
+              </a:rPr>
+              <a:t>",</a:t>
+            </a:r>
+            <a:r>
+              <a:rPr b="0" lang="cs-CZ" sz="1800" spc="-1" strike="noStrike">
+                <a:solidFill>
+                  <a:srgbClr val="ba2121"/>
+                </a:solidFill>
+                <a:latin typeface="Courier New"/>
+                <a:ea typeface="DejaVu Sans"/>
+              </a:rPr>
+              <a:t> "F4:2</a:t>
+            </a:r>
+            <a:r>
+              <a:rPr b="0" lang="cs-CZ" sz="1800" spc="-1" strike="noStrike">
+                <a:solidFill>
+                  <a:srgbClr val="000000"/>
+                </a:solidFill>
+                <a:latin typeface="Courier New"/>
+                <a:ea typeface="DejaVu Sans"/>
+              </a:rPr>
+              <a:t>",</a:t>
+            </a:r>
+            <a:r>
+              <a:rPr b="0" lang="cs-CZ" sz="1800" spc="-1" strike="noStrike">
+                <a:solidFill>
+                  <a:srgbClr val="ba2121"/>
+                </a:solidFill>
+                <a:latin typeface="Courier New"/>
+                <a:ea typeface="DejaVu Sans"/>
+              </a:rPr>
+              <a:t> "R:1</a:t>
+            </a:r>
+            <a:r>
+              <a:rPr b="0" lang="cs-CZ" sz="1800" spc="-1" strike="noStrike">
+                <a:solidFill>
+                  <a:srgbClr val="000000"/>
+                </a:solidFill>
+                <a:latin typeface="Courier New"/>
+                <a:ea typeface="DejaVu Sans"/>
+              </a:rPr>
+              <a:t>",</a:t>
+            </a:r>
+            <a:r>
+              <a:rPr b="0" lang="cs-CZ" sz="1800" spc="-1" strike="noStrike">
+                <a:solidFill>
+                  <a:srgbClr val="ba2121"/>
+                </a:solidFill>
+                <a:latin typeface="Courier New"/>
+                <a:ea typeface="DejaVu Sans"/>
+              </a:rPr>
+              <a:t> "D4:2</a:t>
+            </a:r>
+            <a:r>
+              <a:rPr b="0" lang="cs-CZ" sz="1800" spc="-1" strike="noStrike">
+                <a:solidFill>
+                  <a:srgbClr val="000000"/>
+                </a:solidFill>
+                <a:latin typeface="Courier New"/>
+                <a:ea typeface="DejaVu Sans"/>
+              </a:rPr>
+              <a:t>",</a:t>
+            </a:r>
+            <a:r>
+              <a:rPr b="0" lang="cs-CZ" sz="1800" spc="-1" strike="noStrike">
+                <a:solidFill>
+                  <a:srgbClr val="ba2121"/>
+                </a:solidFill>
+                <a:latin typeface="Courier New"/>
+                <a:ea typeface="DejaVu Sans"/>
+              </a:rPr>
+              <a:t> "R:1</a:t>
+            </a:r>
+            <a:r>
+              <a:rPr b="0" lang="cs-CZ" sz="1800" spc="-1" strike="noStrike">
+                <a:solidFill>
+                  <a:srgbClr val="000000"/>
+                </a:solidFill>
+                <a:latin typeface="Courier New"/>
+                <a:ea typeface="DejaVu Sans"/>
+              </a:rPr>
+              <a:t>",</a:t>
             </a:r>
             <a:endParaRPr b="0" lang="cs-CZ" sz="1800" spc="-1" strike="noStrike">
               <a:latin typeface="Arial"/>
             </a:endParaRPr>
           </a:p>
           <a:p>
-            <a:r>
-              <a:rPr b="0" lang="cs-CZ" sz="1800" spc="-1" strike="noStrike">
-                <a:latin typeface="Courier New"/>
-              </a:rPr>
-              <a:t>       </a:t>
-            </a:r>
-            <a:r>
-              <a:rPr b="0" lang="cs-CZ" sz="1800" spc="-1" strike="noStrike">
-                <a:latin typeface="Courier New"/>
-              </a:rPr>
-              <a:t>"E4:2", "R:1", "E4,2", "R:1", "D4:2", "R:1", "E4:2",</a:t>
+            <a:pPr>
+              <a:lnSpc>
+                <a:spcPct val="100000"/>
+              </a:lnSpc>
+            </a:pPr>
+            <a:r>
+              <a:rPr b="0" lang="cs-CZ" sz="1800" spc="-1" strike="noStrike">
+                <a:solidFill>
+                  <a:srgbClr val="000000"/>
+                </a:solidFill>
+                <a:latin typeface="Courier New"/>
+                <a:ea typeface="DejaVu Sans"/>
+              </a:rPr>
+              <a:t>      </a:t>
+            </a:r>
+            <a:r>
+              <a:rPr b="0" lang="cs-CZ" sz="1800" spc="-1" strike="noStrike">
+                <a:solidFill>
+                  <a:srgbClr val="ba2121"/>
+                </a:solidFill>
+                <a:latin typeface="Courier New"/>
+                <a:ea typeface="DejaVu Sans"/>
+              </a:rPr>
+              <a:t>   </a:t>
+            </a:r>
+            <a:r>
+              <a:rPr b="0" lang="cs-CZ" sz="1800" spc="-1" strike="noStrike">
+                <a:solidFill>
+                  <a:srgbClr val="ba2121"/>
+                </a:solidFill>
+                <a:latin typeface="Courier New"/>
+                <a:ea typeface="DejaVu Sans"/>
+              </a:rPr>
+              <a:t>"E4:2</a:t>
+            </a:r>
+            <a:r>
+              <a:rPr b="0" lang="cs-CZ" sz="1800" spc="-1" strike="noStrike">
+                <a:solidFill>
+                  <a:srgbClr val="000000"/>
+                </a:solidFill>
+                <a:latin typeface="Courier New"/>
+                <a:ea typeface="DejaVu Sans"/>
+              </a:rPr>
+              <a:t>",</a:t>
+            </a:r>
+            <a:r>
+              <a:rPr b="0" lang="cs-CZ" sz="1800" spc="-1" strike="noStrike">
+                <a:solidFill>
+                  <a:srgbClr val="ba2121"/>
+                </a:solidFill>
+                <a:latin typeface="Courier New"/>
+                <a:ea typeface="DejaVu Sans"/>
+              </a:rPr>
+              <a:t> "R:1</a:t>
+            </a:r>
+            <a:r>
+              <a:rPr b="0" lang="cs-CZ" sz="1800" spc="-1" strike="noStrike">
+                <a:solidFill>
+                  <a:srgbClr val="000000"/>
+                </a:solidFill>
+                <a:latin typeface="Courier New"/>
+                <a:ea typeface="DejaVu Sans"/>
+              </a:rPr>
+              <a:t>",</a:t>
+            </a:r>
+            <a:r>
+              <a:rPr b="0" lang="cs-CZ" sz="1800" spc="-1" strike="noStrike">
+                <a:solidFill>
+                  <a:srgbClr val="ba2121"/>
+                </a:solidFill>
+                <a:latin typeface="Courier New"/>
+                <a:ea typeface="DejaVu Sans"/>
+              </a:rPr>
+              <a:t> "E4,2</a:t>
+            </a:r>
+            <a:r>
+              <a:rPr b="0" lang="cs-CZ" sz="1800" spc="-1" strike="noStrike">
+                <a:solidFill>
+                  <a:srgbClr val="000000"/>
+                </a:solidFill>
+                <a:latin typeface="Courier New"/>
+                <a:ea typeface="DejaVu Sans"/>
+              </a:rPr>
+              <a:t>",</a:t>
+            </a:r>
+            <a:r>
+              <a:rPr b="0" lang="cs-CZ" sz="1800" spc="-1" strike="noStrike">
+                <a:solidFill>
+                  <a:srgbClr val="ba2121"/>
+                </a:solidFill>
+                <a:latin typeface="Courier New"/>
+                <a:ea typeface="DejaVu Sans"/>
+              </a:rPr>
+              <a:t> "R:1</a:t>
+            </a:r>
+            <a:r>
+              <a:rPr b="0" lang="cs-CZ" sz="1800" spc="-1" strike="noStrike">
+                <a:solidFill>
+                  <a:srgbClr val="000000"/>
+                </a:solidFill>
+                <a:latin typeface="Courier New"/>
+                <a:ea typeface="DejaVu Sans"/>
+              </a:rPr>
+              <a:t>",</a:t>
+            </a:r>
+            <a:r>
+              <a:rPr b="0" lang="cs-CZ" sz="1800" spc="-1" strike="noStrike">
+                <a:solidFill>
+                  <a:srgbClr val="ba2121"/>
+                </a:solidFill>
+                <a:latin typeface="Courier New"/>
+                <a:ea typeface="DejaVu Sans"/>
+              </a:rPr>
+              <a:t> "D4:2</a:t>
+            </a:r>
+            <a:r>
+              <a:rPr b="0" lang="cs-CZ" sz="1800" spc="-1" strike="noStrike">
+                <a:solidFill>
+                  <a:srgbClr val="000000"/>
+                </a:solidFill>
+                <a:latin typeface="Courier New"/>
+                <a:ea typeface="DejaVu Sans"/>
+              </a:rPr>
+              <a:t>",</a:t>
+            </a:r>
+            <a:r>
+              <a:rPr b="0" lang="cs-CZ" sz="1800" spc="-1" strike="noStrike">
+                <a:solidFill>
+                  <a:srgbClr val="ba2121"/>
+                </a:solidFill>
+                <a:latin typeface="Courier New"/>
+                <a:ea typeface="DejaVu Sans"/>
+              </a:rPr>
+              <a:t> "R:1</a:t>
+            </a:r>
+            <a:r>
+              <a:rPr b="0" lang="cs-CZ" sz="1800" spc="-1" strike="noStrike">
+                <a:solidFill>
+                  <a:srgbClr val="000000"/>
+                </a:solidFill>
+                <a:latin typeface="Courier New"/>
+                <a:ea typeface="DejaVu Sans"/>
+              </a:rPr>
+              <a:t>",</a:t>
+            </a:r>
+            <a:r>
+              <a:rPr b="0" lang="cs-CZ" sz="1800" spc="-1" strike="noStrike">
+                <a:solidFill>
+                  <a:srgbClr val="ba2121"/>
+                </a:solidFill>
+                <a:latin typeface="Courier New"/>
+                <a:ea typeface="DejaVu Sans"/>
+              </a:rPr>
+              <a:t> "E4:2</a:t>
+            </a:r>
+            <a:r>
+              <a:rPr b="0" lang="cs-CZ" sz="1800" spc="-1" strike="noStrike">
+                <a:solidFill>
+                  <a:srgbClr val="000000"/>
+                </a:solidFill>
+                <a:latin typeface="Courier New"/>
+                <a:ea typeface="DejaVu Sans"/>
+              </a:rPr>
+              <a:t>",</a:t>
             </a:r>
             <a:endParaRPr b="0" lang="cs-CZ" sz="1800" spc="-1" strike="noStrike">
               <a:latin typeface="Arial"/>
             </a:endParaRPr>
           </a:p>
           <a:p>
-            <a:r>
-              <a:rPr b="0" lang="cs-CZ" sz="1800" spc="-1" strike="noStrike">
-                <a:latin typeface="Courier New"/>
-              </a:rPr>
-              <a:t>       </a:t>
-            </a:r>
-            <a:r>
-              <a:rPr b="0" lang="cs-CZ" sz="1800" spc="-1" strike="noStrike">
-                <a:latin typeface="Courier New"/>
-              </a:rPr>
-              <a:t>"R:2", "F4:2", "R:1", "D4:2", "R:1",</a:t>
+            <a:pPr>
+              <a:lnSpc>
+                <a:spcPct val="100000"/>
+              </a:lnSpc>
+            </a:pPr>
+            <a:r>
+              <a:rPr b="0" lang="cs-CZ" sz="1800" spc="-1" strike="noStrike">
+                <a:solidFill>
+                  <a:srgbClr val="000000"/>
+                </a:solidFill>
+                <a:latin typeface="Courier New"/>
+                <a:ea typeface="DejaVu Sans"/>
+              </a:rPr>
+              <a:t>      </a:t>
+            </a:r>
+            <a:r>
+              <a:rPr b="0" lang="cs-CZ" sz="1800" spc="-1" strike="noStrike">
+                <a:solidFill>
+                  <a:srgbClr val="ba2121"/>
+                </a:solidFill>
+                <a:latin typeface="Courier New"/>
+                <a:ea typeface="DejaVu Sans"/>
+              </a:rPr>
+              <a:t>   </a:t>
+            </a:r>
+            <a:r>
+              <a:rPr b="0" lang="cs-CZ" sz="1800" spc="-1" strike="noStrike">
+                <a:solidFill>
+                  <a:srgbClr val="ba2121"/>
+                </a:solidFill>
+                <a:latin typeface="Courier New"/>
+                <a:ea typeface="DejaVu Sans"/>
+              </a:rPr>
+              <a:t>"R:2</a:t>
+            </a:r>
+            <a:r>
+              <a:rPr b="0" lang="cs-CZ" sz="1800" spc="-1" strike="noStrike">
+                <a:solidFill>
+                  <a:srgbClr val="000000"/>
+                </a:solidFill>
+                <a:latin typeface="Courier New"/>
+                <a:ea typeface="DejaVu Sans"/>
+              </a:rPr>
+              <a:t>",</a:t>
+            </a:r>
+            <a:r>
+              <a:rPr b="0" lang="cs-CZ" sz="1800" spc="-1" strike="noStrike">
+                <a:solidFill>
+                  <a:srgbClr val="ba2121"/>
+                </a:solidFill>
+                <a:latin typeface="Courier New"/>
+                <a:ea typeface="DejaVu Sans"/>
+              </a:rPr>
+              <a:t> "F4:2</a:t>
+            </a:r>
+            <a:r>
+              <a:rPr b="0" lang="cs-CZ" sz="1800" spc="-1" strike="noStrike">
+                <a:solidFill>
+                  <a:srgbClr val="000000"/>
+                </a:solidFill>
+                <a:latin typeface="Courier New"/>
+                <a:ea typeface="DejaVu Sans"/>
+              </a:rPr>
+              <a:t>",</a:t>
+            </a:r>
+            <a:r>
+              <a:rPr b="0" lang="cs-CZ" sz="1800" spc="-1" strike="noStrike">
+                <a:solidFill>
+                  <a:srgbClr val="ba2121"/>
+                </a:solidFill>
+                <a:latin typeface="Courier New"/>
+                <a:ea typeface="DejaVu Sans"/>
+              </a:rPr>
+              <a:t> "R:1</a:t>
+            </a:r>
+            <a:r>
+              <a:rPr b="0" lang="cs-CZ" sz="1800" spc="-1" strike="noStrike">
+                <a:solidFill>
+                  <a:srgbClr val="000000"/>
+                </a:solidFill>
+                <a:latin typeface="Courier New"/>
+                <a:ea typeface="DejaVu Sans"/>
+              </a:rPr>
+              <a:t>",</a:t>
+            </a:r>
+            <a:r>
+              <a:rPr b="0" lang="cs-CZ" sz="1800" spc="-1" strike="noStrike">
+                <a:solidFill>
+                  <a:srgbClr val="ba2121"/>
+                </a:solidFill>
+                <a:latin typeface="Courier New"/>
+                <a:ea typeface="DejaVu Sans"/>
+              </a:rPr>
+              <a:t> "D4:2</a:t>
+            </a:r>
+            <a:r>
+              <a:rPr b="0" lang="cs-CZ" sz="1800" spc="-1" strike="noStrike">
+                <a:solidFill>
+                  <a:srgbClr val="000000"/>
+                </a:solidFill>
+                <a:latin typeface="Courier New"/>
+                <a:ea typeface="DejaVu Sans"/>
+              </a:rPr>
+              <a:t>",</a:t>
+            </a:r>
+            <a:r>
+              <a:rPr b="0" lang="cs-CZ" sz="1800" spc="-1" strike="noStrike">
+                <a:solidFill>
+                  <a:srgbClr val="ba2121"/>
+                </a:solidFill>
+                <a:latin typeface="Courier New"/>
+                <a:ea typeface="DejaVu Sans"/>
+              </a:rPr>
+              <a:t> "R:1</a:t>
+            </a:r>
+            <a:r>
+              <a:rPr b="0" lang="cs-CZ" sz="1800" spc="-1" strike="noStrike">
+                <a:solidFill>
+                  <a:srgbClr val="000000"/>
+                </a:solidFill>
+                <a:latin typeface="Courier New"/>
+                <a:ea typeface="DejaVu Sans"/>
+              </a:rPr>
+              <a:t>",</a:t>
             </a:r>
             <a:endParaRPr b="0" lang="cs-CZ" sz="1800" spc="-1" strike="noStrike">
               <a:latin typeface="Arial"/>
             </a:endParaRPr>
           </a:p>
           <a:p>
-            <a:r>
-              <a:rPr b="0" lang="cs-CZ" sz="1800" spc="-1" strike="noStrike">
-                <a:latin typeface="Courier New"/>
-              </a:rPr>
-              <a:t>       </a:t>
-            </a:r>
-            <a:r>
-              <a:rPr b="0" lang="cs-CZ" sz="1800" spc="-1" strike="noStrike">
-                <a:latin typeface="Courier New"/>
-              </a:rPr>
-              <a:t>"E4:4", "R:1", "D4:4", "R:1", "C4:4"]</a:t>
+            <a:pPr>
+              <a:lnSpc>
+                <a:spcPct val="100000"/>
+              </a:lnSpc>
+            </a:pPr>
+            <a:r>
+              <a:rPr b="0" lang="cs-CZ" sz="1800" spc="-1" strike="noStrike">
+                <a:solidFill>
+                  <a:srgbClr val="000000"/>
+                </a:solidFill>
+                <a:latin typeface="Courier New"/>
+                <a:ea typeface="DejaVu Sans"/>
+              </a:rPr>
+              <a:t>      </a:t>
+            </a:r>
+            <a:r>
+              <a:rPr b="0" lang="cs-CZ" sz="1800" spc="-1" strike="noStrike">
+                <a:solidFill>
+                  <a:srgbClr val="ba2121"/>
+                </a:solidFill>
+                <a:latin typeface="Courier New"/>
+                <a:ea typeface="DejaVu Sans"/>
+              </a:rPr>
+              <a:t>   </a:t>
+            </a:r>
+            <a:r>
+              <a:rPr b="0" lang="cs-CZ" sz="1800" spc="-1" strike="noStrike">
+                <a:solidFill>
+                  <a:srgbClr val="ba2121"/>
+                </a:solidFill>
+                <a:latin typeface="Courier New"/>
+                <a:ea typeface="DejaVu Sans"/>
+              </a:rPr>
+              <a:t>"E4:4</a:t>
+            </a:r>
+            <a:r>
+              <a:rPr b="0" lang="cs-CZ" sz="1800" spc="-1" strike="noStrike">
+                <a:solidFill>
+                  <a:srgbClr val="000000"/>
+                </a:solidFill>
+                <a:latin typeface="Courier New"/>
+                <a:ea typeface="DejaVu Sans"/>
+              </a:rPr>
+              <a:t>",</a:t>
+            </a:r>
+            <a:r>
+              <a:rPr b="0" lang="cs-CZ" sz="1800" spc="-1" strike="noStrike">
+                <a:solidFill>
+                  <a:srgbClr val="ba2121"/>
+                </a:solidFill>
+                <a:latin typeface="Courier New"/>
+                <a:ea typeface="DejaVu Sans"/>
+              </a:rPr>
+              <a:t> "R:1</a:t>
+            </a:r>
+            <a:r>
+              <a:rPr b="0" lang="cs-CZ" sz="1800" spc="-1" strike="noStrike">
+                <a:solidFill>
+                  <a:srgbClr val="000000"/>
+                </a:solidFill>
+                <a:latin typeface="Courier New"/>
+                <a:ea typeface="DejaVu Sans"/>
+              </a:rPr>
+              <a:t>",</a:t>
+            </a:r>
+            <a:r>
+              <a:rPr b="0" lang="cs-CZ" sz="1800" spc="-1" strike="noStrike">
+                <a:solidFill>
+                  <a:srgbClr val="ba2121"/>
+                </a:solidFill>
+                <a:latin typeface="Courier New"/>
+                <a:ea typeface="DejaVu Sans"/>
+              </a:rPr>
+              <a:t> "D4:4</a:t>
+            </a:r>
+            <a:r>
+              <a:rPr b="0" lang="cs-CZ" sz="1800" spc="-1" strike="noStrike">
+                <a:solidFill>
+                  <a:srgbClr val="000000"/>
+                </a:solidFill>
+                <a:latin typeface="Courier New"/>
+                <a:ea typeface="DejaVu Sans"/>
+              </a:rPr>
+              <a:t>",</a:t>
+            </a:r>
+            <a:r>
+              <a:rPr b="0" lang="cs-CZ" sz="1800" spc="-1" strike="noStrike">
+                <a:solidFill>
+                  <a:srgbClr val="ba2121"/>
+                </a:solidFill>
+                <a:latin typeface="Courier New"/>
+                <a:ea typeface="DejaVu Sans"/>
+              </a:rPr>
+              <a:t> "R:1</a:t>
+            </a:r>
+            <a:r>
+              <a:rPr b="0" lang="cs-CZ" sz="1800" spc="-1" strike="noStrike">
+                <a:solidFill>
+                  <a:srgbClr val="000000"/>
+                </a:solidFill>
+                <a:latin typeface="Courier New"/>
+                <a:ea typeface="DejaVu Sans"/>
+              </a:rPr>
+              <a:t>",</a:t>
+            </a:r>
+            <a:r>
+              <a:rPr b="0" lang="cs-CZ" sz="1800" spc="-1" strike="noStrike">
+                <a:solidFill>
+                  <a:srgbClr val="ba2121"/>
+                </a:solidFill>
+                <a:latin typeface="Courier New"/>
+                <a:ea typeface="DejaVu Sans"/>
+              </a:rPr>
+              <a:t> "C4:4</a:t>
+            </a:r>
+            <a:r>
+              <a:rPr b="0" lang="cs-CZ" sz="1800" spc="-1" strike="noStrike">
+                <a:solidFill>
+                  <a:srgbClr val="000000"/>
+                </a:solidFill>
+                <a:latin typeface="Courier New"/>
+                <a:ea typeface="DejaVu Sans"/>
+              </a:rPr>
+              <a:t>"]</a:t>
             </a:r>
             <a:endParaRPr b="0" lang="cs-CZ" sz="1800" spc="-1" strike="noStrike">
               <a:latin typeface="Arial"/>
             </a:endParaRPr>
           </a:p>
           <a:p>
-            <a:r>
-              <a:rPr b="0" lang="cs-CZ" sz="1800" spc="-1" strike="noStrike">
-                <a:latin typeface="Courier New"/>
+            <a:pPr>
+              <a:lnSpc>
+                <a:spcPct val="100000"/>
+              </a:lnSpc>
+            </a:pPr>
+            <a:r>
+              <a:rPr b="0" lang="cs-CZ" sz="1800" spc="-1" strike="noStrike">
+                <a:solidFill>
+                  <a:srgbClr val="000000"/>
+                </a:solidFill>
+                <a:latin typeface="Courier New"/>
+                <a:ea typeface="DejaVu Sans"/>
               </a:rPr>
               <a:t> </a:t>
             </a:r>
             <a:r>
               <a:rPr b="0" lang="cs-CZ" sz="1800" spc="-1" strike="noStrike">
-                <a:latin typeface="Courier New"/>
-              </a:rPr>
-              <a:t>music.play(nota)</a:t>
+                <a:solidFill>
+                  <a:srgbClr val="000000"/>
+                </a:solidFill>
+                <a:latin typeface="Courier New"/>
+                <a:ea typeface="DejaVu Sans"/>
+              </a:rPr>
+              <a:t>musi</a:t>
+            </a:r>
+            <a:r>
+              <a:rPr b="0" lang="cs-CZ" sz="1800" spc="-1" strike="noStrike">
+                <a:solidFill>
+                  <a:srgbClr val="666666"/>
+                </a:solidFill>
+                <a:latin typeface="Courier New"/>
+                <a:ea typeface="DejaVu Sans"/>
+              </a:rPr>
+              <a:t>c</a:t>
+            </a:r>
+            <a:r>
+              <a:rPr b="0" lang="cs-CZ" sz="1800" spc="-1" strike="noStrike">
+                <a:solidFill>
+                  <a:srgbClr val="000000"/>
+                </a:solidFill>
+                <a:latin typeface="Courier New"/>
+                <a:ea typeface="DejaVu Sans"/>
+              </a:rPr>
+              <a:t>.play(nota)</a:t>
             </a:r>
             <a:endParaRPr b="0" lang="cs-CZ" sz="1800" spc="-1" strike="noStrike">
               <a:latin typeface="Arial"/>
@@ -5981,227 +5708,4 @@
     </a:fmtScheme>
   </a:themeElements>
 </a:theme>
-</file>
-
-<file path=ppt/theme/theme3.xml><?xml version="1.0" encoding="utf-8"?>
-<a:theme xmlns:a="http://schemas.openxmlformats.org/drawingml/2006/main" name="Office Theme">
-  <a:themeElements>
-    <a:clrScheme name="Office">
-      <a:dk1>
-        <a:sysClr val="windowText" lastClr="000000"/>
-      </a:dk1>
-      <a:lt1>
-        <a:sysClr val="window" lastClr="FFFFFF"/>
-      </a:lt1>
-      <a:dk2>
-        <a:srgbClr val="1f497d"/>
-      </a:dk2>
-      <a:lt2>
-        <a:srgbClr val="eeece1"/>
-      </a:lt2>
-      <a:accent1>
-        <a:srgbClr val="4f81bd"/>
-      </a:accent1>
-      <a:accent2>
-        <a:srgbClr val="c0504d"/>
-      </a:accent2>
-      <a:accent3>
-        <a:srgbClr val="9bbb59"/>
-      </a:accent3>
-      <a:accent4>
-        <a:srgbClr val="8064a2"/>
-      </a:accent4>
-      <a:accent5>
-        <a:srgbClr val="4bacc6"/>
-      </a:accent5>
-      <a:accent6>
-        <a:srgbClr val="f79646"/>
-      </a:accent6>
-      <a:hlink>
-        <a:srgbClr val="0000ff"/>
-      </a:hlink>
-      <a:folHlink>
-        <a:srgbClr val="800080"/>
-      </a:folHlink>
-    </a:clrScheme>
-    <a:fontScheme name="Office">
-      <a:majorFont>
-        <a:latin typeface="Arial"/>
-        <a:ea typeface="DejaVu Sans"/>
-        <a:cs typeface="DejaVu Sans"/>
-      </a:majorFont>
-      <a:minorFont>
-        <a:latin typeface="Arial"/>
-        <a:ea typeface="DejaVu Sans"/>
-        <a:cs typeface="DejaVu Sans"/>
-      </a:minorFont>
-    </a:fontScheme>
-    <a:fmtScheme name="Office">
-      <a:fillStyleLst>
-        <a:solidFill>
-          <a:schemeClr val="phClr"/>
-        </a:solidFill>
-        <a:gradFill rotWithShape="1">
-          <a:gsLst>
-            <a:gs pos="0">
-              <a:schemeClr val="phClr">
-                <a:tint val="50000"/>
-                <a:satMod val="300000"/>
-              </a:schemeClr>
-            </a:gs>
-            <a:gs pos="35000">
-              <a:schemeClr val="phClr">
-                <a:tint val="37000"/>
-                <a:satMod val="300000"/>
-              </a:schemeClr>
-            </a:gs>
-            <a:gs pos="100000">
-              <a:schemeClr val="phClr">
-                <a:tint val="15000"/>
-                <a:satMod val="350000"/>
-              </a:schemeClr>
-            </a:gs>
-          </a:gsLst>
-          <a:lin ang="16200000" scaled="1"/>
-        </a:gradFill>
-        <a:gradFill rotWithShape="1">
-          <a:gsLst>
-            <a:gs pos="0">
-              <a:schemeClr val="phClr">
-                <a:shade val="51000"/>
-                <a:satMod val="130000"/>
-              </a:schemeClr>
-            </a:gs>
-            <a:gs pos="80000">
-              <a:schemeClr val="phClr">
-                <a:shade val="93000"/>
-                <a:satMod val="130000"/>
-              </a:schemeClr>
-            </a:gs>
-            <a:gs pos="100000">
-              <a:schemeClr val="phClr">
-                <a:shade val="94000"/>
-                <a:satMod val="135000"/>
-              </a:schemeClr>
-            </a:gs>
-          </a:gsLst>
-          <a:lin ang="16200000" scaled="0"/>
-        </a:gradFill>
-      </a:fillStyleLst>
-      <a:lnStyleLst>
-        <a:ln w="9525" cap="flat" cmpd="sng" algn="ctr">
-          <a:solidFill>
-            <a:schemeClr val="phClr">
-              <a:shade val="95000"/>
-              <a:satMod val="105000"/>
-            </a:schemeClr>
-          </a:solidFill>
-          <a:prstDash val="solid"/>
-        </a:ln>
-        <a:ln w="25400" cap="flat" cmpd="sng" algn="ctr">
-          <a:solidFill>
-            <a:schemeClr val="phClr"/>
-          </a:solidFill>
-          <a:prstDash val="solid"/>
-        </a:ln>
-        <a:ln w="38100" cap="flat" cmpd="sng" algn="ctr">
-          <a:solidFill>
-            <a:schemeClr val="phClr"/>
-          </a:solidFill>
-          <a:prstDash val="solid"/>
-        </a:ln>
-      </a:lnStyleLst>
-      <a:effectStyleLst>
-        <a:effectStyle>
-          <a:effectLst>
-            <a:outerShdw blurRad="40000" dist="20000" dir="5400000" rotWithShape="0">
-              <a:srgbClr val="000000">
-                <a:alpha val="38000"/>
-              </a:srgbClr>
-            </a:outerShdw>
-          </a:effectLst>
-        </a:effectStyle>
-        <a:effectStyle>
-          <a:effectLst>
-            <a:outerShdw blurRad="40000" dist="23000" dir="5400000" rotWithShape="0">
-              <a:srgbClr val="000000">
-                <a:alpha val="35000"/>
-              </a:srgbClr>
-            </a:outerShdw>
-          </a:effectLst>
-        </a:effectStyle>
-        <a:effectStyle>
-          <a:effectLst>
-            <a:outerShdw blurRad="40000" dist="23000" dir="5400000" rotWithShape="0">
-              <a:srgbClr val="000000">
-                <a:alpha val="35000"/>
-              </a:srgbClr>
-            </a:outerShdw>
-          </a:effectLst>
-          <a:scene3d>
-            <a:camera prst="orthographicFront">
-              <a:rot lat="0" lon="0" rev="0"/>
-            </a:camera>
-            <a:lightRig rig="threePt" dir="t">
-              <a:rot lat="0" lon="0" rev="1200000"/>
-            </a:lightRig>
-          </a:scene3d>
-          <a:sp3d>
-            <a:bevelT w="63500" h="25400"/>
-          </a:sp3d>
-        </a:effectStyle>
-      </a:effectStyleLst>
-      <a:bgFillStyleLst>
-        <a:solidFill>
-          <a:schemeClr val="phClr"/>
-        </a:solidFill>
-        <a:gradFill rotWithShape="1">
-          <a:gsLst>
-            <a:gs pos="0">
-              <a:schemeClr val="phClr">
-                <a:tint val="40000"/>
-                <a:satMod val="350000"/>
-              </a:schemeClr>
-            </a:gs>
-            <a:gs pos="40000">
-              <a:schemeClr val="phClr">
-                <a:tint val="45000"/>
-                <a:shade val="99000"/>
-                <a:satMod val="350000"/>
-              </a:schemeClr>
-            </a:gs>
-            <a:gs pos="100000">
-              <a:schemeClr val="phClr">
-                <a:shade val="20000"/>
-                <a:satMod val="255000"/>
-              </a:schemeClr>
-            </a:gs>
-          </a:gsLst>
-          <a:path path="circle">
-            <a:fillToRect l="50000" t="-80000" r="50000" b="180000"/>
-          </a:path>
-        </a:gradFill>
-        <a:gradFill rotWithShape="1">
-          <a:gsLst>
-            <a:gs pos="0">
-              <a:schemeClr val="phClr">
-                <a:tint val="80000"/>
-                <a:satMod val="300000"/>
-              </a:schemeClr>
-            </a:gs>
-            <a:gs pos="100000">
-              <a:schemeClr val="phClr">
-                <a:shade val="30000"/>
-                <a:satMod val="200000"/>
-              </a:schemeClr>
-            </a:gs>
-          </a:gsLst>
-          <a:path path="circle">
-            <a:fillToRect l="50000" t="50000" r="50000" b="50000"/>
-          </a:path>
-        </a:gradFill>
-      </a:bgFillStyleLst>
-    </a:fmtScheme>
-  </a:themeElements>
-</a:theme>
 </file>
--- a/03-Sound/01_Pro_ucitele/Prezentace/32-zvuk.pptx
+++ b/03-Sound/01_Pro_ucitele/Prezentace/32-zvuk.pptx
@@ -1,22 +1,117 @@
 
 <file path=ppt/presentation.xml><?xml version="1.0" encoding="utf-8"?>
-<p:presentation xmlns:a="http://schemas.openxmlformats.org/drawingml/2006/main" xmlns:p="http://schemas.openxmlformats.org/presentationml/2006/main" xmlns:r="http://schemas.openxmlformats.org/officeDocument/2006/relationships" xmlns:p14="http://schemas.microsoft.com/office/powerpoint/2010/main" xmlns:p15="http://schemas.microsoft.com/office/powerpoint/2012/main" xmlns:mc="http://schemas.openxmlformats.org/markup-compatibility/2006">
+<p:presentation xmlns:a="http://schemas.openxmlformats.org/drawingml/2006/main" xmlns:r="http://schemas.openxmlformats.org/officeDocument/2006/relationships" xmlns:p="http://schemas.openxmlformats.org/presentationml/2006/main">
   <p:sldMasterIdLst>
-    <p:sldMasterId id="2147483648" r:id="rId2"/>
-    <p:sldMasterId id="2147483661" r:id="rId3"/>
+    <p:sldMasterId id="2147483648" r:id="rId1"/>
+    <p:sldMasterId id="2147483661" r:id="rId2"/>
   </p:sldMasterIdLst>
   <p:sldIdLst>
-    <p:sldId id="256" r:id="rId4"/>
-    <p:sldId id="257" r:id="rId5"/>
-    <p:sldId id="258" r:id="rId6"/>
+    <p:sldId id="256" r:id="rId3"/>
+    <p:sldId id="257" r:id="rId4"/>
+    <p:sldId id="258" r:id="rId5"/>
   </p:sldIdLst>
   <p:sldSz cx="10080625" cy="7559675"/>
-  <p:notesSz cx="7559675" cy="10691812"/>
+  <p:notesSz cx="7559675" cy="10691813"/>
+  <p:defaultTextStyle>
+    <a:defPPr>
+      <a:defRPr lang="cs-CZ"/>
+    </a:defPPr>
+    <a:lvl1pPr marL="0" algn="l" defTabSz="914400" rtl="0" eaLnBrk="1" latinLnBrk="0" hangingPunct="1">
+      <a:defRPr sz="1800" kern="1200">
+        <a:solidFill>
+          <a:schemeClr val="tx1"/>
+        </a:solidFill>
+        <a:latin typeface="+mn-lt"/>
+        <a:ea typeface="+mn-ea"/>
+        <a:cs typeface="+mn-cs"/>
+      </a:defRPr>
+    </a:lvl1pPr>
+    <a:lvl2pPr marL="457200" algn="l" defTabSz="914400" rtl="0" eaLnBrk="1" latinLnBrk="0" hangingPunct="1">
+      <a:defRPr sz="1800" kern="1200">
+        <a:solidFill>
+          <a:schemeClr val="tx1"/>
+        </a:solidFill>
+        <a:latin typeface="+mn-lt"/>
+        <a:ea typeface="+mn-ea"/>
+        <a:cs typeface="+mn-cs"/>
+      </a:defRPr>
+    </a:lvl2pPr>
+    <a:lvl3pPr marL="914400" algn="l" defTabSz="914400" rtl="0" eaLnBrk="1" latinLnBrk="0" hangingPunct="1">
+      <a:defRPr sz="1800" kern="1200">
+        <a:solidFill>
+          <a:schemeClr val="tx1"/>
+        </a:solidFill>
+        <a:latin typeface="+mn-lt"/>
+        <a:ea typeface="+mn-ea"/>
+        <a:cs typeface="+mn-cs"/>
+      </a:defRPr>
+    </a:lvl3pPr>
+    <a:lvl4pPr marL="1371600" algn="l" defTabSz="914400" rtl="0" eaLnBrk="1" latinLnBrk="0" hangingPunct="1">
+      <a:defRPr sz="1800" kern="1200">
+        <a:solidFill>
+          <a:schemeClr val="tx1"/>
+        </a:solidFill>
+        <a:latin typeface="+mn-lt"/>
+        <a:ea typeface="+mn-ea"/>
+        <a:cs typeface="+mn-cs"/>
+      </a:defRPr>
+    </a:lvl4pPr>
+    <a:lvl5pPr marL="1828800" algn="l" defTabSz="914400" rtl="0" eaLnBrk="1" latinLnBrk="0" hangingPunct="1">
+      <a:defRPr sz="1800" kern="1200">
+        <a:solidFill>
+          <a:schemeClr val="tx1"/>
+        </a:solidFill>
+        <a:latin typeface="+mn-lt"/>
+        <a:ea typeface="+mn-ea"/>
+        <a:cs typeface="+mn-cs"/>
+      </a:defRPr>
+    </a:lvl5pPr>
+    <a:lvl6pPr marL="2286000" algn="l" defTabSz="914400" rtl="0" eaLnBrk="1" latinLnBrk="0" hangingPunct="1">
+      <a:defRPr sz="1800" kern="1200">
+        <a:solidFill>
+          <a:schemeClr val="tx1"/>
+        </a:solidFill>
+        <a:latin typeface="+mn-lt"/>
+        <a:ea typeface="+mn-ea"/>
+        <a:cs typeface="+mn-cs"/>
+      </a:defRPr>
+    </a:lvl6pPr>
+    <a:lvl7pPr marL="2743200" algn="l" defTabSz="914400" rtl="0" eaLnBrk="1" latinLnBrk="0" hangingPunct="1">
+      <a:defRPr sz="1800" kern="1200">
+        <a:solidFill>
+          <a:schemeClr val="tx1"/>
+        </a:solidFill>
+        <a:latin typeface="+mn-lt"/>
+        <a:ea typeface="+mn-ea"/>
+        <a:cs typeface="+mn-cs"/>
+      </a:defRPr>
+    </a:lvl7pPr>
+    <a:lvl8pPr marL="3200400" algn="l" defTabSz="914400" rtl="0" eaLnBrk="1" latinLnBrk="0" hangingPunct="1">
+      <a:defRPr sz="1800" kern="1200">
+        <a:solidFill>
+          <a:schemeClr val="tx1"/>
+        </a:solidFill>
+        <a:latin typeface="+mn-lt"/>
+        <a:ea typeface="+mn-ea"/>
+        <a:cs typeface="+mn-cs"/>
+      </a:defRPr>
+    </a:lvl8pPr>
+    <a:lvl9pPr marL="3657600" algn="l" defTabSz="914400" rtl="0" eaLnBrk="1" latinLnBrk="0" hangingPunct="1">
+      <a:defRPr sz="1800" kern="1200">
+        <a:solidFill>
+          <a:schemeClr val="tx1"/>
+        </a:solidFill>
+        <a:latin typeface="+mn-lt"/>
+        <a:ea typeface="+mn-ea"/>
+        <a:cs typeface="+mn-cs"/>
+      </a:defRPr>
+    </a:lvl9pPr>
+  </p:defaultTextStyle>
 </p:presentation>
 </file>
 
 <file path=ppt/slideLayouts/slideLayout1.xml><?xml version="1.0" encoding="utf-8"?>
-<p:sldLayout xmlns:a="http://schemas.openxmlformats.org/drawingml/2006/main" xmlns:p="http://schemas.openxmlformats.org/presentationml/2006/main" xmlns:r="http://schemas.openxmlformats.org/officeDocument/2006/relationships" xmlns:p14="http://schemas.microsoft.com/office/powerpoint/2010/main" xmlns:p15="http://schemas.microsoft.com/office/powerpoint/2012/main" xmlns:mc="http://schemas.openxmlformats.org/markup-compatibility/2006" type="blank" preserve="1">
+<p:sldLayout xmlns:a="http://schemas.openxmlformats.org/drawingml/2006/main" xmlns:r="http://schemas.openxmlformats.org/officeDocument/2006/relationships" xmlns:p="http://schemas.openxmlformats.org/presentationml/2006/main" type="blank" preserve="1">
   <p:cSld name="Blank Slide">
     <p:spTree>
       <p:nvGrpSpPr>
@@ -34,11 +129,14 @@
       </p:grpSpPr>
     </p:spTree>
   </p:cSld>
+  <p:clrMapOvr>
+    <a:masterClrMapping/>
+  </p:clrMapOvr>
 </p:sldLayout>
 </file>
 
 <file path=ppt/slideLayouts/slideLayout10.xml><?xml version="1.0" encoding="utf-8"?>
-<p:sldLayout xmlns:a="http://schemas.openxmlformats.org/drawingml/2006/main" xmlns:p="http://schemas.openxmlformats.org/presentationml/2006/main" xmlns:r="http://schemas.openxmlformats.org/officeDocument/2006/relationships" xmlns:p14="http://schemas.microsoft.com/office/powerpoint/2010/main" xmlns:p15="http://schemas.microsoft.com/office/powerpoint/2012/main" xmlns:mc="http://schemas.openxmlformats.org/markup-compatibility/2006" type="objOverTx" preserve="1">
+<p:sldLayout xmlns:a="http://schemas.openxmlformats.org/drawingml/2006/main" xmlns:r="http://schemas.openxmlformats.org/officeDocument/2006/relationships" xmlns:p="http://schemas.openxmlformats.org/presentationml/2006/main" type="objOverTx" preserve="1">
   <p:cSld name="Title, Content over Content">
     <p:spTree>
       <p:nvGrpSpPr>
@@ -74,10 +172,11 @@
           </a:prstGeom>
         </p:spPr>
         <p:txBody>
-          <a:bodyPr lIns="0" rIns="0" tIns="0" bIns="0" anchor="ctr"/>
+          <a:bodyPr lIns="0" tIns="0" rIns="0" bIns="0" anchor="ctr"/>
+          <a:lstStyle/>
           <a:p>
             <a:pPr algn="ctr"/>
-            <a:endParaRPr b="0" lang="cs-CZ" sz="4400" spc="-1" strike="noStrike">
+            <a:endParaRPr lang="cs-CZ" sz="4400" b="0" strike="noStrike" spc="-1">
               <a:latin typeface="Arial"/>
             </a:endParaRPr>
           </a:p>
@@ -103,11 +202,12 @@
           </a:prstGeom>
         </p:spPr>
         <p:txBody>
-          <a:bodyPr lIns="0" rIns="0" tIns="0" bIns="0">
+          <a:bodyPr lIns="0" tIns="0" rIns="0" bIns="0">
             <a:normAutofit/>
           </a:bodyPr>
-          <a:p>
-            <a:endParaRPr b="0" lang="cs-CZ" sz="3200" spc="-1" strike="noStrike">
+          <a:lstStyle/>
+          <a:p>
+            <a:endParaRPr lang="cs-CZ" sz="3200" b="0" strike="noStrike" spc="-1">
               <a:latin typeface="Arial"/>
             </a:endParaRPr>
           </a:p>
@@ -133,11 +233,12 @@
           </a:prstGeom>
         </p:spPr>
         <p:txBody>
-          <a:bodyPr lIns="0" rIns="0" tIns="0" bIns="0">
+          <a:bodyPr lIns="0" tIns="0" rIns="0" bIns="0">
             <a:normAutofit/>
           </a:bodyPr>
-          <a:p>
-            <a:endParaRPr b="0" lang="cs-CZ" sz="3200" spc="-1" strike="noStrike">
+          <a:lstStyle/>
+          <a:p>
+            <a:endParaRPr lang="cs-CZ" sz="3200" b="0" strike="noStrike" spc="-1">
               <a:latin typeface="Arial"/>
             </a:endParaRPr>
           </a:p>
@@ -145,11 +246,14 @@
       </p:sp>
     </p:spTree>
   </p:cSld>
+  <p:clrMapOvr>
+    <a:masterClrMapping/>
+  </p:clrMapOvr>
 </p:sldLayout>
 </file>
 
 <file path=ppt/slideLayouts/slideLayout11.xml><?xml version="1.0" encoding="utf-8"?>
-<p:sldLayout xmlns:a="http://schemas.openxmlformats.org/drawingml/2006/main" xmlns:p="http://schemas.openxmlformats.org/presentationml/2006/main" xmlns:r="http://schemas.openxmlformats.org/officeDocument/2006/relationships" xmlns:p14="http://schemas.microsoft.com/office/powerpoint/2010/main" xmlns:p15="http://schemas.microsoft.com/office/powerpoint/2012/main" xmlns:mc="http://schemas.openxmlformats.org/markup-compatibility/2006" type="fourObj" preserve="1">
+<p:sldLayout xmlns:a="http://schemas.openxmlformats.org/drawingml/2006/main" xmlns:r="http://schemas.openxmlformats.org/officeDocument/2006/relationships" xmlns:p="http://schemas.openxmlformats.org/presentationml/2006/main" type="fourObj" preserve="1">
   <p:cSld name="Title, 4 Content">
     <p:spTree>
       <p:nvGrpSpPr>
@@ -185,10 +289,11 @@
           </a:prstGeom>
         </p:spPr>
         <p:txBody>
-          <a:bodyPr lIns="0" rIns="0" tIns="0" bIns="0" anchor="ctr"/>
+          <a:bodyPr lIns="0" tIns="0" rIns="0" bIns="0" anchor="ctr"/>
+          <a:lstStyle/>
           <a:p>
             <a:pPr algn="ctr"/>
-            <a:endParaRPr b="0" lang="cs-CZ" sz="4400" spc="-1" strike="noStrike">
+            <a:endParaRPr lang="cs-CZ" sz="4400" b="0" strike="noStrike" spc="-1">
               <a:latin typeface="Arial"/>
             </a:endParaRPr>
           </a:p>
@@ -214,11 +319,12 @@
           </a:prstGeom>
         </p:spPr>
         <p:txBody>
-          <a:bodyPr lIns="0" rIns="0" tIns="0" bIns="0">
+          <a:bodyPr lIns="0" tIns="0" rIns="0" bIns="0">
             <a:normAutofit/>
           </a:bodyPr>
-          <a:p>
-            <a:endParaRPr b="0" lang="cs-CZ" sz="3200" spc="-1" strike="noStrike">
+          <a:lstStyle/>
+          <a:p>
+            <a:endParaRPr lang="cs-CZ" sz="3200" b="0" strike="noStrike" spc="-1">
               <a:latin typeface="Arial"/>
             </a:endParaRPr>
           </a:p>
@@ -244,11 +350,12 @@
           </a:prstGeom>
         </p:spPr>
         <p:txBody>
-          <a:bodyPr lIns="0" rIns="0" tIns="0" bIns="0">
+          <a:bodyPr lIns="0" tIns="0" rIns="0" bIns="0">
             <a:normAutofit/>
           </a:bodyPr>
-          <a:p>
-            <a:endParaRPr b="0" lang="cs-CZ" sz="3200" spc="-1" strike="noStrike">
+          <a:lstStyle/>
+          <a:p>
+            <a:endParaRPr lang="cs-CZ" sz="3200" b="0" strike="noStrike" spc="-1">
               <a:latin typeface="Arial"/>
             </a:endParaRPr>
           </a:p>
@@ -274,11 +381,12 @@
           </a:prstGeom>
         </p:spPr>
         <p:txBody>
-          <a:bodyPr lIns="0" rIns="0" tIns="0" bIns="0">
+          <a:bodyPr lIns="0" tIns="0" rIns="0" bIns="0">
             <a:normAutofit/>
           </a:bodyPr>
-          <a:p>
-            <a:endParaRPr b="0" lang="cs-CZ" sz="3200" spc="-1" strike="noStrike">
+          <a:lstStyle/>
+          <a:p>
+            <a:endParaRPr lang="cs-CZ" sz="3200" b="0" strike="noStrike" spc="-1">
               <a:latin typeface="Arial"/>
             </a:endParaRPr>
           </a:p>
@@ -304,11 +412,12 @@
           </a:prstGeom>
         </p:spPr>
         <p:txBody>
-          <a:bodyPr lIns="0" rIns="0" tIns="0" bIns="0">
+          <a:bodyPr lIns="0" tIns="0" rIns="0" bIns="0">
             <a:normAutofit/>
           </a:bodyPr>
-          <a:p>
-            <a:endParaRPr b="0" lang="cs-CZ" sz="3200" spc="-1" strike="noStrike">
+          <a:lstStyle/>
+          <a:p>
+            <a:endParaRPr lang="cs-CZ" sz="3200" b="0" strike="noStrike" spc="-1">
               <a:latin typeface="Arial"/>
             </a:endParaRPr>
           </a:p>
@@ -316,11 +425,14 @@
       </p:sp>
     </p:spTree>
   </p:cSld>
+  <p:clrMapOvr>
+    <a:masterClrMapping/>
+  </p:clrMapOvr>
 </p:sldLayout>
 </file>
 
 <file path=ppt/slideLayouts/slideLayout12.xml><?xml version="1.0" encoding="utf-8"?>
-<p:sldLayout xmlns:a="http://schemas.openxmlformats.org/drawingml/2006/main" xmlns:p="http://schemas.openxmlformats.org/presentationml/2006/main" xmlns:r="http://schemas.openxmlformats.org/officeDocument/2006/relationships" xmlns:p14="http://schemas.microsoft.com/office/powerpoint/2010/main" xmlns:p15="http://schemas.microsoft.com/office/powerpoint/2012/main" xmlns:mc="http://schemas.openxmlformats.org/markup-compatibility/2006" type="blank" preserve="1">
+<p:sldLayout xmlns:a="http://schemas.openxmlformats.org/drawingml/2006/main" xmlns:r="http://schemas.openxmlformats.org/officeDocument/2006/relationships" xmlns:p="http://schemas.openxmlformats.org/presentationml/2006/main" type="blank" preserve="1">
   <p:cSld name="Title, 6 Content">
     <p:spTree>
       <p:nvGrpSpPr>
@@ -356,10 +468,11 @@
           </a:prstGeom>
         </p:spPr>
         <p:txBody>
-          <a:bodyPr lIns="0" rIns="0" tIns="0" bIns="0" anchor="ctr"/>
+          <a:bodyPr lIns="0" tIns="0" rIns="0" bIns="0" anchor="ctr"/>
+          <a:lstStyle/>
           <a:p>
             <a:pPr algn="ctr"/>
-            <a:endParaRPr b="0" lang="cs-CZ" sz="4400" spc="-1" strike="noStrike">
+            <a:endParaRPr lang="cs-CZ" sz="4400" b="0" strike="noStrike" spc="-1">
               <a:latin typeface="Arial"/>
             </a:endParaRPr>
           </a:p>
@@ -385,11 +498,12 @@
           </a:prstGeom>
         </p:spPr>
         <p:txBody>
-          <a:bodyPr lIns="0" rIns="0" tIns="0" bIns="0">
+          <a:bodyPr lIns="0" tIns="0" rIns="0" bIns="0">
             <a:normAutofit/>
           </a:bodyPr>
-          <a:p>
-            <a:endParaRPr b="0" lang="cs-CZ" sz="3200" spc="-1" strike="noStrike">
+          <a:lstStyle/>
+          <a:p>
+            <a:endParaRPr lang="cs-CZ" sz="3200" b="0" strike="noStrike" spc="-1">
               <a:latin typeface="Arial"/>
             </a:endParaRPr>
           </a:p>
@@ -415,11 +529,12 @@
           </a:prstGeom>
         </p:spPr>
         <p:txBody>
-          <a:bodyPr lIns="0" rIns="0" tIns="0" bIns="0">
+          <a:bodyPr lIns="0" tIns="0" rIns="0" bIns="0">
             <a:normAutofit/>
           </a:bodyPr>
-          <a:p>
-            <a:endParaRPr b="0" lang="cs-CZ" sz="3200" spc="-1" strike="noStrike">
+          <a:lstStyle/>
+          <a:p>
+            <a:endParaRPr lang="cs-CZ" sz="3200" b="0" strike="noStrike" spc="-1">
               <a:latin typeface="Arial"/>
             </a:endParaRPr>
           </a:p>
@@ -445,11 +560,12 @@
           </a:prstGeom>
         </p:spPr>
         <p:txBody>
-          <a:bodyPr lIns="0" rIns="0" tIns="0" bIns="0">
+          <a:bodyPr lIns="0" tIns="0" rIns="0" bIns="0">
             <a:normAutofit/>
           </a:bodyPr>
-          <a:p>
-            <a:endParaRPr b="0" lang="cs-CZ" sz="3200" spc="-1" strike="noStrike">
+          <a:lstStyle/>
+          <a:p>
+            <a:endParaRPr lang="cs-CZ" sz="3200" b="0" strike="noStrike" spc="-1">
               <a:latin typeface="Arial"/>
             </a:endParaRPr>
           </a:p>
@@ -475,11 +591,12 @@
           </a:prstGeom>
         </p:spPr>
         <p:txBody>
-          <a:bodyPr lIns="0" rIns="0" tIns="0" bIns="0">
+          <a:bodyPr lIns="0" tIns="0" rIns="0" bIns="0">
             <a:normAutofit/>
           </a:bodyPr>
-          <a:p>
-            <a:endParaRPr b="0" lang="cs-CZ" sz="3200" spc="-1" strike="noStrike">
+          <a:lstStyle/>
+          <a:p>
+            <a:endParaRPr lang="cs-CZ" sz="3200" b="0" strike="noStrike" spc="-1">
               <a:latin typeface="Arial"/>
             </a:endParaRPr>
           </a:p>
@@ -505,11 +622,12 @@
           </a:prstGeom>
         </p:spPr>
         <p:txBody>
-          <a:bodyPr lIns="0" rIns="0" tIns="0" bIns="0">
+          <a:bodyPr lIns="0" tIns="0" rIns="0" bIns="0">
             <a:normAutofit/>
           </a:bodyPr>
-          <a:p>
-            <a:endParaRPr b="0" lang="cs-CZ" sz="3200" spc="-1" strike="noStrike">
+          <a:lstStyle/>
+          <a:p>
+            <a:endParaRPr lang="cs-CZ" sz="3200" b="0" strike="noStrike" spc="-1">
               <a:latin typeface="Arial"/>
             </a:endParaRPr>
           </a:p>
@@ -535,11 +653,12 @@
           </a:prstGeom>
         </p:spPr>
         <p:txBody>
-          <a:bodyPr lIns="0" rIns="0" tIns="0" bIns="0">
+          <a:bodyPr lIns="0" tIns="0" rIns="0" bIns="0">
             <a:normAutofit/>
           </a:bodyPr>
-          <a:p>
-            <a:endParaRPr b="0" lang="cs-CZ" sz="3200" spc="-1" strike="noStrike">
+          <a:lstStyle/>
+          <a:p>
+            <a:endParaRPr lang="cs-CZ" sz="3200" b="0" strike="noStrike" spc="-1">
               <a:latin typeface="Arial"/>
             </a:endParaRPr>
           </a:p>
@@ -547,11 +666,14 @@
       </p:sp>
     </p:spTree>
   </p:cSld>
+  <p:clrMapOvr>
+    <a:masterClrMapping/>
+  </p:clrMapOvr>
 </p:sldLayout>
 </file>
 
 <file path=ppt/slideLayouts/slideLayout13.xml><?xml version="1.0" encoding="utf-8"?>
-<p:sldLayout xmlns:a="http://schemas.openxmlformats.org/drawingml/2006/main" xmlns:p="http://schemas.openxmlformats.org/presentationml/2006/main" xmlns:r="http://schemas.openxmlformats.org/officeDocument/2006/relationships" xmlns:p14="http://schemas.microsoft.com/office/powerpoint/2010/main" xmlns:p15="http://schemas.microsoft.com/office/powerpoint/2012/main" xmlns:mc="http://schemas.openxmlformats.org/markup-compatibility/2006" type="blank" preserve="1">
+<p:sldLayout xmlns:a="http://schemas.openxmlformats.org/drawingml/2006/main" xmlns:r="http://schemas.openxmlformats.org/officeDocument/2006/relationships" xmlns:p="http://schemas.openxmlformats.org/presentationml/2006/main" type="blank" preserve="1">
   <p:cSld name="Blank Slide">
     <p:spTree>
       <p:nvGrpSpPr>
@@ -569,11 +691,14 @@
       </p:grpSpPr>
     </p:spTree>
   </p:cSld>
+  <p:clrMapOvr>
+    <a:masterClrMapping/>
+  </p:clrMapOvr>
 </p:sldLayout>
 </file>
 
 <file path=ppt/slideLayouts/slideLayout14.xml><?xml version="1.0" encoding="utf-8"?>
-<p:sldLayout xmlns:a="http://schemas.openxmlformats.org/drawingml/2006/main" xmlns:p="http://schemas.openxmlformats.org/presentationml/2006/main" xmlns:r="http://schemas.openxmlformats.org/officeDocument/2006/relationships" xmlns:p14="http://schemas.microsoft.com/office/powerpoint/2010/main" xmlns:p15="http://schemas.microsoft.com/office/powerpoint/2012/main" xmlns:mc="http://schemas.openxmlformats.org/markup-compatibility/2006" type="tx" preserve="1">
+<p:sldLayout xmlns:a="http://schemas.openxmlformats.org/drawingml/2006/main" xmlns:r="http://schemas.openxmlformats.org/officeDocument/2006/relationships" xmlns:p="http://schemas.openxmlformats.org/presentationml/2006/main" type="tx" preserve="1">
   <p:cSld name="Title Slide">
     <p:spTree>
       <p:nvGrpSpPr>
@@ -609,10 +734,11 @@
           </a:prstGeom>
         </p:spPr>
         <p:txBody>
-          <a:bodyPr lIns="0" rIns="0" tIns="0" bIns="0" anchor="ctr"/>
+          <a:bodyPr lIns="0" tIns="0" rIns="0" bIns="0" anchor="ctr"/>
+          <a:lstStyle/>
           <a:p>
             <a:pPr algn="ctr"/>
-            <a:endParaRPr b="0" lang="cs-CZ" sz="4400" spc="-1" strike="noStrike">
+            <a:endParaRPr lang="cs-CZ" sz="4400" b="0" strike="noStrike" spc="-1">
               <a:latin typeface="Arial"/>
             </a:endParaRPr>
           </a:p>
@@ -638,10 +764,11 @@
           </a:prstGeom>
         </p:spPr>
         <p:txBody>
-          <a:bodyPr lIns="0" rIns="0" tIns="0" bIns="0" anchor="ctr"/>
+          <a:bodyPr lIns="0" tIns="0" rIns="0" bIns="0" anchor="ctr"/>
+          <a:lstStyle/>
           <a:p>
             <a:pPr algn="ctr"/>
-            <a:endParaRPr b="0" lang="cs-CZ" sz="3200" spc="-1" strike="noStrike">
+            <a:endParaRPr lang="cs-CZ" sz="3200" b="0" strike="noStrike" spc="-1">
               <a:latin typeface="Arial"/>
             </a:endParaRPr>
           </a:p>
@@ -649,11 +776,14 @@
       </p:sp>
     </p:spTree>
   </p:cSld>
+  <p:clrMapOvr>
+    <a:masterClrMapping/>
+  </p:clrMapOvr>
 </p:sldLayout>
 </file>
 
 <file path=ppt/slideLayouts/slideLayout15.xml><?xml version="1.0" encoding="utf-8"?>
-<p:sldLayout xmlns:a="http://schemas.openxmlformats.org/drawingml/2006/main" xmlns:p="http://schemas.openxmlformats.org/presentationml/2006/main" xmlns:r="http://schemas.openxmlformats.org/officeDocument/2006/relationships" xmlns:p14="http://schemas.microsoft.com/office/powerpoint/2010/main" xmlns:p15="http://schemas.microsoft.com/office/powerpoint/2012/main" xmlns:mc="http://schemas.openxmlformats.org/markup-compatibility/2006" type="obj" preserve="1">
+<p:sldLayout xmlns:a="http://schemas.openxmlformats.org/drawingml/2006/main" xmlns:r="http://schemas.openxmlformats.org/officeDocument/2006/relationships" xmlns:p="http://schemas.openxmlformats.org/presentationml/2006/main" type="obj" preserve="1">
   <p:cSld name="Title, Content">
     <p:spTree>
       <p:nvGrpSpPr>
@@ -689,10 +819,11 @@
           </a:prstGeom>
         </p:spPr>
         <p:txBody>
-          <a:bodyPr lIns="0" rIns="0" tIns="0" bIns="0" anchor="ctr"/>
+          <a:bodyPr lIns="0" tIns="0" rIns="0" bIns="0" anchor="ctr"/>
+          <a:lstStyle/>
           <a:p>
             <a:pPr algn="ctr"/>
-            <a:endParaRPr b="0" lang="cs-CZ" sz="4400" spc="-1" strike="noStrike">
+            <a:endParaRPr lang="cs-CZ" sz="4400" b="0" strike="noStrike" spc="-1">
               <a:latin typeface="Arial"/>
             </a:endParaRPr>
           </a:p>
@@ -718,11 +849,12 @@
           </a:prstGeom>
         </p:spPr>
         <p:txBody>
-          <a:bodyPr lIns="0" rIns="0" tIns="0" bIns="0">
+          <a:bodyPr lIns="0" tIns="0" rIns="0" bIns="0">
             <a:normAutofit/>
           </a:bodyPr>
-          <a:p>
-            <a:endParaRPr b="0" lang="cs-CZ" sz="3200" spc="-1" strike="noStrike">
+          <a:lstStyle/>
+          <a:p>
+            <a:endParaRPr lang="cs-CZ" sz="3200" b="0" strike="noStrike" spc="-1">
               <a:latin typeface="Arial"/>
             </a:endParaRPr>
           </a:p>
@@ -730,11 +862,14 @@
       </p:sp>
     </p:spTree>
   </p:cSld>
+  <p:clrMapOvr>
+    <a:masterClrMapping/>
+  </p:clrMapOvr>
 </p:sldLayout>
 </file>
 
 <file path=ppt/slideLayouts/slideLayout16.xml><?xml version="1.0" encoding="utf-8"?>
-<p:sldLayout xmlns:a="http://schemas.openxmlformats.org/drawingml/2006/main" xmlns:p="http://schemas.openxmlformats.org/presentationml/2006/main" xmlns:r="http://schemas.openxmlformats.org/officeDocument/2006/relationships" xmlns:p14="http://schemas.microsoft.com/office/powerpoint/2010/main" xmlns:p15="http://schemas.microsoft.com/office/powerpoint/2012/main" xmlns:mc="http://schemas.openxmlformats.org/markup-compatibility/2006" type="twoObj" preserve="1">
+<p:sldLayout xmlns:a="http://schemas.openxmlformats.org/drawingml/2006/main" xmlns:r="http://schemas.openxmlformats.org/officeDocument/2006/relationships" xmlns:p="http://schemas.openxmlformats.org/presentationml/2006/main" type="twoObj" preserve="1">
   <p:cSld name="Title, 2 Content">
     <p:spTree>
       <p:nvGrpSpPr>
@@ -770,10 +905,11 @@
           </a:prstGeom>
         </p:spPr>
         <p:txBody>
-          <a:bodyPr lIns="0" rIns="0" tIns="0" bIns="0" anchor="ctr"/>
+          <a:bodyPr lIns="0" tIns="0" rIns="0" bIns="0" anchor="ctr"/>
+          <a:lstStyle/>
           <a:p>
             <a:pPr algn="ctr"/>
-            <a:endParaRPr b="0" lang="cs-CZ" sz="4400" spc="-1" strike="noStrike">
+            <a:endParaRPr lang="cs-CZ" sz="4400" b="0" strike="noStrike" spc="-1">
               <a:latin typeface="Arial"/>
             </a:endParaRPr>
           </a:p>
@@ -799,11 +935,12 @@
           </a:prstGeom>
         </p:spPr>
         <p:txBody>
-          <a:bodyPr lIns="0" rIns="0" tIns="0" bIns="0">
+          <a:bodyPr lIns="0" tIns="0" rIns="0" bIns="0">
             <a:normAutofit/>
           </a:bodyPr>
-          <a:p>
-            <a:endParaRPr b="0" lang="cs-CZ" sz="3200" spc="-1" strike="noStrike">
+          <a:lstStyle/>
+          <a:p>
+            <a:endParaRPr lang="cs-CZ" sz="3200" b="0" strike="noStrike" spc="-1">
               <a:latin typeface="Arial"/>
             </a:endParaRPr>
           </a:p>
@@ -829,11 +966,12 @@
           </a:prstGeom>
         </p:spPr>
         <p:txBody>
-          <a:bodyPr lIns="0" rIns="0" tIns="0" bIns="0">
+          <a:bodyPr lIns="0" tIns="0" rIns="0" bIns="0">
             <a:normAutofit/>
           </a:bodyPr>
-          <a:p>
-            <a:endParaRPr b="0" lang="cs-CZ" sz="3200" spc="-1" strike="noStrike">
+          <a:lstStyle/>
+          <a:p>
+            <a:endParaRPr lang="cs-CZ" sz="3200" b="0" strike="noStrike" spc="-1">
               <a:latin typeface="Arial"/>
             </a:endParaRPr>
           </a:p>
@@ -841,11 +979,14 @@
       </p:sp>
     </p:spTree>
   </p:cSld>
+  <p:clrMapOvr>
+    <a:masterClrMapping/>
+  </p:clrMapOvr>
 </p:sldLayout>
 </file>
 
 <file path=ppt/slideLayouts/slideLayout17.xml><?xml version="1.0" encoding="utf-8"?>
-<p:sldLayout xmlns:a="http://schemas.openxmlformats.org/drawingml/2006/main" xmlns:p="http://schemas.openxmlformats.org/presentationml/2006/main" xmlns:r="http://schemas.openxmlformats.org/officeDocument/2006/relationships" xmlns:p14="http://schemas.microsoft.com/office/powerpoint/2010/main" xmlns:p15="http://schemas.microsoft.com/office/powerpoint/2012/main" xmlns:mc="http://schemas.openxmlformats.org/markup-compatibility/2006" type="titleOnly" preserve="1">
+<p:sldLayout xmlns:a="http://schemas.openxmlformats.org/drawingml/2006/main" xmlns:r="http://schemas.openxmlformats.org/officeDocument/2006/relationships" xmlns:p="http://schemas.openxmlformats.org/presentationml/2006/main" type="titleOnly" preserve="1">
   <p:cSld name="Title Only">
     <p:spTree>
       <p:nvGrpSpPr>
@@ -881,10 +1022,11 @@
           </a:prstGeom>
         </p:spPr>
         <p:txBody>
-          <a:bodyPr lIns="0" rIns="0" tIns="0" bIns="0" anchor="ctr"/>
+          <a:bodyPr lIns="0" tIns="0" rIns="0" bIns="0" anchor="ctr"/>
+          <a:lstStyle/>
           <a:p>
             <a:pPr algn="ctr"/>
-            <a:endParaRPr b="0" lang="cs-CZ" sz="4400" spc="-1" strike="noStrike">
+            <a:endParaRPr lang="cs-CZ" sz="4400" b="0" strike="noStrike" spc="-1">
               <a:latin typeface="Arial"/>
             </a:endParaRPr>
           </a:p>
@@ -892,11 +1034,14 @@
       </p:sp>
     </p:spTree>
   </p:cSld>
+  <p:clrMapOvr>
+    <a:masterClrMapping/>
+  </p:clrMapOvr>
 </p:sldLayout>
 </file>
 
 <file path=ppt/slideLayouts/slideLayout18.xml><?xml version="1.0" encoding="utf-8"?>
-<p:sldLayout xmlns:a="http://schemas.openxmlformats.org/drawingml/2006/main" xmlns:p="http://schemas.openxmlformats.org/presentationml/2006/main" xmlns:r="http://schemas.openxmlformats.org/officeDocument/2006/relationships" xmlns:p14="http://schemas.microsoft.com/office/powerpoint/2010/main" xmlns:p15="http://schemas.microsoft.com/office/powerpoint/2012/main" xmlns:mc="http://schemas.openxmlformats.org/markup-compatibility/2006" type="objOnly" preserve="1">
+<p:sldLayout xmlns:a="http://schemas.openxmlformats.org/drawingml/2006/main" xmlns:r="http://schemas.openxmlformats.org/officeDocument/2006/relationships" xmlns:p="http://schemas.openxmlformats.org/presentationml/2006/main" type="objOnly" preserve="1">
   <p:cSld name="Centered Text">
     <p:spTree>
       <p:nvGrpSpPr>
@@ -932,10 +1077,11 @@
           </a:prstGeom>
         </p:spPr>
         <p:txBody>
-          <a:bodyPr lIns="0" rIns="0" tIns="0" bIns="0" anchor="ctr"/>
+          <a:bodyPr lIns="0" tIns="0" rIns="0" bIns="0" anchor="ctr"/>
+          <a:lstStyle/>
           <a:p>
             <a:pPr algn="ctr"/>
-            <a:endParaRPr b="0" lang="cs-CZ" sz="3200" spc="-1" strike="noStrike">
+            <a:endParaRPr lang="cs-CZ" sz="3200" b="0" strike="noStrike" spc="-1">
               <a:latin typeface="Arial"/>
             </a:endParaRPr>
           </a:p>
@@ -943,11 +1089,14 @@
       </p:sp>
     </p:spTree>
   </p:cSld>
+  <p:clrMapOvr>
+    <a:masterClrMapping/>
+  </p:clrMapOvr>
 </p:sldLayout>
 </file>
 
 <file path=ppt/slideLayouts/slideLayout19.xml><?xml version="1.0" encoding="utf-8"?>
-<p:sldLayout xmlns:a="http://schemas.openxmlformats.org/drawingml/2006/main" xmlns:p="http://schemas.openxmlformats.org/presentationml/2006/main" xmlns:r="http://schemas.openxmlformats.org/officeDocument/2006/relationships" xmlns:p14="http://schemas.microsoft.com/office/powerpoint/2010/main" xmlns:p15="http://schemas.microsoft.com/office/powerpoint/2012/main" xmlns:mc="http://schemas.openxmlformats.org/markup-compatibility/2006" type="twoObjAndObj" preserve="1">
+<p:sldLayout xmlns:a="http://schemas.openxmlformats.org/drawingml/2006/main" xmlns:r="http://schemas.openxmlformats.org/officeDocument/2006/relationships" xmlns:p="http://schemas.openxmlformats.org/presentationml/2006/main" type="twoObjAndObj" preserve="1">
   <p:cSld name="Title, 2 Content and Content">
     <p:spTree>
       <p:nvGrpSpPr>
@@ -983,10 +1132,11 @@
           </a:prstGeom>
         </p:spPr>
         <p:txBody>
-          <a:bodyPr lIns="0" rIns="0" tIns="0" bIns="0" anchor="ctr"/>
+          <a:bodyPr lIns="0" tIns="0" rIns="0" bIns="0" anchor="ctr"/>
+          <a:lstStyle/>
           <a:p>
             <a:pPr algn="ctr"/>
-            <a:endParaRPr b="0" lang="cs-CZ" sz="4400" spc="-1" strike="noStrike">
+            <a:endParaRPr lang="cs-CZ" sz="4400" b="0" strike="noStrike" spc="-1">
               <a:latin typeface="Arial"/>
             </a:endParaRPr>
           </a:p>
@@ -1012,11 +1162,12 @@
           </a:prstGeom>
         </p:spPr>
         <p:txBody>
-          <a:bodyPr lIns="0" rIns="0" tIns="0" bIns="0">
+          <a:bodyPr lIns="0" tIns="0" rIns="0" bIns="0">
             <a:normAutofit/>
           </a:bodyPr>
-          <a:p>
-            <a:endParaRPr b="0" lang="cs-CZ" sz="3200" spc="-1" strike="noStrike">
+          <a:lstStyle/>
+          <a:p>
+            <a:endParaRPr lang="cs-CZ" sz="3200" b="0" strike="noStrike" spc="-1">
               <a:latin typeface="Arial"/>
             </a:endParaRPr>
           </a:p>
@@ -1042,11 +1193,12 @@
           </a:prstGeom>
         </p:spPr>
         <p:txBody>
-          <a:bodyPr lIns="0" rIns="0" tIns="0" bIns="0">
+          <a:bodyPr lIns="0" tIns="0" rIns="0" bIns="0">
             <a:normAutofit/>
           </a:bodyPr>
-          <a:p>
-            <a:endParaRPr b="0" lang="cs-CZ" sz="3200" spc="-1" strike="noStrike">
+          <a:lstStyle/>
+          <a:p>
+            <a:endParaRPr lang="cs-CZ" sz="3200" b="0" strike="noStrike" spc="-1">
               <a:latin typeface="Arial"/>
             </a:endParaRPr>
           </a:p>
@@ -1072,11 +1224,12 @@
           </a:prstGeom>
         </p:spPr>
         <p:txBody>
-          <a:bodyPr lIns="0" rIns="0" tIns="0" bIns="0">
+          <a:bodyPr lIns="0" tIns="0" rIns="0" bIns="0">
             <a:normAutofit/>
           </a:bodyPr>
-          <a:p>
-            <a:endParaRPr b="0" lang="cs-CZ" sz="3200" spc="-1" strike="noStrike">
+          <a:lstStyle/>
+          <a:p>
+            <a:endParaRPr lang="cs-CZ" sz="3200" b="0" strike="noStrike" spc="-1">
               <a:latin typeface="Arial"/>
             </a:endParaRPr>
           </a:p>
@@ -1084,11 +1237,14 @@
       </p:sp>
     </p:spTree>
   </p:cSld>
+  <p:clrMapOvr>
+    <a:masterClrMapping/>
+  </p:clrMapOvr>
 </p:sldLayout>
 </file>
 
 <file path=ppt/slideLayouts/slideLayout2.xml><?xml version="1.0" encoding="utf-8"?>
-<p:sldLayout xmlns:a="http://schemas.openxmlformats.org/drawingml/2006/main" xmlns:p="http://schemas.openxmlformats.org/presentationml/2006/main" xmlns:r="http://schemas.openxmlformats.org/officeDocument/2006/relationships" xmlns:p14="http://schemas.microsoft.com/office/powerpoint/2010/main" xmlns:p15="http://schemas.microsoft.com/office/powerpoint/2012/main" xmlns:mc="http://schemas.openxmlformats.org/markup-compatibility/2006" type="tx" preserve="1">
+<p:sldLayout xmlns:a="http://schemas.openxmlformats.org/drawingml/2006/main" xmlns:r="http://schemas.openxmlformats.org/officeDocument/2006/relationships" xmlns:p="http://schemas.openxmlformats.org/presentationml/2006/main" type="tx" preserve="1">
   <p:cSld name="Title Slide">
     <p:spTree>
       <p:nvGrpSpPr>
@@ -1124,10 +1280,11 @@
           </a:prstGeom>
         </p:spPr>
         <p:txBody>
-          <a:bodyPr lIns="0" rIns="0" tIns="0" bIns="0" anchor="ctr"/>
+          <a:bodyPr lIns="0" tIns="0" rIns="0" bIns="0" anchor="ctr"/>
+          <a:lstStyle/>
           <a:p>
             <a:pPr algn="ctr"/>
-            <a:endParaRPr b="0" lang="cs-CZ" sz="4400" spc="-1" strike="noStrike">
+            <a:endParaRPr lang="cs-CZ" sz="4400" b="0" strike="noStrike" spc="-1">
               <a:latin typeface="Arial"/>
             </a:endParaRPr>
           </a:p>
@@ -1153,10 +1310,11 @@
           </a:prstGeom>
         </p:spPr>
         <p:txBody>
-          <a:bodyPr lIns="0" rIns="0" tIns="0" bIns="0" anchor="ctr"/>
+          <a:bodyPr lIns="0" tIns="0" rIns="0" bIns="0" anchor="ctr"/>
+          <a:lstStyle/>
           <a:p>
             <a:pPr algn="ctr"/>
-            <a:endParaRPr b="0" lang="cs-CZ" sz="3200" spc="-1" strike="noStrike">
+            <a:endParaRPr lang="cs-CZ" sz="3200" b="0" strike="noStrike" spc="-1">
               <a:latin typeface="Arial"/>
             </a:endParaRPr>
           </a:p>
@@ -1164,11 +1322,14 @@
       </p:sp>
     </p:spTree>
   </p:cSld>
+  <p:clrMapOvr>
+    <a:masterClrMapping/>
+  </p:clrMapOvr>
 </p:sldLayout>
 </file>
 
 <file path=ppt/slideLayouts/slideLayout20.xml><?xml version="1.0" encoding="utf-8"?>
-<p:sldLayout xmlns:a="http://schemas.openxmlformats.org/drawingml/2006/main" xmlns:p="http://schemas.openxmlformats.org/presentationml/2006/main" xmlns:r="http://schemas.openxmlformats.org/officeDocument/2006/relationships" xmlns:p14="http://schemas.microsoft.com/office/powerpoint/2010/main" xmlns:p15="http://schemas.microsoft.com/office/powerpoint/2012/main" xmlns:mc="http://schemas.openxmlformats.org/markup-compatibility/2006" type="objAndTwoObj" preserve="1">
+<p:sldLayout xmlns:a="http://schemas.openxmlformats.org/drawingml/2006/main" xmlns:r="http://schemas.openxmlformats.org/officeDocument/2006/relationships" xmlns:p="http://schemas.openxmlformats.org/presentationml/2006/main" type="objAndTwoObj" preserve="1">
   <p:cSld name="Title Content and 2 Content">
     <p:spTree>
       <p:nvGrpSpPr>
@@ -1204,10 +1365,11 @@
           </a:prstGeom>
         </p:spPr>
         <p:txBody>
-          <a:bodyPr lIns="0" rIns="0" tIns="0" bIns="0" anchor="ctr"/>
+          <a:bodyPr lIns="0" tIns="0" rIns="0" bIns="0" anchor="ctr"/>
+          <a:lstStyle/>
           <a:p>
             <a:pPr algn="ctr"/>
-            <a:endParaRPr b="0" lang="cs-CZ" sz="4400" spc="-1" strike="noStrike">
+            <a:endParaRPr lang="cs-CZ" sz="4400" b="0" strike="noStrike" spc="-1">
               <a:latin typeface="Arial"/>
             </a:endParaRPr>
           </a:p>
@@ -1233,11 +1395,12 @@
           </a:prstGeom>
         </p:spPr>
         <p:txBody>
-          <a:bodyPr lIns="0" rIns="0" tIns="0" bIns="0">
+          <a:bodyPr lIns="0" tIns="0" rIns="0" bIns="0">
             <a:normAutofit/>
           </a:bodyPr>
-          <a:p>
-            <a:endParaRPr b="0" lang="cs-CZ" sz="3200" spc="-1" strike="noStrike">
+          <a:lstStyle/>
+          <a:p>
+            <a:endParaRPr lang="cs-CZ" sz="3200" b="0" strike="noStrike" spc="-1">
               <a:latin typeface="Arial"/>
             </a:endParaRPr>
           </a:p>
@@ -1263,11 +1426,12 @@
           </a:prstGeom>
         </p:spPr>
         <p:txBody>
-          <a:bodyPr lIns="0" rIns="0" tIns="0" bIns="0">
+          <a:bodyPr lIns="0" tIns="0" rIns="0" bIns="0">
             <a:normAutofit/>
           </a:bodyPr>
-          <a:p>
-            <a:endParaRPr b="0" lang="cs-CZ" sz="3200" spc="-1" strike="noStrike">
+          <a:lstStyle/>
+          <a:p>
+            <a:endParaRPr lang="cs-CZ" sz="3200" b="0" strike="noStrike" spc="-1">
               <a:latin typeface="Arial"/>
             </a:endParaRPr>
           </a:p>
@@ -1293,11 +1457,12 @@
           </a:prstGeom>
         </p:spPr>
         <p:txBody>
-          <a:bodyPr lIns="0" rIns="0" tIns="0" bIns="0">
+          <a:bodyPr lIns="0" tIns="0" rIns="0" bIns="0">
             <a:normAutofit/>
           </a:bodyPr>
-          <a:p>
-            <a:endParaRPr b="0" lang="cs-CZ" sz="3200" spc="-1" strike="noStrike">
+          <a:lstStyle/>
+          <a:p>
+            <a:endParaRPr lang="cs-CZ" sz="3200" b="0" strike="noStrike" spc="-1">
               <a:latin typeface="Arial"/>
             </a:endParaRPr>
           </a:p>
@@ -1305,11 +1470,14 @@
       </p:sp>
     </p:spTree>
   </p:cSld>
+  <p:clrMapOvr>
+    <a:masterClrMapping/>
+  </p:clrMapOvr>
 </p:sldLayout>
 </file>
 
 <file path=ppt/slideLayouts/slideLayout21.xml><?xml version="1.0" encoding="utf-8"?>
-<p:sldLayout xmlns:a="http://schemas.openxmlformats.org/drawingml/2006/main" xmlns:p="http://schemas.openxmlformats.org/presentationml/2006/main" xmlns:r="http://schemas.openxmlformats.org/officeDocument/2006/relationships" xmlns:p14="http://schemas.microsoft.com/office/powerpoint/2010/main" xmlns:p15="http://schemas.microsoft.com/office/powerpoint/2012/main" xmlns:mc="http://schemas.openxmlformats.org/markup-compatibility/2006" type="twoObjOverTx" preserve="1">
+<p:sldLayout xmlns:a="http://schemas.openxmlformats.org/drawingml/2006/main" xmlns:r="http://schemas.openxmlformats.org/officeDocument/2006/relationships" xmlns:p="http://schemas.openxmlformats.org/presentationml/2006/main" type="twoObjOverTx" preserve="1">
   <p:cSld name="Title, 2 Content over Content">
     <p:spTree>
       <p:nvGrpSpPr>
@@ -1345,10 +1513,11 @@
           </a:prstGeom>
         </p:spPr>
         <p:txBody>
-          <a:bodyPr lIns="0" rIns="0" tIns="0" bIns="0" anchor="ctr"/>
+          <a:bodyPr lIns="0" tIns="0" rIns="0" bIns="0" anchor="ctr"/>
+          <a:lstStyle/>
           <a:p>
             <a:pPr algn="ctr"/>
-            <a:endParaRPr b="0" lang="cs-CZ" sz="4400" spc="-1" strike="noStrike">
+            <a:endParaRPr lang="cs-CZ" sz="4400" b="0" strike="noStrike" spc="-1">
               <a:latin typeface="Arial"/>
             </a:endParaRPr>
           </a:p>
@@ -1374,11 +1543,12 @@
           </a:prstGeom>
         </p:spPr>
         <p:txBody>
-          <a:bodyPr lIns="0" rIns="0" tIns="0" bIns="0">
+          <a:bodyPr lIns="0" tIns="0" rIns="0" bIns="0">
             <a:normAutofit/>
           </a:bodyPr>
-          <a:p>
-            <a:endParaRPr b="0" lang="cs-CZ" sz="3200" spc="-1" strike="noStrike">
+          <a:lstStyle/>
+          <a:p>
+            <a:endParaRPr lang="cs-CZ" sz="3200" b="0" strike="noStrike" spc="-1">
               <a:latin typeface="Arial"/>
             </a:endParaRPr>
           </a:p>
@@ -1404,11 +1574,12 @@
           </a:prstGeom>
         </p:spPr>
         <p:txBody>
-          <a:bodyPr lIns="0" rIns="0" tIns="0" bIns="0">
+          <a:bodyPr lIns="0" tIns="0" rIns="0" bIns="0">
             <a:normAutofit/>
           </a:bodyPr>
-          <a:p>
-            <a:endParaRPr b="0" lang="cs-CZ" sz="3200" spc="-1" strike="noStrike">
+          <a:lstStyle/>
+          <a:p>
+            <a:endParaRPr lang="cs-CZ" sz="3200" b="0" strike="noStrike" spc="-1">
               <a:latin typeface="Arial"/>
             </a:endParaRPr>
           </a:p>
@@ -1434,11 +1605,12 @@
           </a:prstGeom>
         </p:spPr>
         <p:txBody>
-          <a:bodyPr lIns="0" rIns="0" tIns="0" bIns="0">
+          <a:bodyPr lIns="0" tIns="0" rIns="0" bIns="0">
             <a:normAutofit/>
           </a:bodyPr>
-          <a:p>
-            <a:endParaRPr b="0" lang="cs-CZ" sz="3200" spc="-1" strike="noStrike">
+          <a:lstStyle/>
+          <a:p>
+            <a:endParaRPr lang="cs-CZ" sz="3200" b="0" strike="noStrike" spc="-1">
               <a:latin typeface="Arial"/>
             </a:endParaRPr>
           </a:p>
@@ -1446,11 +1618,14 @@
       </p:sp>
     </p:spTree>
   </p:cSld>
+  <p:clrMapOvr>
+    <a:masterClrMapping/>
+  </p:clrMapOvr>
 </p:sldLayout>
 </file>
 
 <file path=ppt/slideLayouts/slideLayout22.xml><?xml version="1.0" encoding="utf-8"?>
-<p:sldLayout xmlns:a="http://schemas.openxmlformats.org/drawingml/2006/main" xmlns:p="http://schemas.openxmlformats.org/presentationml/2006/main" xmlns:r="http://schemas.openxmlformats.org/officeDocument/2006/relationships" xmlns:p14="http://schemas.microsoft.com/office/powerpoint/2010/main" xmlns:p15="http://schemas.microsoft.com/office/powerpoint/2012/main" xmlns:mc="http://schemas.openxmlformats.org/markup-compatibility/2006" type="objOverTx" preserve="1">
+<p:sldLayout xmlns:a="http://schemas.openxmlformats.org/drawingml/2006/main" xmlns:r="http://schemas.openxmlformats.org/officeDocument/2006/relationships" xmlns:p="http://schemas.openxmlformats.org/presentationml/2006/main" type="objOverTx" preserve="1">
   <p:cSld name="Title, Content over Content">
     <p:spTree>
       <p:nvGrpSpPr>
@@ -1486,10 +1661,11 @@
           </a:prstGeom>
         </p:spPr>
         <p:txBody>
-          <a:bodyPr lIns="0" rIns="0" tIns="0" bIns="0" anchor="ctr"/>
+          <a:bodyPr lIns="0" tIns="0" rIns="0" bIns="0" anchor="ctr"/>
+          <a:lstStyle/>
           <a:p>
             <a:pPr algn="ctr"/>
-            <a:endParaRPr b="0" lang="cs-CZ" sz="4400" spc="-1" strike="noStrike">
+            <a:endParaRPr lang="cs-CZ" sz="4400" b="0" strike="noStrike" spc="-1">
               <a:latin typeface="Arial"/>
             </a:endParaRPr>
           </a:p>
@@ -1515,11 +1691,12 @@
           </a:prstGeom>
         </p:spPr>
         <p:txBody>
-          <a:bodyPr lIns="0" rIns="0" tIns="0" bIns="0">
+          <a:bodyPr lIns="0" tIns="0" rIns="0" bIns="0">
             <a:normAutofit/>
           </a:bodyPr>
-          <a:p>
-            <a:endParaRPr b="0" lang="cs-CZ" sz="3200" spc="-1" strike="noStrike">
+          <a:lstStyle/>
+          <a:p>
+            <a:endParaRPr lang="cs-CZ" sz="3200" b="0" strike="noStrike" spc="-1">
               <a:latin typeface="Arial"/>
             </a:endParaRPr>
           </a:p>
@@ -1545,11 +1722,12 @@
           </a:prstGeom>
         </p:spPr>
         <p:txBody>
-          <a:bodyPr lIns="0" rIns="0" tIns="0" bIns="0">
+          <a:bodyPr lIns="0" tIns="0" rIns="0" bIns="0">
             <a:normAutofit/>
           </a:bodyPr>
-          <a:p>
-            <a:endParaRPr b="0" lang="cs-CZ" sz="3200" spc="-1" strike="noStrike">
+          <a:lstStyle/>
+          <a:p>
+            <a:endParaRPr lang="cs-CZ" sz="3200" b="0" strike="noStrike" spc="-1">
               <a:latin typeface="Arial"/>
             </a:endParaRPr>
           </a:p>
@@ -1557,11 +1735,14 @@
       </p:sp>
     </p:spTree>
   </p:cSld>
+  <p:clrMapOvr>
+    <a:masterClrMapping/>
+  </p:clrMapOvr>
 </p:sldLayout>
 </file>
 
 <file path=ppt/slideLayouts/slideLayout23.xml><?xml version="1.0" encoding="utf-8"?>
-<p:sldLayout xmlns:a="http://schemas.openxmlformats.org/drawingml/2006/main" xmlns:p="http://schemas.openxmlformats.org/presentationml/2006/main" xmlns:r="http://schemas.openxmlformats.org/officeDocument/2006/relationships" xmlns:p14="http://schemas.microsoft.com/office/powerpoint/2010/main" xmlns:p15="http://schemas.microsoft.com/office/powerpoint/2012/main" xmlns:mc="http://schemas.openxmlformats.org/markup-compatibility/2006" type="fourObj" preserve="1">
+<p:sldLayout xmlns:a="http://schemas.openxmlformats.org/drawingml/2006/main" xmlns:r="http://schemas.openxmlformats.org/officeDocument/2006/relationships" xmlns:p="http://schemas.openxmlformats.org/presentationml/2006/main" type="fourObj" preserve="1">
   <p:cSld name="Title, 4 Content">
     <p:spTree>
       <p:nvGrpSpPr>
@@ -1597,10 +1778,11 @@
           </a:prstGeom>
         </p:spPr>
         <p:txBody>
-          <a:bodyPr lIns="0" rIns="0" tIns="0" bIns="0" anchor="ctr"/>
+          <a:bodyPr lIns="0" tIns="0" rIns="0" bIns="0" anchor="ctr"/>
+          <a:lstStyle/>
           <a:p>
             <a:pPr algn="ctr"/>
-            <a:endParaRPr b="0" lang="cs-CZ" sz="4400" spc="-1" strike="noStrike">
+            <a:endParaRPr lang="cs-CZ" sz="4400" b="0" strike="noStrike" spc="-1">
               <a:latin typeface="Arial"/>
             </a:endParaRPr>
           </a:p>
@@ -1626,11 +1808,12 @@
           </a:prstGeom>
         </p:spPr>
         <p:txBody>
-          <a:bodyPr lIns="0" rIns="0" tIns="0" bIns="0">
+          <a:bodyPr lIns="0" tIns="0" rIns="0" bIns="0">
             <a:normAutofit/>
           </a:bodyPr>
-          <a:p>
-            <a:endParaRPr b="0" lang="cs-CZ" sz="3200" spc="-1" strike="noStrike">
+          <a:lstStyle/>
+          <a:p>
+            <a:endParaRPr lang="cs-CZ" sz="3200" b="0" strike="noStrike" spc="-1">
               <a:latin typeface="Arial"/>
             </a:endParaRPr>
           </a:p>
@@ -1656,11 +1839,12 @@
           </a:prstGeom>
         </p:spPr>
         <p:txBody>
-          <a:bodyPr lIns="0" rIns="0" tIns="0" bIns="0">
+          <a:bodyPr lIns="0" tIns="0" rIns="0" bIns="0">
             <a:normAutofit/>
           </a:bodyPr>
-          <a:p>
-            <a:endParaRPr b="0" lang="cs-CZ" sz="3200" spc="-1" strike="noStrike">
+          <a:lstStyle/>
+          <a:p>
+            <a:endParaRPr lang="cs-CZ" sz="3200" b="0" strike="noStrike" spc="-1">
               <a:latin typeface="Arial"/>
             </a:endParaRPr>
           </a:p>
@@ -1686,11 +1870,12 @@
           </a:prstGeom>
         </p:spPr>
         <p:txBody>
-          <a:bodyPr lIns="0" rIns="0" tIns="0" bIns="0">
+          <a:bodyPr lIns="0" tIns="0" rIns="0" bIns="0">
             <a:normAutofit/>
           </a:bodyPr>
-          <a:p>
-            <a:endParaRPr b="0" lang="cs-CZ" sz="3200" spc="-1" strike="noStrike">
+          <a:lstStyle/>
+          <a:p>
+            <a:endParaRPr lang="cs-CZ" sz="3200" b="0" strike="noStrike" spc="-1">
               <a:latin typeface="Arial"/>
             </a:endParaRPr>
           </a:p>
@@ -1716,11 +1901,12 @@
           </a:prstGeom>
         </p:spPr>
         <p:txBody>
-          <a:bodyPr lIns="0" rIns="0" tIns="0" bIns="0">
+          <a:bodyPr lIns="0" tIns="0" rIns="0" bIns="0">
             <a:normAutofit/>
           </a:bodyPr>
-          <a:p>
-            <a:endParaRPr b="0" lang="cs-CZ" sz="3200" spc="-1" strike="noStrike">
+          <a:lstStyle/>
+          <a:p>
+            <a:endParaRPr lang="cs-CZ" sz="3200" b="0" strike="noStrike" spc="-1">
               <a:latin typeface="Arial"/>
             </a:endParaRPr>
           </a:p>
@@ -1728,11 +1914,14 @@
       </p:sp>
     </p:spTree>
   </p:cSld>
+  <p:clrMapOvr>
+    <a:masterClrMapping/>
+  </p:clrMapOvr>
 </p:sldLayout>
 </file>
 
 <file path=ppt/slideLayouts/slideLayout24.xml><?xml version="1.0" encoding="utf-8"?>
-<p:sldLayout xmlns:a="http://schemas.openxmlformats.org/drawingml/2006/main" xmlns:p="http://schemas.openxmlformats.org/presentationml/2006/main" xmlns:r="http://schemas.openxmlformats.org/officeDocument/2006/relationships" xmlns:p14="http://schemas.microsoft.com/office/powerpoint/2010/main" xmlns:p15="http://schemas.microsoft.com/office/powerpoint/2012/main" xmlns:mc="http://schemas.openxmlformats.org/markup-compatibility/2006" type="blank" preserve="1">
+<p:sldLayout xmlns:a="http://schemas.openxmlformats.org/drawingml/2006/main" xmlns:r="http://schemas.openxmlformats.org/officeDocument/2006/relationships" xmlns:p="http://schemas.openxmlformats.org/presentationml/2006/main" type="blank" preserve="1">
   <p:cSld name="Title, 6 Content">
     <p:spTree>
       <p:nvGrpSpPr>
@@ -1768,10 +1957,11 @@
           </a:prstGeom>
         </p:spPr>
         <p:txBody>
-          <a:bodyPr lIns="0" rIns="0" tIns="0" bIns="0" anchor="ctr"/>
+          <a:bodyPr lIns="0" tIns="0" rIns="0" bIns="0" anchor="ctr"/>
+          <a:lstStyle/>
           <a:p>
             <a:pPr algn="ctr"/>
-            <a:endParaRPr b="0" lang="cs-CZ" sz="4400" spc="-1" strike="noStrike">
+            <a:endParaRPr lang="cs-CZ" sz="4400" b="0" strike="noStrike" spc="-1">
               <a:latin typeface="Arial"/>
             </a:endParaRPr>
           </a:p>
@@ -1797,11 +1987,12 @@
           </a:prstGeom>
         </p:spPr>
         <p:txBody>
-          <a:bodyPr lIns="0" rIns="0" tIns="0" bIns="0">
+          <a:bodyPr lIns="0" tIns="0" rIns="0" bIns="0">
             <a:normAutofit/>
           </a:bodyPr>
-          <a:p>
-            <a:endParaRPr b="0" lang="cs-CZ" sz="3200" spc="-1" strike="noStrike">
+          <a:lstStyle/>
+          <a:p>
+            <a:endParaRPr lang="cs-CZ" sz="3200" b="0" strike="noStrike" spc="-1">
               <a:latin typeface="Arial"/>
             </a:endParaRPr>
           </a:p>
@@ -1827,11 +2018,12 @@
           </a:prstGeom>
         </p:spPr>
         <p:txBody>
-          <a:bodyPr lIns="0" rIns="0" tIns="0" bIns="0">
+          <a:bodyPr lIns="0" tIns="0" rIns="0" bIns="0">
             <a:normAutofit/>
           </a:bodyPr>
-          <a:p>
-            <a:endParaRPr b="0" lang="cs-CZ" sz="3200" spc="-1" strike="noStrike">
+          <a:lstStyle/>
+          <a:p>
+            <a:endParaRPr lang="cs-CZ" sz="3200" b="0" strike="noStrike" spc="-1">
               <a:latin typeface="Arial"/>
             </a:endParaRPr>
           </a:p>
@@ -1857,11 +2049,12 @@
           </a:prstGeom>
         </p:spPr>
         <p:txBody>
-          <a:bodyPr lIns="0" rIns="0" tIns="0" bIns="0">
+          <a:bodyPr lIns="0" tIns="0" rIns="0" bIns="0">
             <a:normAutofit/>
           </a:bodyPr>
-          <a:p>
-            <a:endParaRPr b="0" lang="cs-CZ" sz="3200" spc="-1" strike="noStrike">
+          <a:lstStyle/>
+          <a:p>
+            <a:endParaRPr lang="cs-CZ" sz="3200" b="0" strike="noStrike" spc="-1">
               <a:latin typeface="Arial"/>
             </a:endParaRPr>
           </a:p>
@@ -1887,11 +2080,12 @@
           </a:prstGeom>
         </p:spPr>
         <p:txBody>
-          <a:bodyPr lIns="0" rIns="0" tIns="0" bIns="0">
+          <a:bodyPr lIns="0" tIns="0" rIns="0" bIns="0">
             <a:normAutofit/>
           </a:bodyPr>
-          <a:p>
-            <a:endParaRPr b="0" lang="cs-CZ" sz="3200" spc="-1" strike="noStrike">
+          <a:lstStyle/>
+          <a:p>
+            <a:endParaRPr lang="cs-CZ" sz="3200" b="0" strike="noStrike" spc="-1">
               <a:latin typeface="Arial"/>
             </a:endParaRPr>
           </a:p>
@@ -1917,11 +2111,12 @@
           </a:prstGeom>
         </p:spPr>
         <p:txBody>
-          <a:bodyPr lIns="0" rIns="0" tIns="0" bIns="0">
+          <a:bodyPr lIns="0" tIns="0" rIns="0" bIns="0">
             <a:normAutofit/>
           </a:bodyPr>
-          <a:p>
-            <a:endParaRPr b="0" lang="cs-CZ" sz="3200" spc="-1" strike="noStrike">
+          <a:lstStyle/>
+          <a:p>
+            <a:endParaRPr lang="cs-CZ" sz="3200" b="0" strike="noStrike" spc="-1">
               <a:latin typeface="Arial"/>
             </a:endParaRPr>
           </a:p>
@@ -1947,11 +2142,12 @@
           </a:prstGeom>
         </p:spPr>
         <p:txBody>
-          <a:bodyPr lIns="0" rIns="0" tIns="0" bIns="0">
+          <a:bodyPr lIns="0" tIns="0" rIns="0" bIns="0">
             <a:normAutofit/>
           </a:bodyPr>
-          <a:p>
-            <a:endParaRPr b="0" lang="cs-CZ" sz="3200" spc="-1" strike="noStrike">
+          <a:lstStyle/>
+          <a:p>
+            <a:endParaRPr lang="cs-CZ" sz="3200" b="0" strike="noStrike" spc="-1">
               <a:latin typeface="Arial"/>
             </a:endParaRPr>
           </a:p>
@@ -1959,11 +2155,14 @@
       </p:sp>
     </p:spTree>
   </p:cSld>
+  <p:clrMapOvr>
+    <a:masterClrMapping/>
+  </p:clrMapOvr>
 </p:sldLayout>
 </file>
 
 <file path=ppt/slideLayouts/slideLayout3.xml><?xml version="1.0" encoding="utf-8"?>
-<p:sldLayout xmlns:a="http://schemas.openxmlformats.org/drawingml/2006/main" xmlns:p="http://schemas.openxmlformats.org/presentationml/2006/main" xmlns:r="http://schemas.openxmlformats.org/officeDocument/2006/relationships" xmlns:p14="http://schemas.microsoft.com/office/powerpoint/2010/main" xmlns:p15="http://schemas.microsoft.com/office/powerpoint/2012/main" xmlns:mc="http://schemas.openxmlformats.org/markup-compatibility/2006" type="obj" preserve="1">
+<p:sldLayout xmlns:a="http://schemas.openxmlformats.org/drawingml/2006/main" xmlns:r="http://schemas.openxmlformats.org/officeDocument/2006/relationships" xmlns:p="http://schemas.openxmlformats.org/presentationml/2006/main" type="obj" preserve="1">
   <p:cSld name="Title, Content">
     <p:spTree>
       <p:nvGrpSpPr>
@@ -1999,10 +2198,11 @@
           </a:prstGeom>
         </p:spPr>
         <p:txBody>
-          <a:bodyPr lIns="0" rIns="0" tIns="0" bIns="0" anchor="ctr"/>
+          <a:bodyPr lIns="0" tIns="0" rIns="0" bIns="0" anchor="ctr"/>
+          <a:lstStyle/>
           <a:p>
             <a:pPr algn="ctr"/>
-            <a:endParaRPr b="0" lang="cs-CZ" sz="4400" spc="-1" strike="noStrike">
+            <a:endParaRPr lang="cs-CZ" sz="4400" b="0" strike="noStrike" spc="-1">
               <a:latin typeface="Arial"/>
             </a:endParaRPr>
           </a:p>
@@ -2028,11 +2228,12 @@
           </a:prstGeom>
         </p:spPr>
         <p:txBody>
-          <a:bodyPr lIns="0" rIns="0" tIns="0" bIns="0">
+          <a:bodyPr lIns="0" tIns="0" rIns="0" bIns="0">
             <a:normAutofit/>
           </a:bodyPr>
-          <a:p>
-            <a:endParaRPr b="0" lang="cs-CZ" sz="3200" spc="-1" strike="noStrike">
+          <a:lstStyle/>
+          <a:p>
+            <a:endParaRPr lang="cs-CZ" sz="3200" b="0" strike="noStrike" spc="-1">
               <a:latin typeface="Arial"/>
             </a:endParaRPr>
           </a:p>
@@ -2040,11 +2241,14 @@
       </p:sp>
     </p:spTree>
   </p:cSld>
+  <p:clrMapOvr>
+    <a:masterClrMapping/>
+  </p:clrMapOvr>
 </p:sldLayout>
 </file>
 
 <file path=ppt/slideLayouts/slideLayout4.xml><?xml version="1.0" encoding="utf-8"?>
-<p:sldLayout xmlns:a="http://schemas.openxmlformats.org/drawingml/2006/main" xmlns:p="http://schemas.openxmlformats.org/presentationml/2006/main" xmlns:r="http://schemas.openxmlformats.org/officeDocument/2006/relationships" xmlns:p14="http://schemas.microsoft.com/office/powerpoint/2010/main" xmlns:p15="http://schemas.microsoft.com/office/powerpoint/2012/main" xmlns:mc="http://schemas.openxmlformats.org/markup-compatibility/2006" type="twoObj" preserve="1">
+<p:sldLayout xmlns:a="http://schemas.openxmlformats.org/drawingml/2006/main" xmlns:r="http://schemas.openxmlformats.org/officeDocument/2006/relationships" xmlns:p="http://schemas.openxmlformats.org/presentationml/2006/main" type="twoObj" preserve="1">
   <p:cSld name="Title, 2 Content">
     <p:spTree>
       <p:nvGrpSpPr>
@@ -2080,10 +2284,11 @@
           </a:prstGeom>
         </p:spPr>
         <p:txBody>
-          <a:bodyPr lIns="0" rIns="0" tIns="0" bIns="0" anchor="ctr"/>
+          <a:bodyPr lIns="0" tIns="0" rIns="0" bIns="0" anchor="ctr"/>
+          <a:lstStyle/>
           <a:p>
             <a:pPr algn="ctr"/>
-            <a:endParaRPr b="0" lang="cs-CZ" sz="4400" spc="-1" strike="noStrike">
+            <a:endParaRPr lang="cs-CZ" sz="4400" b="0" strike="noStrike" spc="-1">
               <a:latin typeface="Arial"/>
             </a:endParaRPr>
           </a:p>
@@ -2109,11 +2314,12 @@
           </a:prstGeom>
         </p:spPr>
         <p:txBody>
-          <a:bodyPr lIns="0" rIns="0" tIns="0" bIns="0">
+          <a:bodyPr lIns="0" tIns="0" rIns="0" bIns="0">
             <a:normAutofit/>
           </a:bodyPr>
-          <a:p>
-            <a:endParaRPr b="0" lang="cs-CZ" sz="3200" spc="-1" strike="noStrike">
+          <a:lstStyle/>
+          <a:p>
+            <a:endParaRPr lang="cs-CZ" sz="3200" b="0" strike="noStrike" spc="-1">
               <a:latin typeface="Arial"/>
             </a:endParaRPr>
           </a:p>
@@ -2139,11 +2345,12 @@
           </a:prstGeom>
         </p:spPr>
         <p:txBody>
-          <a:bodyPr lIns="0" rIns="0" tIns="0" bIns="0">
+          <a:bodyPr lIns="0" tIns="0" rIns="0" bIns="0">
             <a:normAutofit/>
           </a:bodyPr>
-          <a:p>
-            <a:endParaRPr b="0" lang="cs-CZ" sz="3200" spc="-1" strike="noStrike">
+          <a:lstStyle/>
+          <a:p>
+            <a:endParaRPr lang="cs-CZ" sz="3200" b="0" strike="noStrike" spc="-1">
               <a:latin typeface="Arial"/>
             </a:endParaRPr>
           </a:p>
@@ -2151,11 +2358,14 @@
       </p:sp>
     </p:spTree>
   </p:cSld>
+  <p:clrMapOvr>
+    <a:masterClrMapping/>
+  </p:clrMapOvr>
 </p:sldLayout>
 </file>
 
 <file path=ppt/slideLayouts/slideLayout5.xml><?xml version="1.0" encoding="utf-8"?>
-<p:sldLayout xmlns:a="http://schemas.openxmlformats.org/drawingml/2006/main" xmlns:p="http://schemas.openxmlformats.org/presentationml/2006/main" xmlns:r="http://schemas.openxmlformats.org/officeDocument/2006/relationships" xmlns:p14="http://schemas.microsoft.com/office/powerpoint/2010/main" xmlns:p15="http://schemas.microsoft.com/office/powerpoint/2012/main" xmlns:mc="http://schemas.openxmlformats.org/markup-compatibility/2006" type="titleOnly" preserve="1">
+<p:sldLayout xmlns:a="http://schemas.openxmlformats.org/drawingml/2006/main" xmlns:r="http://schemas.openxmlformats.org/officeDocument/2006/relationships" xmlns:p="http://schemas.openxmlformats.org/presentationml/2006/main" type="titleOnly" preserve="1">
   <p:cSld name="Title Only">
     <p:spTree>
       <p:nvGrpSpPr>
@@ -2191,10 +2401,11 @@
           </a:prstGeom>
         </p:spPr>
         <p:txBody>
-          <a:bodyPr lIns="0" rIns="0" tIns="0" bIns="0" anchor="ctr"/>
+          <a:bodyPr lIns="0" tIns="0" rIns="0" bIns="0" anchor="ctr"/>
+          <a:lstStyle/>
           <a:p>
             <a:pPr algn="ctr"/>
-            <a:endParaRPr b="0" lang="cs-CZ" sz="4400" spc="-1" strike="noStrike">
+            <a:endParaRPr lang="cs-CZ" sz="4400" b="0" strike="noStrike" spc="-1">
               <a:latin typeface="Arial"/>
             </a:endParaRPr>
           </a:p>
@@ -2202,11 +2413,14 @@
       </p:sp>
     </p:spTree>
   </p:cSld>
+  <p:clrMapOvr>
+    <a:masterClrMapping/>
+  </p:clrMapOvr>
 </p:sldLayout>
 </file>
 
 <file path=ppt/slideLayouts/slideLayout6.xml><?xml version="1.0" encoding="utf-8"?>
-<p:sldLayout xmlns:a="http://schemas.openxmlformats.org/drawingml/2006/main" xmlns:p="http://schemas.openxmlformats.org/presentationml/2006/main" xmlns:r="http://schemas.openxmlformats.org/officeDocument/2006/relationships" xmlns:p14="http://schemas.microsoft.com/office/powerpoint/2010/main" xmlns:p15="http://schemas.microsoft.com/office/powerpoint/2012/main" xmlns:mc="http://schemas.openxmlformats.org/markup-compatibility/2006" type="objOnly" preserve="1">
+<p:sldLayout xmlns:a="http://schemas.openxmlformats.org/drawingml/2006/main" xmlns:r="http://schemas.openxmlformats.org/officeDocument/2006/relationships" xmlns:p="http://schemas.openxmlformats.org/presentationml/2006/main" type="objOnly" preserve="1">
   <p:cSld name="Centered Text">
     <p:spTree>
       <p:nvGrpSpPr>
@@ -2242,10 +2456,11 @@
           </a:prstGeom>
         </p:spPr>
         <p:txBody>
-          <a:bodyPr lIns="0" rIns="0" tIns="0" bIns="0" anchor="ctr"/>
+          <a:bodyPr lIns="0" tIns="0" rIns="0" bIns="0" anchor="ctr"/>
+          <a:lstStyle/>
           <a:p>
             <a:pPr algn="ctr"/>
-            <a:endParaRPr b="0" lang="cs-CZ" sz="3200" spc="-1" strike="noStrike">
+            <a:endParaRPr lang="cs-CZ" sz="3200" b="0" strike="noStrike" spc="-1">
               <a:latin typeface="Arial"/>
             </a:endParaRPr>
           </a:p>
@@ -2253,11 +2468,14 @@
       </p:sp>
     </p:spTree>
   </p:cSld>
+  <p:clrMapOvr>
+    <a:masterClrMapping/>
+  </p:clrMapOvr>
 </p:sldLayout>
 </file>
 
 <file path=ppt/slideLayouts/slideLayout7.xml><?xml version="1.0" encoding="utf-8"?>
-<p:sldLayout xmlns:a="http://schemas.openxmlformats.org/drawingml/2006/main" xmlns:p="http://schemas.openxmlformats.org/presentationml/2006/main" xmlns:r="http://schemas.openxmlformats.org/officeDocument/2006/relationships" xmlns:p14="http://schemas.microsoft.com/office/powerpoint/2010/main" xmlns:p15="http://schemas.microsoft.com/office/powerpoint/2012/main" xmlns:mc="http://schemas.openxmlformats.org/markup-compatibility/2006" type="twoObjAndObj" preserve="1">
+<p:sldLayout xmlns:a="http://schemas.openxmlformats.org/drawingml/2006/main" xmlns:r="http://schemas.openxmlformats.org/officeDocument/2006/relationships" xmlns:p="http://schemas.openxmlformats.org/presentationml/2006/main" type="twoObjAndObj" preserve="1">
   <p:cSld name="Title, 2 Content and Content">
     <p:spTree>
       <p:nvGrpSpPr>
@@ -2293,10 +2511,11 @@
           </a:prstGeom>
         </p:spPr>
         <p:txBody>
-          <a:bodyPr lIns="0" rIns="0" tIns="0" bIns="0" anchor="ctr"/>
+          <a:bodyPr lIns="0" tIns="0" rIns="0" bIns="0" anchor="ctr"/>
+          <a:lstStyle/>
           <a:p>
             <a:pPr algn="ctr"/>
-            <a:endParaRPr b="0" lang="cs-CZ" sz="4400" spc="-1" strike="noStrike">
+            <a:endParaRPr lang="cs-CZ" sz="4400" b="0" strike="noStrike" spc="-1">
               <a:latin typeface="Arial"/>
             </a:endParaRPr>
           </a:p>
@@ -2322,11 +2541,12 @@
           </a:prstGeom>
         </p:spPr>
         <p:txBody>
-          <a:bodyPr lIns="0" rIns="0" tIns="0" bIns="0">
+          <a:bodyPr lIns="0" tIns="0" rIns="0" bIns="0">
             <a:normAutofit/>
           </a:bodyPr>
-          <a:p>
-            <a:endParaRPr b="0" lang="cs-CZ" sz="3200" spc="-1" strike="noStrike">
+          <a:lstStyle/>
+          <a:p>
+            <a:endParaRPr lang="cs-CZ" sz="3200" b="0" strike="noStrike" spc="-1">
               <a:latin typeface="Arial"/>
             </a:endParaRPr>
           </a:p>
@@ -2352,11 +2572,12 @@
           </a:prstGeom>
         </p:spPr>
         <p:txBody>
-          <a:bodyPr lIns="0" rIns="0" tIns="0" bIns="0">
+          <a:bodyPr lIns="0" tIns="0" rIns="0" bIns="0">
             <a:normAutofit/>
           </a:bodyPr>
-          <a:p>
-            <a:endParaRPr b="0" lang="cs-CZ" sz="3200" spc="-1" strike="noStrike">
+          <a:lstStyle/>
+          <a:p>
+            <a:endParaRPr lang="cs-CZ" sz="3200" b="0" strike="noStrike" spc="-1">
               <a:latin typeface="Arial"/>
             </a:endParaRPr>
           </a:p>
@@ -2382,11 +2603,12 @@
           </a:prstGeom>
         </p:spPr>
         <p:txBody>
-          <a:bodyPr lIns="0" rIns="0" tIns="0" bIns="0">
+          <a:bodyPr lIns="0" tIns="0" rIns="0" bIns="0">
             <a:normAutofit/>
           </a:bodyPr>
-          <a:p>
-            <a:endParaRPr b="0" lang="cs-CZ" sz="3200" spc="-1" strike="noStrike">
+          <a:lstStyle/>
+          <a:p>
+            <a:endParaRPr lang="cs-CZ" sz="3200" b="0" strike="noStrike" spc="-1">
               <a:latin typeface="Arial"/>
             </a:endParaRPr>
           </a:p>
@@ -2394,11 +2616,14 @@
       </p:sp>
     </p:spTree>
   </p:cSld>
+  <p:clrMapOvr>
+    <a:masterClrMapping/>
+  </p:clrMapOvr>
 </p:sldLayout>
 </file>
 
 <file path=ppt/slideLayouts/slideLayout8.xml><?xml version="1.0" encoding="utf-8"?>
-<p:sldLayout xmlns:a="http://schemas.openxmlformats.org/drawingml/2006/main" xmlns:p="http://schemas.openxmlformats.org/presentationml/2006/main" xmlns:r="http://schemas.openxmlformats.org/officeDocument/2006/relationships" xmlns:p14="http://schemas.microsoft.com/office/powerpoint/2010/main" xmlns:p15="http://schemas.microsoft.com/office/powerpoint/2012/main" xmlns:mc="http://schemas.openxmlformats.org/markup-compatibility/2006" type="objAndTwoObj" preserve="1">
+<p:sldLayout xmlns:a="http://schemas.openxmlformats.org/drawingml/2006/main" xmlns:r="http://schemas.openxmlformats.org/officeDocument/2006/relationships" xmlns:p="http://schemas.openxmlformats.org/presentationml/2006/main" type="objAndTwoObj" preserve="1">
   <p:cSld name="Title Content and 2 Content">
     <p:spTree>
       <p:nvGrpSpPr>
@@ -2434,10 +2659,11 @@
           </a:prstGeom>
         </p:spPr>
         <p:txBody>
-          <a:bodyPr lIns="0" rIns="0" tIns="0" bIns="0" anchor="ctr"/>
+          <a:bodyPr lIns="0" tIns="0" rIns="0" bIns="0" anchor="ctr"/>
+          <a:lstStyle/>
           <a:p>
             <a:pPr algn="ctr"/>
-            <a:endParaRPr b="0" lang="cs-CZ" sz="4400" spc="-1" strike="noStrike">
+            <a:endParaRPr lang="cs-CZ" sz="4400" b="0" strike="noStrike" spc="-1">
               <a:latin typeface="Arial"/>
             </a:endParaRPr>
           </a:p>
@@ -2463,11 +2689,12 @@
           </a:prstGeom>
         </p:spPr>
         <p:txBody>
-          <a:bodyPr lIns="0" rIns="0" tIns="0" bIns="0">
+          <a:bodyPr lIns="0" tIns="0" rIns="0" bIns="0">
             <a:normAutofit/>
           </a:bodyPr>
-          <a:p>
-            <a:endParaRPr b="0" lang="cs-CZ" sz="3200" spc="-1" strike="noStrike">
+          <a:lstStyle/>
+          <a:p>
+            <a:endParaRPr lang="cs-CZ" sz="3200" b="0" strike="noStrike" spc="-1">
               <a:latin typeface="Arial"/>
             </a:endParaRPr>
           </a:p>
@@ -2493,11 +2720,12 @@
           </a:prstGeom>
         </p:spPr>
         <p:txBody>
-          <a:bodyPr lIns="0" rIns="0" tIns="0" bIns="0">
+          <a:bodyPr lIns="0" tIns="0" rIns="0" bIns="0">
             <a:normAutofit/>
           </a:bodyPr>
-          <a:p>
-            <a:endParaRPr b="0" lang="cs-CZ" sz="3200" spc="-1" strike="noStrike">
+          <a:lstStyle/>
+          <a:p>
+            <a:endParaRPr lang="cs-CZ" sz="3200" b="0" strike="noStrike" spc="-1">
               <a:latin typeface="Arial"/>
             </a:endParaRPr>
           </a:p>
@@ -2523,11 +2751,12 @@
           </a:prstGeom>
         </p:spPr>
         <p:txBody>
-          <a:bodyPr lIns="0" rIns="0" tIns="0" bIns="0">
+          <a:bodyPr lIns="0" tIns="0" rIns="0" bIns="0">
             <a:normAutofit/>
           </a:bodyPr>
-          <a:p>
-            <a:endParaRPr b="0" lang="cs-CZ" sz="3200" spc="-1" strike="noStrike">
+          <a:lstStyle/>
+          <a:p>
+            <a:endParaRPr lang="cs-CZ" sz="3200" b="0" strike="noStrike" spc="-1">
               <a:latin typeface="Arial"/>
             </a:endParaRPr>
           </a:p>
@@ -2535,11 +2764,14 @@
       </p:sp>
     </p:spTree>
   </p:cSld>
+  <p:clrMapOvr>
+    <a:masterClrMapping/>
+  </p:clrMapOvr>
 </p:sldLayout>
 </file>
 
 <file path=ppt/slideLayouts/slideLayout9.xml><?xml version="1.0" encoding="utf-8"?>
-<p:sldLayout xmlns:a="http://schemas.openxmlformats.org/drawingml/2006/main" xmlns:p="http://schemas.openxmlformats.org/presentationml/2006/main" xmlns:r="http://schemas.openxmlformats.org/officeDocument/2006/relationships" xmlns:p14="http://schemas.microsoft.com/office/powerpoint/2010/main" xmlns:p15="http://schemas.microsoft.com/office/powerpoint/2012/main" xmlns:mc="http://schemas.openxmlformats.org/markup-compatibility/2006" type="twoObjOverTx" preserve="1">
+<p:sldLayout xmlns:a="http://schemas.openxmlformats.org/drawingml/2006/main" xmlns:r="http://schemas.openxmlformats.org/officeDocument/2006/relationships" xmlns:p="http://schemas.openxmlformats.org/presentationml/2006/main" type="twoObjOverTx" preserve="1">
   <p:cSld name="Title, 2 Content over Content">
     <p:spTree>
       <p:nvGrpSpPr>
@@ -2575,10 +2807,11 @@
           </a:prstGeom>
         </p:spPr>
         <p:txBody>
-          <a:bodyPr lIns="0" rIns="0" tIns="0" bIns="0" anchor="ctr"/>
+          <a:bodyPr lIns="0" tIns="0" rIns="0" bIns="0" anchor="ctr"/>
+          <a:lstStyle/>
           <a:p>
             <a:pPr algn="ctr"/>
-            <a:endParaRPr b="0" lang="cs-CZ" sz="4400" spc="-1" strike="noStrike">
+            <a:endParaRPr lang="cs-CZ" sz="4400" b="0" strike="noStrike" spc="-1">
               <a:latin typeface="Arial"/>
             </a:endParaRPr>
           </a:p>
@@ -2604,11 +2837,12 @@
           </a:prstGeom>
         </p:spPr>
         <p:txBody>
-          <a:bodyPr lIns="0" rIns="0" tIns="0" bIns="0">
+          <a:bodyPr lIns="0" tIns="0" rIns="0" bIns="0">
             <a:normAutofit/>
           </a:bodyPr>
-          <a:p>
-            <a:endParaRPr b="0" lang="cs-CZ" sz="3200" spc="-1" strike="noStrike">
+          <a:lstStyle/>
+          <a:p>
+            <a:endParaRPr lang="cs-CZ" sz="3200" b="0" strike="noStrike" spc="-1">
               <a:latin typeface="Arial"/>
             </a:endParaRPr>
           </a:p>
@@ -2634,11 +2868,12 @@
           </a:prstGeom>
         </p:spPr>
         <p:txBody>
-          <a:bodyPr lIns="0" rIns="0" tIns="0" bIns="0">
+          <a:bodyPr lIns="0" tIns="0" rIns="0" bIns="0">
             <a:normAutofit/>
           </a:bodyPr>
-          <a:p>
-            <a:endParaRPr b="0" lang="cs-CZ" sz="3200" spc="-1" strike="noStrike">
+          <a:lstStyle/>
+          <a:p>
+            <a:endParaRPr lang="cs-CZ" sz="3200" b="0" strike="noStrike" spc="-1">
               <a:latin typeface="Arial"/>
             </a:endParaRPr>
           </a:p>
@@ -2664,11 +2899,12 @@
           </a:prstGeom>
         </p:spPr>
         <p:txBody>
-          <a:bodyPr lIns="0" rIns="0" tIns="0" bIns="0">
+          <a:bodyPr lIns="0" tIns="0" rIns="0" bIns="0">
             <a:normAutofit/>
           </a:bodyPr>
-          <a:p>
-            <a:endParaRPr b="0" lang="cs-CZ" sz="3200" spc="-1" strike="noStrike">
+          <a:lstStyle/>
+          <a:p>
+            <a:endParaRPr lang="cs-CZ" sz="3200" b="0" strike="noStrike" spc="-1">
               <a:latin typeface="Arial"/>
             </a:endParaRPr>
           </a:p>
@@ -2676,20 +2912,24 @@
       </p:sp>
     </p:spTree>
   </p:cSld>
+  <p:clrMapOvr>
+    <a:masterClrMapping/>
+  </p:clrMapOvr>
 </p:sldLayout>
 </file>
 
 <file path=ppt/slideMasters/slideMaster1.xml><?xml version="1.0" encoding="utf-8"?>
-<p:sldMaster xmlns:a="http://schemas.openxmlformats.org/drawingml/2006/main" xmlns:p="http://schemas.openxmlformats.org/presentationml/2006/main" xmlns:r="http://schemas.openxmlformats.org/officeDocument/2006/relationships" xmlns:p14="http://schemas.microsoft.com/office/powerpoint/2010/main" xmlns:p15="http://schemas.microsoft.com/office/powerpoint/2012/main" xmlns:mc="http://schemas.openxmlformats.org/markup-compatibility/2006">
+<p:sldMaster xmlns:a="http://schemas.openxmlformats.org/drawingml/2006/main" xmlns:r="http://schemas.openxmlformats.org/officeDocument/2006/relationships" xmlns:p="http://schemas.openxmlformats.org/presentationml/2006/main">
   <p:cSld>
     <p:bg>
       <p:bgPr>
         <a:blipFill rotWithShape="0">
-          <a:blip r:embed="rId2"/>
+          <a:blip r:embed="rId14"/>
           <a:stretch>
             <a:fillRect/>
           </a:stretch>
         </a:blipFill>
+        <a:effectLst/>
       </p:bgPr>
     </p:bg>
     <p:spTree>
@@ -2708,7 +2948,7 @@
       </p:grpSpPr>
       <p:sp>
         <p:nvSpPr>
-          <p:cNvPr id="0" name="PlaceHolder 1"/>
+          <p:cNvPr id="2" name="PlaceHolder 1"/>
           <p:cNvSpPr>
             <a:spLocks noGrp="1"/>
           </p:cNvSpPr>
@@ -2726,23 +2966,21 @@
           </a:prstGeom>
         </p:spPr>
         <p:txBody>
-          <a:bodyPr lIns="0" rIns="0" tIns="0" bIns="0" anchor="ctr"/>
-          <a:p>
-            <a:r>
-              <a:rPr b="0" lang="cs-CZ" sz="1800" spc="-1" strike="noStrike">
+          <a:bodyPr lIns="0" tIns="0" rIns="0" bIns="0" anchor="ctr"/>
+          <a:lstStyle/>
+          <a:p>
+            <a:r>
+              <a:rPr lang="cs-CZ" sz="1800" b="0" strike="noStrike" spc="-1">
                 <a:latin typeface="Arial"/>
               </a:rPr>
               <a:t>Klikněte pro úpravu formátu textu nadpisu</a:t>
             </a:r>
-            <a:endParaRPr b="0" lang="cs-CZ" sz="1800" spc="-1" strike="noStrike">
-              <a:latin typeface="Arial"/>
-            </a:endParaRPr>
-          </a:p>
-        </p:txBody>
-      </p:sp>
-      <p:sp>
-        <p:nvSpPr>
-          <p:cNvPr id="1" name="PlaceHolder 2"/>
+          </a:p>
+        </p:txBody>
+      </p:sp>
+      <p:sp>
+        <p:nvSpPr>
+          <p:cNvPr id="3" name="PlaceHolder 2"/>
           <p:cNvSpPr>
             <a:spLocks noGrp="1"/>
           </p:cNvSpPr>
@@ -2760,9 +2998,10 @@
           </a:prstGeom>
         </p:spPr>
         <p:txBody>
-          <a:bodyPr lIns="0" rIns="0" tIns="0" bIns="0">
+          <a:bodyPr lIns="0" tIns="0" rIns="0" bIns="0">
             <a:normAutofit/>
           </a:bodyPr>
+          <a:lstStyle/>
           <a:p>
             <a:pPr marL="432000" indent="-324000">
               <a:spcBef>
@@ -2776,17 +3015,14 @@
               <a:buChar char=""/>
             </a:pPr>
             <a:r>
-              <a:rPr b="0" lang="cs-CZ" sz="3200" spc="-1" strike="noStrike">
+              <a:rPr lang="cs-CZ" sz="3200" b="0" strike="noStrike" spc="-1">
                 <a:latin typeface="Arial"/>
               </a:rPr>
               <a:t>Klikněte pro úpravu formátu textu osnovy</a:t>
             </a:r>
-            <a:endParaRPr b="0" lang="cs-CZ" sz="3200" spc="-1" strike="noStrike">
-              <a:latin typeface="Arial"/>
-            </a:endParaRPr>
-          </a:p>
-          <a:p>
-            <a:pPr lvl="1" marL="864000" indent="-324000">
+          </a:p>
+          <a:p>
+            <a:pPr marL="864000" lvl="1" indent="-324000">
               <a:spcBef>
                 <a:spcPts val="1134"/>
               </a:spcBef>
@@ -2798,17 +3034,14 @@
               <a:buChar char=""/>
             </a:pPr>
             <a:r>
-              <a:rPr b="0" lang="cs-CZ" sz="2800" spc="-1" strike="noStrike">
+              <a:rPr lang="cs-CZ" sz="2800" b="0" strike="noStrike" spc="-1">
                 <a:latin typeface="Arial"/>
               </a:rPr>
               <a:t>Druhá úroveň</a:t>
             </a:r>
-            <a:endParaRPr b="0" lang="cs-CZ" sz="2800" spc="-1" strike="noStrike">
-              <a:latin typeface="Arial"/>
-            </a:endParaRPr>
-          </a:p>
-          <a:p>
-            <a:pPr lvl="2" marL="1296000" indent="-288000">
+          </a:p>
+          <a:p>
+            <a:pPr marL="1296000" lvl="2" indent="-288000">
               <a:spcBef>
                 <a:spcPts val="850"/>
               </a:spcBef>
@@ -2820,17 +3053,14 @@
               <a:buChar char=""/>
             </a:pPr>
             <a:r>
-              <a:rPr b="0" lang="cs-CZ" sz="2400" spc="-1" strike="noStrike">
+              <a:rPr lang="cs-CZ" sz="2400" b="0" strike="noStrike" spc="-1">
                 <a:latin typeface="Arial"/>
               </a:rPr>
               <a:t>Třetí úroveň</a:t>
             </a:r>
-            <a:endParaRPr b="0" lang="cs-CZ" sz="2400" spc="-1" strike="noStrike">
-              <a:latin typeface="Arial"/>
-            </a:endParaRPr>
-          </a:p>
-          <a:p>
-            <a:pPr lvl="3" marL="1728000" indent="-216000">
+          </a:p>
+          <a:p>
+            <a:pPr marL="1728000" lvl="3" indent="-216000">
               <a:spcBef>
                 <a:spcPts val="567"/>
               </a:spcBef>
@@ -2842,17 +3072,14 @@
               <a:buChar char=""/>
             </a:pPr>
             <a:r>
-              <a:rPr b="0" lang="cs-CZ" sz="2000" spc="-1" strike="noStrike">
+              <a:rPr lang="cs-CZ" sz="2000" b="0" strike="noStrike" spc="-1">
                 <a:latin typeface="Arial"/>
               </a:rPr>
               <a:t>Čtvrtá úroveň osnovy</a:t>
             </a:r>
-            <a:endParaRPr b="0" lang="cs-CZ" sz="2000" spc="-1" strike="noStrike">
-              <a:latin typeface="Arial"/>
-            </a:endParaRPr>
-          </a:p>
-          <a:p>
-            <a:pPr lvl="4" marL="2160000" indent="-216000">
+          </a:p>
+          <a:p>
+            <a:pPr marL="2160000" lvl="4" indent="-216000">
               <a:spcBef>
                 <a:spcPts val="283"/>
               </a:spcBef>
@@ -2864,17 +3091,14 @@
               <a:buChar char=""/>
             </a:pPr>
             <a:r>
-              <a:rPr b="0" lang="cs-CZ" sz="2000" spc="-1" strike="noStrike">
+              <a:rPr lang="cs-CZ" sz="2000" b="0" strike="noStrike" spc="-1">
                 <a:latin typeface="Arial"/>
               </a:rPr>
               <a:t>Pátá úroveň osnovy</a:t>
             </a:r>
-            <a:endParaRPr b="0" lang="cs-CZ" sz="2000" spc="-1" strike="noStrike">
-              <a:latin typeface="Arial"/>
-            </a:endParaRPr>
-          </a:p>
-          <a:p>
-            <a:pPr lvl="5" marL="2592000" indent="-216000">
+          </a:p>
+          <a:p>
+            <a:pPr marL="2592000" lvl="5" indent="-216000">
               <a:spcBef>
                 <a:spcPts val="283"/>
               </a:spcBef>
@@ -2886,17 +3110,14 @@
               <a:buChar char=""/>
             </a:pPr>
             <a:r>
-              <a:rPr b="0" lang="cs-CZ" sz="2000" spc="-1" strike="noStrike">
+              <a:rPr lang="cs-CZ" sz="2000" b="0" strike="noStrike" spc="-1">
                 <a:latin typeface="Arial"/>
               </a:rPr>
               <a:t>Šestá úroveň</a:t>
             </a:r>
-            <a:endParaRPr b="0" lang="cs-CZ" sz="2000" spc="-1" strike="noStrike">
-              <a:latin typeface="Arial"/>
-            </a:endParaRPr>
-          </a:p>
-          <a:p>
-            <a:pPr lvl="6" marL="3024000" indent="-216000">
+          </a:p>
+          <a:p>
+            <a:pPr marL="3024000" lvl="6" indent="-216000">
               <a:spcBef>
                 <a:spcPts val="283"/>
               </a:spcBef>
@@ -2908,48 +3129,326 @@
               <a:buChar char=""/>
             </a:pPr>
             <a:r>
-              <a:rPr b="0" lang="cs-CZ" sz="2000" spc="-1" strike="noStrike">
+              <a:rPr lang="cs-CZ" sz="2000" b="0" strike="noStrike" spc="-1">
                 <a:latin typeface="Arial"/>
               </a:rPr>
               <a:t>Sedmá úroveň</a:t>
             </a:r>
-            <a:endParaRPr b="0" lang="cs-CZ" sz="2000" spc="-1" strike="noStrike">
-              <a:latin typeface="Arial"/>
-            </a:endParaRPr>
           </a:p>
         </p:txBody>
       </p:sp>
     </p:spTree>
   </p:cSld>
-  <p:clrMap bg1="lt1" bg2="lt2" tx1="dk1" tx2="dk2" accent1="accent1" accent2="accent2" accent3="accent3" accent4="accent4" accent5="accent5" accent6="accent6" hlink="hlink" folHlink="folHlink"/>
+  <p:clrMap bg1="lt1" tx1="dk1" bg2="lt2" tx2="dk2" accent1="accent1" accent2="accent2" accent3="accent3" accent4="accent4" accent5="accent5" accent6="accent6" hlink="hlink" folHlink="folHlink"/>
   <p:sldLayoutIdLst>
-    <p:sldLayoutId id="2147483649" r:id="rId3"/>
-    <p:sldLayoutId id="2147483650" r:id="rId4"/>
-    <p:sldLayoutId id="2147483651" r:id="rId5"/>
-    <p:sldLayoutId id="2147483652" r:id="rId6"/>
-    <p:sldLayoutId id="2147483653" r:id="rId7"/>
-    <p:sldLayoutId id="2147483654" r:id="rId8"/>
-    <p:sldLayoutId id="2147483655" r:id="rId9"/>
-    <p:sldLayoutId id="2147483656" r:id="rId10"/>
-    <p:sldLayoutId id="2147483657" r:id="rId11"/>
-    <p:sldLayoutId id="2147483658" r:id="rId12"/>
-    <p:sldLayoutId id="2147483659" r:id="rId13"/>
-    <p:sldLayoutId id="2147483660" r:id="rId14"/>
+    <p:sldLayoutId id="2147483649" r:id="rId1"/>
+    <p:sldLayoutId id="2147483650" r:id="rId2"/>
+    <p:sldLayoutId id="2147483651" r:id="rId3"/>
+    <p:sldLayoutId id="2147483652" r:id="rId4"/>
+    <p:sldLayoutId id="2147483653" r:id="rId5"/>
+    <p:sldLayoutId id="2147483654" r:id="rId6"/>
+    <p:sldLayoutId id="2147483655" r:id="rId7"/>
+    <p:sldLayoutId id="2147483656" r:id="rId8"/>
+    <p:sldLayoutId id="2147483657" r:id="rId9"/>
+    <p:sldLayoutId id="2147483658" r:id="rId10"/>
+    <p:sldLayoutId id="2147483659" r:id="rId11"/>
+    <p:sldLayoutId id="2147483660" r:id="rId12"/>
   </p:sldLayoutIdLst>
+  <p:txStyles>
+    <p:titleStyle>
+      <a:lvl1pPr algn="l" defTabSz="914400" rtl="0" eaLnBrk="1" latinLnBrk="0" hangingPunct="1">
+        <a:lnSpc>
+          <a:spcPct val="90000"/>
+        </a:lnSpc>
+        <a:spcBef>
+          <a:spcPct val="0"/>
+        </a:spcBef>
+        <a:buNone/>
+        <a:defRPr sz="4400" kern="1200">
+          <a:solidFill>
+            <a:schemeClr val="tx1"/>
+          </a:solidFill>
+          <a:latin typeface="+mj-lt"/>
+          <a:ea typeface="+mj-ea"/>
+          <a:cs typeface="+mj-cs"/>
+        </a:defRPr>
+      </a:lvl1pPr>
+    </p:titleStyle>
+    <p:bodyStyle>
+      <a:lvl1pPr marL="228600" indent="-228600" algn="l" defTabSz="914400" rtl="0" eaLnBrk="1" latinLnBrk="0" hangingPunct="1">
+        <a:lnSpc>
+          <a:spcPct val="90000"/>
+        </a:lnSpc>
+        <a:spcBef>
+          <a:spcPts val="1000"/>
+        </a:spcBef>
+        <a:buFont typeface="Arial" panose="020B0604020202020204" pitchFamily="34" charset="0"/>
+        <a:buChar char="•"/>
+        <a:defRPr sz="2800" kern="1200">
+          <a:solidFill>
+            <a:schemeClr val="tx1"/>
+          </a:solidFill>
+          <a:latin typeface="+mn-lt"/>
+          <a:ea typeface="+mn-ea"/>
+          <a:cs typeface="+mn-cs"/>
+        </a:defRPr>
+      </a:lvl1pPr>
+      <a:lvl2pPr marL="685800" indent="-228600" algn="l" defTabSz="914400" rtl="0" eaLnBrk="1" latinLnBrk="0" hangingPunct="1">
+        <a:lnSpc>
+          <a:spcPct val="90000"/>
+        </a:lnSpc>
+        <a:spcBef>
+          <a:spcPts val="500"/>
+        </a:spcBef>
+        <a:buFont typeface="Arial" panose="020B0604020202020204" pitchFamily="34" charset="0"/>
+        <a:buChar char="•"/>
+        <a:defRPr sz="2400" kern="1200">
+          <a:solidFill>
+            <a:schemeClr val="tx1"/>
+          </a:solidFill>
+          <a:latin typeface="+mn-lt"/>
+          <a:ea typeface="+mn-ea"/>
+          <a:cs typeface="+mn-cs"/>
+        </a:defRPr>
+      </a:lvl2pPr>
+      <a:lvl3pPr marL="1143000" indent="-228600" algn="l" defTabSz="914400" rtl="0" eaLnBrk="1" latinLnBrk="0" hangingPunct="1">
+        <a:lnSpc>
+          <a:spcPct val="90000"/>
+        </a:lnSpc>
+        <a:spcBef>
+          <a:spcPts val="500"/>
+        </a:spcBef>
+        <a:buFont typeface="Arial" panose="020B0604020202020204" pitchFamily="34" charset="0"/>
+        <a:buChar char="•"/>
+        <a:defRPr sz="2000" kern="1200">
+          <a:solidFill>
+            <a:schemeClr val="tx1"/>
+          </a:solidFill>
+          <a:latin typeface="+mn-lt"/>
+          <a:ea typeface="+mn-ea"/>
+          <a:cs typeface="+mn-cs"/>
+        </a:defRPr>
+      </a:lvl3pPr>
+      <a:lvl4pPr marL="1600200" indent="-228600" algn="l" defTabSz="914400" rtl="0" eaLnBrk="1" latinLnBrk="0" hangingPunct="1">
+        <a:lnSpc>
+          <a:spcPct val="90000"/>
+        </a:lnSpc>
+        <a:spcBef>
+          <a:spcPts val="500"/>
+        </a:spcBef>
+        <a:buFont typeface="Arial" panose="020B0604020202020204" pitchFamily="34" charset="0"/>
+        <a:buChar char="•"/>
+        <a:defRPr sz="1800" kern="1200">
+          <a:solidFill>
+            <a:schemeClr val="tx1"/>
+          </a:solidFill>
+          <a:latin typeface="+mn-lt"/>
+          <a:ea typeface="+mn-ea"/>
+          <a:cs typeface="+mn-cs"/>
+        </a:defRPr>
+      </a:lvl4pPr>
+      <a:lvl5pPr marL="2057400" indent="-228600" algn="l" defTabSz="914400" rtl="0" eaLnBrk="1" latinLnBrk="0" hangingPunct="1">
+        <a:lnSpc>
+          <a:spcPct val="90000"/>
+        </a:lnSpc>
+        <a:spcBef>
+          <a:spcPts val="500"/>
+        </a:spcBef>
+        <a:buFont typeface="Arial" panose="020B0604020202020204" pitchFamily="34" charset="0"/>
+        <a:buChar char="•"/>
+        <a:defRPr sz="1800" kern="1200">
+          <a:solidFill>
+            <a:schemeClr val="tx1"/>
+          </a:solidFill>
+          <a:latin typeface="+mn-lt"/>
+          <a:ea typeface="+mn-ea"/>
+          <a:cs typeface="+mn-cs"/>
+        </a:defRPr>
+      </a:lvl5pPr>
+      <a:lvl6pPr marL="2514600" indent="-228600" algn="l" defTabSz="914400" rtl="0" eaLnBrk="1" latinLnBrk="0" hangingPunct="1">
+        <a:lnSpc>
+          <a:spcPct val="90000"/>
+        </a:lnSpc>
+        <a:spcBef>
+          <a:spcPts val="500"/>
+        </a:spcBef>
+        <a:buFont typeface="Arial" panose="020B0604020202020204" pitchFamily="34" charset="0"/>
+        <a:buChar char="•"/>
+        <a:defRPr sz="1800" kern="1200">
+          <a:solidFill>
+            <a:schemeClr val="tx1"/>
+          </a:solidFill>
+          <a:latin typeface="+mn-lt"/>
+          <a:ea typeface="+mn-ea"/>
+          <a:cs typeface="+mn-cs"/>
+        </a:defRPr>
+      </a:lvl6pPr>
+      <a:lvl7pPr marL="2971800" indent="-228600" algn="l" defTabSz="914400" rtl="0" eaLnBrk="1" latinLnBrk="0" hangingPunct="1">
+        <a:lnSpc>
+          <a:spcPct val="90000"/>
+        </a:lnSpc>
+        <a:spcBef>
+          <a:spcPts val="500"/>
+        </a:spcBef>
+        <a:buFont typeface="Arial" panose="020B0604020202020204" pitchFamily="34" charset="0"/>
+        <a:buChar char="•"/>
+        <a:defRPr sz="1800" kern="1200">
+          <a:solidFill>
+            <a:schemeClr val="tx1"/>
+          </a:solidFill>
+          <a:latin typeface="+mn-lt"/>
+          <a:ea typeface="+mn-ea"/>
+          <a:cs typeface="+mn-cs"/>
+        </a:defRPr>
+      </a:lvl7pPr>
+      <a:lvl8pPr marL="3429000" indent="-228600" algn="l" defTabSz="914400" rtl="0" eaLnBrk="1" latinLnBrk="0" hangingPunct="1">
+        <a:lnSpc>
+          <a:spcPct val="90000"/>
+        </a:lnSpc>
+        <a:spcBef>
+          <a:spcPts val="500"/>
+        </a:spcBef>
+        <a:buFont typeface="Arial" panose="020B0604020202020204" pitchFamily="34" charset="0"/>
+        <a:buChar char="•"/>
+        <a:defRPr sz="1800" kern="1200">
+          <a:solidFill>
+            <a:schemeClr val="tx1"/>
+          </a:solidFill>
+          <a:latin typeface="+mn-lt"/>
+          <a:ea typeface="+mn-ea"/>
+          <a:cs typeface="+mn-cs"/>
+        </a:defRPr>
+      </a:lvl8pPr>
+      <a:lvl9pPr marL="3886200" indent="-228600" algn="l" defTabSz="914400" rtl="0" eaLnBrk="1" latinLnBrk="0" hangingPunct="1">
+        <a:lnSpc>
+          <a:spcPct val="90000"/>
+        </a:lnSpc>
+        <a:spcBef>
+          <a:spcPts val="500"/>
+        </a:spcBef>
+        <a:buFont typeface="Arial" panose="020B0604020202020204" pitchFamily="34" charset="0"/>
+        <a:buChar char="•"/>
+        <a:defRPr sz="1800" kern="1200">
+          <a:solidFill>
+            <a:schemeClr val="tx1"/>
+          </a:solidFill>
+          <a:latin typeface="+mn-lt"/>
+          <a:ea typeface="+mn-ea"/>
+          <a:cs typeface="+mn-cs"/>
+        </a:defRPr>
+      </a:lvl9pPr>
+    </p:bodyStyle>
+    <p:otherStyle>
+      <a:defPPr>
+        <a:defRPr lang="cs-CZ"/>
+      </a:defPPr>
+      <a:lvl1pPr marL="0" algn="l" defTabSz="914400" rtl="0" eaLnBrk="1" latinLnBrk="0" hangingPunct="1">
+        <a:defRPr sz="1800" kern="1200">
+          <a:solidFill>
+            <a:schemeClr val="tx1"/>
+          </a:solidFill>
+          <a:latin typeface="+mn-lt"/>
+          <a:ea typeface="+mn-ea"/>
+          <a:cs typeface="+mn-cs"/>
+        </a:defRPr>
+      </a:lvl1pPr>
+      <a:lvl2pPr marL="457200" algn="l" defTabSz="914400" rtl="0" eaLnBrk="1" latinLnBrk="0" hangingPunct="1">
+        <a:defRPr sz="1800" kern="1200">
+          <a:solidFill>
+            <a:schemeClr val="tx1"/>
+          </a:solidFill>
+          <a:latin typeface="+mn-lt"/>
+          <a:ea typeface="+mn-ea"/>
+          <a:cs typeface="+mn-cs"/>
+        </a:defRPr>
+      </a:lvl2pPr>
+      <a:lvl3pPr marL="914400" algn="l" defTabSz="914400" rtl="0" eaLnBrk="1" latinLnBrk="0" hangingPunct="1">
+        <a:defRPr sz="1800" kern="1200">
+          <a:solidFill>
+            <a:schemeClr val="tx1"/>
+          </a:solidFill>
+          <a:latin typeface="+mn-lt"/>
+          <a:ea typeface="+mn-ea"/>
+          <a:cs typeface="+mn-cs"/>
+        </a:defRPr>
+      </a:lvl3pPr>
+      <a:lvl4pPr marL="1371600" algn="l" defTabSz="914400" rtl="0" eaLnBrk="1" latinLnBrk="0" hangingPunct="1">
+        <a:defRPr sz="1800" kern="1200">
+          <a:solidFill>
+            <a:schemeClr val="tx1"/>
+          </a:solidFill>
+          <a:latin typeface="+mn-lt"/>
+          <a:ea typeface="+mn-ea"/>
+          <a:cs typeface="+mn-cs"/>
+        </a:defRPr>
+      </a:lvl4pPr>
+      <a:lvl5pPr marL="1828800" algn="l" defTabSz="914400" rtl="0" eaLnBrk="1" latinLnBrk="0" hangingPunct="1">
+        <a:defRPr sz="1800" kern="1200">
+          <a:solidFill>
+            <a:schemeClr val="tx1"/>
+          </a:solidFill>
+          <a:latin typeface="+mn-lt"/>
+          <a:ea typeface="+mn-ea"/>
+          <a:cs typeface="+mn-cs"/>
+        </a:defRPr>
+      </a:lvl5pPr>
+      <a:lvl6pPr marL="2286000" algn="l" defTabSz="914400" rtl="0" eaLnBrk="1" latinLnBrk="0" hangingPunct="1">
+        <a:defRPr sz="1800" kern="1200">
+          <a:solidFill>
+            <a:schemeClr val="tx1"/>
+          </a:solidFill>
+          <a:latin typeface="+mn-lt"/>
+          <a:ea typeface="+mn-ea"/>
+          <a:cs typeface="+mn-cs"/>
+        </a:defRPr>
+      </a:lvl6pPr>
+      <a:lvl7pPr marL="2743200" algn="l" defTabSz="914400" rtl="0" eaLnBrk="1" latinLnBrk="0" hangingPunct="1">
+        <a:defRPr sz="1800" kern="1200">
+          <a:solidFill>
+            <a:schemeClr val="tx1"/>
+          </a:solidFill>
+          <a:latin typeface="+mn-lt"/>
+          <a:ea typeface="+mn-ea"/>
+          <a:cs typeface="+mn-cs"/>
+        </a:defRPr>
+      </a:lvl7pPr>
+      <a:lvl8pPr marL="3200400" algn="l" defTabSz="914400" rtl="0" eaLnBrk="1" latinLnBrk="0" hangingPunct="1">
+        <a:defRPr sz="1800" kern="1200">
+          <a:solidFill>
+            <a:schemeClr val="tx1"/>
+          </a:solidFill>
+          <a:latin typeface="+mn-lt"/>
+          <a:ea typeface="+mn-ea"/>
+          <a:cs typeface="+mn-cs"/>
+        </a:defRPr>
+      </a:lvl8pPr>
+      <a:lvl9pPr marL="3657600" algn="l" defTabSz="914400" rtl="0" eaLnBrk="1" latinLnBrk="0" hangingPunct="1">
+        <a:defRPr sz="1800" kern="1200">
+          <a:solidFill>
+            <a:schemeClr val="tx1"/>
+          </a:solidFill>
+          <a:latin typeface="+mn-lt"/>
+          <a:ea typeface="+mn-ea"/>
+          <a:cs typeface="+mn-cs"/>
+        </a:defRPr>
+      </a:lvl9pPr>
+    </p:otherStyle>
+  </p:txStyles>
 </p:sldMaster>
 </file>
 
 <file path=ppt/slideMasters/slideMaster2.xml><?xml version="1.0" encoding="utf-8"?>
-<p:sldMaster xmlns:a="http://schemas.openxmlformats.org/drawingml/2006/main" xmlns:p="http://schemas.openxmlformats.org/presentationml/2006/main" xmlns:r="http://schemas.openxmlformats.org/officeDocument/2006/relationships" xmlns:p14="http://schemas.microsoft.com/office/powerpoint/2010/main" xmlns:p15="http://schemas.microsoft.com/office/powerpoint/2012/main" xmlns:mc="http://schemas.openxmlformats.org/markup-compatibility/2006">
+<p:sldMaster xmlns:a="http://schemas.openxmlformats.org/drawingml/2006/main" xmlns:r="http://schemas.openxmlformats.org/officeDocument/2006/relationships" xmlns:p="http://schemas.openxmlformats.org/presentationml/2006/main">
   <p:cSld>
     <p:bg>
       <p:bgPr>
         <a:blipFill rotWithShape="0">
-          <a:blip r:embed="rId2"/>
+          <a:blip r:embed="rId14"/>
           <a:stretch>
             <a:fillRect/>
           </a:stretch>
         </a:blipFill>
+        <a:effectLst/>
       </p:bgPr>
     </p:bg>
     <p:spTree>
@@ -2986,18 +3485,16 @@
           </a:prstGeom>
         </p:spPr>
         <p:txBody>
-          <a:bodyPr lIns="0" rIns="0" tIns="0" bIns="0" anchor="ctr"/>
+          <a:bodyPr lIns="0" tIns="0" rIns="0" bIns="0" anchor="ctr"/>
+          <a:lstStyle/>
           <a:p>
             <a:pPr algn="ctr"/>
             <a:r>
-              <a:rPr b="0" lang="cs-CZ" sz="4400" spc="-1" strike="noStrike">
+              <a:rPr lang="cs-CZ" sz="4400" b="0" strike="noStrike" spc="-1">
                 <a:latin typeface="Arial"/>
               </a:rPr>
               <a:t>Klikněte pro úpravu formátu textu nadpisu</a:t>
             </a:r>
-            <a:endParaRPr b="0" lang="cs-CZ" sz="4400" spc="-1" strike="noStrike">
-              <a:latin typeface="Arial"/>
-            </a:endParaRPr>
           </a:p>
         </p:txBody>
       </p:sp>
@@ -3021,9 +3518,10 @@
           </a:prstGeom>
         </p:spPr>
         <p:txBody>
-          <a:bodyPr lIns="0" rIns="0" tIns="0" bIns="0">
+          <a:bodyPr lIns="0" tIns="0" rIns="0" bIns="0">
             <a:normAutofit/>
           </a:bodyPr>
+          <a:lstStyle/>
           <a:p>
             <a:pPr marL="432000" indent="-324000">
               <a:spcBef>
@@ -3037,17 +3535,14 @@
               <a:buChar char=""/>
             </a:pPr>
             <a:r>
-              <a:rPr b="0" lang="cs-CZ" sz="3200" spc="-1" strike="noStrike">
+              <a:rPr lang="cs-CZ" sz="3200" b="0" strike="noStrike" spc="-1">
                 <a:latin typeface="Arial"/>
               </a:rPr>
               <a:t>Klikněte pro úpravu formátu textu osnovy</a:t>
             </a:r>
-            <a:endParaRPr b="0" lang="cs-CZ" sz="3200" spc="-1" strike="noStrike">
-              <a:latin typeface="Arial"/>
-            </a:endParaRPr>
-          </a:p>
-          <a:p>
-            <a:pPr lvl="1" marL="864000" indent="-324000">
+          </a:p>
+          <a:p>
+            <a:pPr marL="864000" lvl="1" indent="-324000">
               <a:spcBef>
                 <a:spcPts val="1134"/>
               </a:spcBef>
@@ -3059,17 +3554,14 @@
               <a:buChar char=""/>
             </a:pPr>
             <a:r>
-              <a:rPr b="0" lang="cs-CZ" sz="2800" spc="-1" strike="noStrike">
+              <a:rPr lang="cs-CZ" sz="2800" b="0" strike="noStrike" spc="-1">
                 <a:latin typeface="Arial"/>
               </a:rPr>
               <a:t>Druhá úroveň</a:t>
             </a:r>
-            <a:endParaRPr b="0" lang="cs-CZ" sz="2800" spc="-1" strike="noStrike">
-              <a:latin typeface="Arial"/>
-            </a:endParaRPr>
-          </a:p>
-          <a:p>
-            <a:pPr lvl="2" marL="1296000" indent="-288000">
+          </a:p>
+          <a:p>
+            <a:pPr marL="1296000" lvl="2" indent="-288000">
               <a:spcBef>
                 <a:spcPts val="850"/>
               </a:spcBef>
@@ -3081,17 +3573,14 @@
               <a:buChar char=""/>
             </a:pPr>
             <a:r>
-              <a:rPr b="0" lang="cs-CZ" sz="2400" spc="-1" strike="noStrike">
+              <a:rPr lang="cs-CZ" sz="2400" b="0" strike="noStrike" spc="-1">
                 <a:latin typeface="Arial"/>
               </a:rPr>
               <a:t>Třetí úroveň</a:t>
             </a:r>
-            <a:endParaRPr b="0" lang="cs-CZ" sz="2400" spc="-1" strike="noStrike">
-              <a:latin typeface="Arial"/>
-            </a:endParaRPr>
-          </a:p>
-          <a:p>
-            <a:pPr lvl="3" marL="1728000" indent="-216000">
+          </a:p>
+          <a:p>
+            <a:pPr marL="1728000" lvl="3" indent="-216000">
               <a:spcBef>
                 <a:spcPts val="567"/>
               </a:spcBef>
@@ -3103,17 +3592,14 @@
               <a:buChar char=""/>
             </a:pPr>
             <a:r>
-              <a:rPr b="0" lang="cs-CZ" sz="2000" spc="-1" strike="noStrike">
+              <a:rPr lang="cs-CZ" sz="2000" b="0" strike="noStrike" spc="-1">
                 <a:latin typeface="Arial"/>
               </a:rPr>
               <a:t>Čtvrtá úroveň osnovy</a:t>
             </a:r>
-            <a:endParaRPr b="0" lang="cs-CZ" sz="2000" spc="-1" strike="noStrike">
-              <a:latin typeface="Arial"/>
-            </a:endParaRPr>
-          </a:p>
-          <a:p>
-            <a:pPr lvl="4" marL="2160000" indent="-216000">
+          </a:p>
+          <a:p>
+            <a:pPr marL="2160000" lvl="4" indent="-216000">
               <a:spcBef>
                 <a:spcPts val="283"/>
               </a:spcBef>
@@ -3125,17 +3611,14 @@
               <a:buChar char=""/>
             </a:pPr>
             <a:r>
-              <a:rPr b="0" lang="cs-CZ" sz="2000" spc="-1" strike="noStrike">
+              <a:rPr lang="cs-CZ" sz="2000" b="0" strike="noStrike" spc="-1">
                 <a:latin typeface="Arial"/>
               </a:rPr>
               <a:t>Pátá úroveň osnovy</a:t>
             </a:r>
-            <a:endParaRPr b="0" lang="cs-CZ" sz="2000" spc="-1" strike="noStrike">
-              <a:latin typeface="Arial"/>
-            </a:endParaRPr>
-          </a:p>
-          <a:p>
-            <a:pPr lvl="5" marL="2592000" indent="-216000">
+          </a:p>
+          <a:p>
+            <a:pPr marL="2592000" lvl="5" indent="-216000">
               <a:spcBef>
                 <a:spcPts val="283"/>
               </a:spcBef>
@@ -3147,17 +3630,14 @@
               <a:buChar char=""/>
             </a:pPr>
             <a:r>
-              <a:rPr b="0" lang="cs-CZ" sz="2000" spc="-1" strike="noStrike">
+              <a:rPr lang="cs-CZ" sz="2000" b="0" strike="noStrike" spc="-1">
                 <a:latin typeface="Arial"/>
               </a:rPr>
               <a:t>Šestá úroveň</a:t>
             </a:r>
-            <a:endParaRPr b="0" lang="cs-CZ" sz="2000" spc="-1" strike="noStrike">
-              <a:latin typeface="Arial"/>
-            </a:endParaRPr>
-          </a:p>
-          <a:p>
-            <a:pPr lvl="6" marL="3024000" indent="-216000">
+          </a:p>
+          <a:p>
+            <a:pPr marL="3024000" lvl="6" indent="-216000">
               <a:spcBef>
                 <a:spcPts val="283"/>
               </a:spcBef>
@@ -3169,39 +3649,316 @@
               <a:buChar char=""/>
             </a:pPr>
             <a:r>
-              <a:rPr b="0" lang="cs-CZ" sz="2000" spc="-1" strike="noStrike">
+              <a:rPr lang="cs-CZ" sz="2000" b="0" strike="noStrike" spc="-1">
                 <a:latin typeface="Arial"/>
               </a:rPr>
               <a:t>Sedmá úroveň</a:t>
             </a:r>
-            <a:endParaRPr b="0" lang="cs-CZ" sz="2000" spc="-1" strike="noStrike">
-              <a:latin typeface="Arial"/>
-            </a:endParaRPr>
           </a:p>
         </p:txBody>
       </p:sp>
     </p:spTree>
   </p:cSld>
-  <p:clrMap bg1="lt1" bg2="lt2" tx1="dk1" tx2="dk2" accent1="accent1" accent2="accent2" accent3="accent3" accent4="accent4" accent5="accent5" accent6="accent6" hlink="hlink" folHlink="folHlink"/>
+  <p:clrMap bg1="lt1" tx1="dk1" bg2="lt2" tx2="dk2" accent1="accent1" accent2="accent2" accent3="accent3" accent4="accent4" accent5="accent5" accent6="accent6" hlink="hlink" folHlink="folHlink"/>
   <p:sldLayoutIdLst>
-    <p:sldLayoutId id="2147483662" r:id="rId3"/>
-    <p:sldLayoutId id="2147483663" r:id="rId4"/>
-    <p:sldLayoutId id="2147483664" r:id="rId5"/>
-    <p:sldLayoutId id="2147483665" r:id="rId6"/>
-    <p:sldLayoutId id="2147483666" r:id="rId7"/>
-    <p:sldLayoutId id="2147483667" r:id="rId8"/>
-    <p:sldLayoutId id="2147483668" r:id="rId9"/>
-    <p:sldLayoutId id="2147483669" r:id="rId10"/>
-    <p:sldLayoutId id="2147483670" r:id="rId11"/>
-    <p:sldLayoutId id="2147483671" r:id="rId12"/>
-    <p:sldLayoutId id="2147483672" r:id="rId13"/>
-    <p:sldLayoutId id="2147483673" r:id="rId14"/>
+    <p:sldLayoutId id="2147483662" r:id="rId1"/>
+    <p:sldLayoutId id="2147483663" r:id="rId2"/>
+    <p:sldLayoutId id="2147483664" r:id="rId3"/>
+    <p:sldLayoutId id="2147483665" r:id="rId4"/>
+    <p:sldLayoutId id="2147483666" r:id="rId5"/>
+    <p:sldLayoutId id="2147483667" r:id="rId6"/>
+    <p:sldLayoutId id="2147483668" r:id="rId7"/>
+    <p:sldLayoutId id="2147483669" r:id="rId8"/>
+    <p:sldLayoutId id="2147483670" r:id="rId9"/>
+    <p:sldLayoutId id="2147483671" r:id="rId10"/>
+    <p:sldLayoutId id="2147483672" r:id="rId11"/>
+    <p:sldLayoutId id="2147483673" r:id="rId12"/>
   </p:sldLayoutIdLst>
+  <p:txStyles>
+    <p:titleStyle>
+      <a:lvl1pPr algn="l" defTabSz="914400" rtl="0" eaLnBrk="1" latinLnBrk="0" hangingPunct="1">
+        <a:lnSpc>
+          <a:spcPct val="90000"/>
+        </a:lnSpc>
+        <a:spcBef>
+          <a:spcPct val="0"/>
+        </a:spcBef>
+        <a:buNone/>
+        <a:defRPr sz="4400" kern="1200">
+          <a:solidFill>
+            <a:schemeClr val="tx1"/>
+          </a:solidFill>
+          <a:latin typeface="+mj-lt"/>
+          <a:ea typeface="+mj-ea"/>
+          <a:cs typeface="+mj-cs"/>
+        </a:defRPr>
+      </a:lvl1pPr>
+    </p:titleStyle>
+    <p:bodyStyle>
+      <a:lvl1pPr marL="228600" indent="-228600" algn="l" defTabSz="914400" rtl="0" eaLnBrk="1" latinLnBrk="0" hangingPunct="1">
+        <a:lnSpc>
+          <a:spcPct val="90000"/>
+        </a:lnSpc>
+        <a:spcBef>
+          <a:spcPts val="1000"/>
+        </a:spcBef>
+        <a:buFont typeface="Arial" panose="020B0604020202020204" pitchFamily="34" charset="0"/>
+        <a:buChar char="•"/>
+        <a:defRPr sz="2800" kern="1200">
+          <a:solidFill>
+            <a:schemeClr val="tx1"/>
+          </a:solidFill>
+          <a:latin typeface="+mn-lt"/>
+          <a:ea typeface="+mn-ea"/>
+          <a:cs typeface="+mn-cs"/>
+        </a:defRPr>
+      </a:lvl1pPr>
+      <a:lvl2pPr marL="685800" indent="-228600" algn="l" defTabSz="914400" rtl="0" eaLnBrk="1" latinLnBrk="0" hangingPunct="1">
+        <a:lnSpc>
+          <a:spcPct val="90000"/>
+        </a:lnSpc>
+        <a:spcBef>
+          <a:spcPts val="500"/>
+        </a:spcBef>
+        <a:buFont typeface="Arial" panose="020B0604020202020204" pitchFamily="34" charset="0"/>
+        <a:buChar char="•"/>
+        <a:defRPr sz="2400" kern="1200">
+          <a:solidFill>
+            <a:schemeClr val="tx1"/>
+          </a:solidFill>
+          <a:latin typeface="+mn-lt"/>
+          <a:ea typeface="+mn-ea"/>
+          <a:cs typeface="+mn-cs"/>
+        </a:defRPr>
+      </a:lvl2pPr>
+      <a:lvl3pPr marL="1143000" indent="-228600" algn="l" defTabSz="914400" rtl="0" eaLnBrk="1" latinLnBrk="0" hangingPunct="1">
+        <a:lnSpc>
+          <a:spcPct val="90000"/>
+        </a:lnSpc>
+        <a:spcBef>
+          <a:spcPts val="500"/>
+        </a:spcBef>
+        <a:buFont typeface="Arial" panose="020B0604020202020204" pitchFamily="34" charset="0"/>
+        <a:buChar char="•"/>
+        <a:defRPr sz="2000" kern="1200">
+          <a:solidFill>
+            <a:schemeClr val="tx1"/>
+          </a:solidFill>
+          <a:latin typeface="+mn-lt"/>
+          <a:ea typeface="+mn-ea"/>
+          <a:cs typeface="+mn-cs"/>
+        </a:defRPr>
+      </a:lvl3pPr>
+      <a:lvl4pPr marL="1600200" indent="-228600" algn="l" defTabSz="914400" rtl="0" eaLnBrk="1" latinLnBrk="0" hangingPunct="1">
+        <a:lnSpc>
+          <a:spcPct val="90000"/>
+        </a:lnSpc>
+        <a:spcBef>
+          <a:spcPts val="500"/>
+        </a:spcBef>
+        <a:buFont typeface="Arial" panose="020B0604020202020204" pitchFamily="34" charset="0"/>
+        <a:buChar char="•"/>
+        <a:defRPr sz="1800" kern="1200">
+          <a:solidFill>
+            <a:schemeClr val="tx1"/>
+          </a:solidFill>
+          <a:latin typeface="+mn-lt"/>
+          <a:ea typeface="+mn-ea"/>
+          <a:cs typeface="+mn-cs"/>
+        </a:defRPr>
+      </a:lvl4pPr>
+      <a:lvl5pPr marL="2057400" indent="-228600" algn="l" defTabSz="914400" rtl="0" eaLnBrk="1" latinLnBrk="0" hangingPunct="1">
+        <a:lnSpc>
+          <a:spcPct val="90000"/>
+        </a:lnSpc>
+        <a:spcBef>
+          <a:spcPts val="500"/>
+        </a:spcBef>
+        <a:buFont typeface="Arial" panose="020B0604020202020204" pitchFamily="34" charset="0"/>
+        <a:buChar char="•"/>
+        <a:defRPr sz="1800" kern="1200">
+          <a:solidFill>
+            <a:schemeClr val="tx1"/>
+          </a:solidFill>
+          <a:latin typeface="+mn-lt"/>
+          <a:ea typeface="+mn-ea"/>
+          <a:cs typeface="+mn-cs"/>
+        </a:defRPr>
+      </a:lvl5pPr>
+      <a:lvl6pPr marL="2514600" indent="-228600" algn="l" defTabSz="914400" rtl="0" eaLnBrk="1" latinLnBrk="0" hangingPunct="1">
+        <a:lnSpc>
+          <a:spcPct val="90000"/>
+        </a:lnSpc>
+        <a:spcBef>
+          <a:spcPts val="500"/>
+        </a:spcBef>
+        <a:buFont typeface="Arial" panose="020B0604020202020204" pitchFamily="34" charset="0"/>
+        <a:buChar char="•"/>
+        <a:defRPr sz="1800" kern="1200">
+          <a:solidFill>
+            <a:schemeClr val="tx1"/>
+          </a:solidFill>
+          <a:latin typeface="+mn-lt"/>
+          <a:ea typeface="+mn-ea"/>
+          <a:cs typeface="+mn-cs"/>
+        </a:defRPr>
+      </a:lvl6pPr>
+      <a:lvl7pPr marL="2971800" indent="-228600" algn="l" defTabSz="914400" rtl="0" eaLnBrk="1" latinLnBrk="0" hangingPunct="1">
+        <a:lnSpc>
+          <a:spcPct val="90000"/>
+        </a:lnSpc>
+        <a:spcBef>
+          <a:spcPts val="500"/>
+        </a:spcBef>
+        <a:buFont typeface="Arial" panose="020B0604020202020204" pitchFamily="34" charset="0"/>
+        <a:buChar char="•"/>
+        <a:defRPr sz="1800" kern="1200">
+          <a:solidFill>
+            <a:schemeClr val="tx1"/>
+          </a:solidFill>
+          <a:latin typeface="+mn-lt"/>
+          <a:ea typeface="+mn-ea"/>
+          <a:cs typeface="+mn-cs"/>
+        </a:defRPr>
+      </a:lvl7pPr>
+      <a:lvl8pPr marL="3429000" indent="-228600" algn="l" defTabSz="914400" rtl="0" eaLnBrk="1" latinLnBrk="0" hangingPunct="1">
+        <a:lnSpc>
+          <a:spcPct val="90000"/>
+        </a:lnSpc>
+        <a:spcBef>
+          <a:spcPts val="500"/>
+        </a:spcBef>
+        <a:buFont typeface="Arial" panose="020B0604020202020204" pitchFamily="34" charset="0"/>
+        <a:buChar char="•"/>
+        <a:defRPr sz="1800" kern="1200">
+          <a:solidFill>
+            <a:schemeClr val="tx1"/>
+          </a:solidFill>
+          <a:latin typeface="+mn-lt"/>
+          <a:ea typeface="+mn-ea"/>
+          <a:cs typeface="+mn-cs"/>
+        </a:defRPr>
+      </a:lvl8pPr>
+      <a:lvl9pPr marL="3886200" indent="-228600" algn="l" defTabSz="914400" rtl="0" eaLnBrk="1" latinLnBrk="0" hangingPunct="1">
+        <a:lnSpc>
+          <a:spcPct val="90000"/>
+        </a:lnSpc>
+        <a:spcBef>
+          <a:spcPts val="500"/>
+        </a:spcBef>
+        <a:buFont typeface="Arial" panose="020B0604020202020204" pitchFamily="34" charset="0"/>
+        <a:buChar char="•"/>
+        <a:defRPr sz="1800" kern="1200">
+          <a:solidFill>
+            <a:schemeClr val="tx1"/>
+          </a:solidFill>
+          <a:latin typeface="+mn-lt"/>
+          <a:ea typeface="+mn-ea"/>
+          <a:cs typeface="+mn-cs"/>
+        </a:defRPr>
+      </a:lvl9pPr>
+    </p:bodyStyle>
+    <p:otherStyle>
+      <a:defPPr>
+        <a:defRPr lang="cs-CZ"/>
+      </a:defPPr>
+      <a:lvl1pPr marL="0" algn="l" defTabSz="914400" rtl="0" eaLnBrk="1" latinLnBrk="0" hangingPunct="1">
+        <a:defRPr sz="1800" kern="1200">
+          <a:solidFill>
+            <a:schemeClr val="tx1"/>
+          </a:solidFill>
+          <a:latin typeface="+mn-lt"/>
+          <a:ea typeface="+mn-ea"/>
+          <a:cs typeface="+mn-cs"/>
+        </a:defRPr>
+      </a:lvl1pPr>
+      <a:lvl2pPr marL="457200" algn="l" defTabSz="914400" rtl="0" eaLnBrk="1" latinLnBrk="0" hangingPunct="1">
+        <a:defRPr sz="1800" kern="1200">
+          <a:solidFill>
+            <a:schemeClr val="tx1"/>
+          </a:solidFill>
+          <a:latin typeface="+mn-lt"/>
+          <a:ea typeface="+mn-ea"/>
+          <a:cs typeface="+mn-cs"/>
+        </a:defRPr>
+      </a:lvl2pPr>
+      <a:lvl3pPr marL="914400" algn="l" defTabSz="914400" rtl="0" eaLnBrk="1" latinLnBrk="0" hangingPunct="1">
+        <a:defRPr sz="1800" kern="1200">
+          <a:solidFill>
+            <a:schemeClr val="tx1"/>
+          </a:solidFill>
+          <a:latin typeface="+mn-lt"/>
+          <a:ea typeface="+mn-ea"/>
+          <a:cs typeface="+mn-cs"/>
+        </a:defRPr>
+      </a:lvl3pPr>
+      <a:lvl4pPr marL="1371600" algn="l" defTabSz="914400" rtl="0" eaLnBrk="1" latinLnBrk="0" hangingPunct="1">
+        <a:defRPr sz="1800" kern="1200">
+          <a:solidFill>
+            <a:schemeClr val="tx1"/>
+          </a:solidFill>
+          <a:latin typeface="+mn-lt"/>
+          <a:ea typeface="+mn-ea"/>
+          <a:cs typeface="+mn-cs"/>
+        </a:defRPr>
+      </a:lvl4pPr>
+      <a:lvl5pPr marL="1828800" algn="l" defTabSz="914400" rtl="0" eaLnBrk="1" latinLnBrk="0" hangingPunct="1">
+        <a:defRPr sz="1800" kern="1200">
+          <a:solidFill>
+            <a:schemeClr val="tx1"/>
+          </a:solidFill>
+          <a:latin typeface="+mn-lt"/>
+          <a:ea typeface="+mn-ea"/>
+          <a:cs typeface="+mn-cs"/>
+        </a:defRPr>
+      </a:lvl5pPr>
+      <a:lvl6pPr marL="2286000" algn="l" defTabSz="914400" rtl="0" eaLnBrk="1" latinLnBrk="0" hangingPunct="1">
+        <a:defRPr sz="1800" kern="1200">
+          <a:solidFill>
+            <a:schemeClr val="tx1"/>
+          </a:solidFill>
+          <a:latin typeface="+mn-lt"/>
+          <a:ea typeface="+mn-ea"/>
+          <a:cs typeface="+mn-cs"/>
+        </a:defRPr>
+      </a:lvl6pPr>
+      <a:lvl7pPr marL="2743200" algn="l" defTabSz="914400" rtl="0" eaLnBrk="1" latinLnBrk="0" hangingPunct="1">
+        <a:defRPr sz="1800" kern="1200">
+          <a:solidFill>
+            <a:schemeClr val="tx1"/>
+          </a:solidFill>
+          <a:latin typeface="+mn-lt"/>
+          <a:ea typeface="+mn-ea"/>
+          <a:cs typeface="+mn-cs"/>
+        </a:defRPr>
+      </a:lvl7pPr>
+      <a:lvl8pPr marL="3200400" algn="l" defTabSz="914400" rtl="0" eaLnBrk="1" latinLnBrk="0" hangingPunct="1">
+        <a:defRPr sz="1800" kern="1200">
+          <a:solidFill>
+            <a:schemeClr val="tx1"/>
+          </a:solidFill>
+          <a:latin typeface="+mn-lt"/>
+          <a:ea typeface="+mn-ea"/>
+          <a:cs typeface="+mn-cs"/>
+        </a:defRPr>
+      </a:lvl8pPr>
+      <a:lvl9pPr marL="3657600" algn="l" defTabSz="914400" rtl="0" eaLnBrk="1" latinLnBrk="0" hangingPunct="1">
+        <a:defRPr sz="1800" kern="1200">
+          <a:solidFill>
+            <a:schemeClr val="tx1"/>
+          </a:solidFill>
+          <a:latin typeface="+mn-lt"/>
+          <a:ea typeface="+mn-ea"/>
+          <a:cs typeface="+mn-cs"/>
+        </a:defRPr>
+      </a:lvl9pPr>
+    </p:otherStyle>
+  </p:txStyles>
 </p:sldMaster>
 </file>
 
 <file path=ppt/slides/slide1.xml><?xml version="1.0" encoding="utf-8"?>
-<p:sld xmlns:a="http://schemas.openxmlformats.org/drawingml/2006/main" xmlns:p="http://schemas.openxmlformats.org/presentationml/2006/main" xmlns:r="http://schemas.openxmlformats.org/officeDocument/2006/relationships" xmlns:p14="http://schemas.microsoft.com/office/powerpoint/2010/main" xmlns:p15="http://schemas.microsoft.com/office/powerpoint/2012/main" xmlns:mc="http://schemas.openxmlformats.org/markup-compatibility/2006">
+<p:sld xmlns:a="http://schemas.openxmlformats.org/drawingml/2006/main" xmlns:r="http://schemas.openxmlformats.org/officeDocument/2006/relationships" xmlns:p="http://schemas.openxmlformats.org/presentationml/2006/main">
   <p:cSld>
     <p:spTree>
       <p:nvGrpSpPr>
@@ -3237,15 +3994,22 @@
           </a:ln>
         </p:spPr>
         <p:style>
-          <a:lnRef idx="0"/>
-          <a:fillRef idx="0"/>
-          <a:effectRef idx="0"/>
+          <a:lnRef idx="0">
+            <a:scrgbClr r="0" g="0" b="0"/>
+          </a:lnRef>
+          <a:fillRef idx="0">
+            <a:scrgbClr r="0" g="0" b="0"/>
+          </a:fillRef>
+          <a:effectRef idx="0">
+            <a:scrgbClr r="0" g="0" b="0"/>
+          </a:effectRef>
           <a:fontRef idx="minor"/>
         </p:style>
         <p:txBody>
-          <a:bodyPr lIns="0" rIns="0" tIns="0" bIns="0" anchor="ctr">
+          <a:bodyPr lIns="0" tIns="0" rIns="0" bIns="0" anchor="ctr">
             <a:normAutofit/>
           </a:bodyPr>
+          <a:lstStyle/>
           <a:p>
             <a:pPr algn="ctr">
               <a:lnSpc>
@@ -3253,16 +4017,16 @@
               </a:lnSpc>
             </a:pPr>
             <a:r>
-              <a:rPr b="0" lang="cs-CZ" sz="4400" spc="-1" strike="noStrike">
-                <a:solidFill>
-                  <a:srgbClr val="ffffff"/>
+              <a:rPr lang="cs-CZ" sz="4400" b="0" strike="noStrike" spc="-1" dirty="0">
+                <a:solidFill>
+                  <a:srgbClr val="FFFFFF"/>
                 </a:solidFill>
                 <a:latin typeface="Ubuntu"/>
                 <a:ea typeface="DejaVu Sans"/>
               </a:rPr>
-              <a:t>3-2 Zvuk</a:t>
-            </a:r>
-            <a:endParaRPr b="0" lang="cs-CZ" sz="4400" spc="-1" strike="noStrike">
+              <a:t>3-2 Zvuk 2</a:t>
+            </a:r>
+            <a:endParaRPr lang="cs-CZ" sz="4400" b="0" strike="noStrike" spc="-1" dirty="0">
               <a:latin typeface="Arial"/>
             </a:endParaRPr>
           </a:p>
@@ -3288,13 +4052,20 @@
           </a:ln>
         </p:spPr>
         <p:style>
-          <a:lnRef idx="0"/>
-          <a:fillRef idx="0"/>
-          <a:effectRef idx="0"/>
+          <a:lnRef idx="0">
+            <a:scrgbClr r="0" g="0" b="0"/>
+          </a:lnRef>
+          <a:fillRef idx="0">
+            <a:scrgbClr r="0" g="0" b="0"/>
+          </a:fillRef>
+          <a:effectRef idx="0">
+            <a:scrgbClr r="0" g="0" b="0"/>
+          </a:effectRef>
           <a:fontRef idx="minor"/>
         </p:style>
         <p:txBody>
-          <a:bodyPr lIns="90000" rIns="90000" tIns="45000" bIns="45000"/>
+          <a:bodyPr lIns="90000" tIns="45000" rIns="90000" bIns="45000"/>
+          <a:lstStyle/>
           <a:p>
             <a:pPr>
               <a:lnSpc>
@@ -3302,7 +4073,7 @@
               </a:lnSpc>
             </a:pPr>
             <a:r>
-              <a:rPr b="0" lang="cs-CZ" sz="6000" spc="-1" strike="noStrike">
+              <a:rPr lang="cs-CZ" sz="6000" b="0" strike="noStrike" spc="-1">
                 <a:solidFill>
                   <a:srgbClr val="000000"/>
                 </a:solidFill>
@@ -3311,7 +4082,7 @@
               </a:rPr>
               <a:t>PRIM – Micro:bit</a:t>
             </a:r>
-            <a:endParaRPr b="0" lang="cs-CZ" sz="6000" spc="-1" strike="noStrike">
+            <a:endParaRPr lang="cs-CZ" sz="6000" b="0" strike="noStrike" spc="-1">
               <a:latin typeface="Arial"/>
             </a:endParaRPr>
           </a:p>
@@ -3319,6 +4090,9 @@
       </p:sp>
     </p:spTree>
   </p:cSld>
+  <p:clrMapOvr>
+    <a:masterClrMapping/>
+  </p:clrMapOvr>
   <p:timing>
     <p:tnLst>
       <p:par>
@@ -3327,14 +4101,14 @@
             <p:seq>
               <p:cTn id="2" dur="indefinite" nodeType="mainSeq"/>
               <p:prevCondLst>
-                <p:cond delay="0" evt="onPrev">
+                <p:cond evt="onPrev" delay="0">
                   <p:tgtEl>
                     <p:sldTgt/>
                   </p:tgtEl>
                 </p:cond>
               </p:prevCondLst>
               <p:nextCondLst>
-                <p:cond delay="0" evt="onNext">
+                <p:cond evt="onNext" delay="0">
                   <p:tgtEl>
                     <p:sldTgt/>
                   </p:tgtEl>
@@ -3350,7 +4124,7 @@
 </file>
 
 <file path=ppt/slides/slide2.xml><?xml version="1.0" encoding="utf-8"?>
-<p:sld xmlns:a="http://schemas.openxmlformats.org/drawingml/2006/main" xmlns:p="http://schemas.openxmlformats.org/presentationml/2006/main" xmlns:r="http://schemas.openxmlformats.org/officeDocument/2006/relationships" xmlns:p14="http://schemas.microsoft.com/office/powerpoint/2010/main" xmlns:p15="http://schemas.microsoft.com/office/powerpoint/2012/main" xmlns:mc="http://schemas.openxmlformats.org/markup-compatibility/2006">
+<p:sld xmlns:a="http://schemas.openxmlformats.org/drawingml/2006/main" xmlns:r="http://schemas.openxmlformats.org/officeDocument/2006/relationships" xmlns:p="http://schemas.openxmlformats.org/presentationml/2006/main">
   <p:cSld>
     <p:spTree>
       <p:nvGrpSpPr>
@@ -3386,13 +4160,20 @@
           </a:ln>
         </p:spPr>
         <p:style>
-          <a:lnRef idx="0"/>
-          <a:fillRef idx="0"/>
-          <a:effectRef idx="0"/>
+          <a:lnRef idx="0">
+            <a:scrgbClr r="0" g="0" b="0"/>
+          </a:lnRef>
+          <a:fillRef idx="0">
+            <a:scrgbClr r="0" g="0" b="0"/>
+          </a:fillRef>
+          <a:effectRef idx="0">
+            <a:scrgbClr r="0" g="0" b="0"/>
+          </a:effectRef>
           <a:fontRef idx="minor"/>
         </p:style>
         <p:txBody>
-          <a:bodyPr lIns="0" rIns="0" tIns="0" bIns="0" anchor="ctr"/>
+          <a:bodyPr lIns="0" tIns="0" rIns="0" bIns="0" anchor="ctr"/>
+          <a:lstStyle/>
           <a:p>
             <a:pPr algn="ctr">
               <a:lnSpc>
@@ -3400,7 +4181,7 @@
               </a:lnSpc>
             </a:pPr>
             <a:r>
-              <a:rPr b="0" lang="cs-CZ" sz="4400" spc="-1" strike="noStrike">
+              <a:rPr lang="cs-CZ" sz="4400" b="0" strike="noStrike" spc="-1">
                 <a:solidFill>
                   <a:srgbClr val="000000"/>
                 </a:solidFill>
@@ -3409,7 +4190,7 @@
               </a:rPr>
               <a:t>První program - řeč</a:t>
             </a:r>
-            <a:endParaRPr b="0" lang="cs-CZ" sz="4400" spc="-1" strike="noStrike">
+            <a:endParaRPr lang="cs-CZ" sz="4400" b="0" strike="noStrike" spc="-1">
               <a:latin typeface="Arial"/>
             </a:endParaRPr>
           </a:p>
@@ -3435,22 +4216,29 @@
           </a:ln>
         </p:spPr>
         <p:style>
-          <a:lnRef idx="0"/>
-          <a:fillRef idx="0"/>
-          <a:effectRef idx="0"/>
+          <a:lnRef idx="0">
+            <a:scrgbClr r="0" g="0" b="0"/>
+          </a:lnRef>
+          <a:fillRef idx="0">
+            <a:scrgbClr r="0" g="0" b="0"/>
+          </a:fillRef>
+          <a:effectRef idx="0">
+            <a:scrgbClr r="0" g="0" b="0"/>
+          </a:effectRef>
           <a:fontRef idx="minor"/>
         </p:style>
         <p:txBody>
-          <a:bodyPr lIns="0" rIns="0" tIns="0" bIns="0">
+          <a:bodyPr lIns="0" tIns="0" rIns="0" bIns="0">
             <a:normAutofit/>
           </a:bodyPr>
+          <a:lstStyle/>
           <a:p>
             <a:pPr>
               <a:lnSpc>
                 <a:spcPct val="100000"/>
               </a:lnSpc>
             </a:pPr>
-            <a:endParaRPr b="0" lang="cs-CZ" sz="1800" spc="-1" strike="noStrike">
+            <a:endParaRPr lang="cs-CZ" sz="1800" b="0" strike="noStrike" spc="-1" dirty="0">
               <a:latin typeface="Arial"/>
             </a:endParaRPr>
           </a:p>
@@ -3460,7 +4248,7 @@
                 <a:spcPct val="100000"/>
               </a:lnSpc>
             </a:pPr>
-            <a:endParaRPr b="0" lang="cs-CZ" sz="1800" spc="-1" strike="noStrike">
+            <a:endParaRPr lang="cs-CZ" sz="1800" b="0" strike="noStrike" spc="-1" dirty="0">
               <a:latin typeface="Arial"/>
             </a:endParaRPr>
           </a:p>
@@ -3470,7 +4258,7 @@
                 <a:spcPct val="100000"/>
               </a:lnSpc>
             </a:pPr>
-            <a:endParaRPr b="0" lang="cs-CZ" sz="1800" spc="-1" strike="noStrike">
+            <a:endParaRPr lang="cs-CZ" sz="1800" b="0" strike="noStrike" spc="-1" dirty="0">
               <a:latin typeface="Arial"/>
             </a:endParaRPr>
           </a:p>
@@ -3480,7 +4268,27 @@
                 <a:spcPct val="100000"/>
               </a:lnSpc>
             </a:pPr>
-            <a:endParaRPr b="0" lang="cs-CZ" sz="1800" spc="-1" strike="noStrike">
+            <a:endParaRPr lang="cs-CZ" sz="1800" b="0" strike="noStrike" spc="-1" dirty="0">
+              <a:latin typeface="Arial"/>
+            </a:endParaRPr>
+          </a:p>
+          <a:p>
+            <a:pPr>
+              <a:lnSpc>
+                <a:spcPct val="100000"/>
+              </a:lnSpc>
+            </a:pPr>
+            <a:endParaRPr lang="cs-CZ" spc="-1" dirty="0">
+              <a:latin typeface="Arial"/>
+            </a:endParaRPr>
+          </a:p>
+          <a:p>
+            <a:pPr>
+              <a:lnSpc>
+                <a:spcPct val="100000"/>
+              </a:lnSpc>
+            </a:pPr>
+            <a:endParaRPr lang="cs-CZ" sz="1800" b="0" strike="noStrike" spc="-1" dirty="0">
               <a:latin typeface="Arial"/>
             </a:endParaRPr>
           </a:p>
@@ -3497,26 +4305,36 @@
               <a:buChar char=""/>
             </a:pPr>
             <a:r>
-              <a:rPr b="0" lang="cs-CZ" sz="3200" spc="-1" strike="noStrike">
+              <a:rPr lang="cs-CZ" sz="3200" b="0" strike="noStrike" spc="-1" dirty="0">
                 <a:solidFill>
                   <a:srgbClr val="000000"/>
                 </a:solidFill>
                 <a:latin typeface="Times New Roman"/>
                 <a:ea typeface="DejaVu Sans"/>
               </a:rPr>
-              <a:t> </a:t>
-            </a:r>
-            <a:r>
-              <a:rPr b="0" lang="cs-CZ" sz="3200" spc="-1" strike="noStrike">
+              <a:t> Tentokrát je třeba </a:t>
+            </a:r>
+            <a:r>
+              <a:rPr lang="cs-CZ" sz="3200" b="0" strike="noStrike" spc="-1" dirty="0" err="1">
                 <a:solidFill>
                   <a:srgbClr val="000000"/>
                 </a:solidFill>
                 <a:latin typeface="Times New Roman"/>
                 <a:ea typeface="DejaVu Sans"/>
               </a:rPr>
-              <a:t>Tentokrát je třeba repráčky zapojit mezi porty 0 a 1</a:t>
-            </a:r>
-            <a:endParaRPr b="0" lang="cs-CZ" sz="3200" spc="-1" strike="noStrike">
+              <a:t>repráčky</a:t>
+            </a:r>
+            <a:r>
+              <a:rPr lang="cs-CZ" sz="3200" b="0" strike="noStrike" spc="-1" dirty="0">
+                <a:solidFill>
+                  <a:srgbClr val="000000"/>
+                </a:solidFill>
+                <a:latin typeface="Times New Roman"/>
+                <a:ea typeface="DejaVu Sans"/>
+              </a:rPr>
+              <a:t> zapojit mezi porty 0 a 1</a:t>
+            </a:r>
+            <a:endParaRPr lang="cs-CZ" sz="3200" b="0" strike="noStrike" spc="-1" dirty="0">
               <a:latin typeface="Arial"/>
             </a:endParaRPr>
           </a:p>
@@ -3533,26 +4351,16 @@
               <a:buChar char=""/>
             </a:pPr>
             <a:r>
-              <a:rPr b="0" lang="cs-CZ" sz="3200" spc="-1" strike="noStrike">
+              <a:rPr lang="cs-CZ" sz="3200" b="0" strike="noStrike" spc="-1" dirty="0">
                 <a:solidFill>
                   <a:srgbClr val="000000"/>
                 </a:solidFill>
                 <a:latin typeface="Times New Roman"/>
                 <a:ea typeface="DejaVu Sans"/>
               </a:rPr>
-              <a:t> </a:t>
-            </a:r>
-            <a:r>
-              <a:rPr b="0" lang="cs-CZ" sz="3200" spc="-1" strike="noStrike">
-                <a:solidFill>
-                  <a:srgbClr val="000000"/>
-                </a:solidFill>
-                <a:latin typeface="Times New Roman"/>
-                <a:ea typeface="DejaVu Sans"/>
-              </a:rPr>
-              <a:t>Na další práci je vraťte mezi 0 a GND</a:t>
-            </a:r>
-            <a:endParaRPr b="0" lang="cs-CZ" sz="3200" spc="-1" strike="noStrike">
+              <a:t> Na další práci je vraťte mezi 0 a GND</a:t>
+            </a:r>
+            <a:endParaRPr lang="cs-CZ" sz="3200" b="0" strike="noStrike" spc="-1" dirty="0">
               <a:latin typeface="Arial"/>
             </a:endParaRPr>
           </a:p>
@@ -3569,26 +4377,56 @@
               <a:buChar char=""/>
             </a:pPr>
             <a:r>
-              <a:rPr b="0" lang="cs-CZ" sz="3200" spc="-1" strike="noStrike">
+              <a:rPr lang="cs-CZ" sz="3200" b="0" strike="noStrike" spc="-1" dirty="0">
                 <a:solidFill>
                   <a:srgbClr val="000000"/>
                 </a:solidFill>
                 <a:latin typeface="Times New Roman"/>
                 <a:ea typeface="DejaVu Sans"/>
               </a:rPr>
-              <a:t> </a:t>
-            </a:r>
-            <a:r>
-              <a:rPr b="0" lang="cs-CZ" sz="3200" spc="-1" strike="noStrike">
+              <a:t> Knihovna </a:t>
+            </a:r>
+            <a:r>
+              <a:rPr lang="cs-CZ" sz="3200" b="0" strike="noStrike" spc="-1" dirty="0" err="1">
                 <a:solidFill>
                   <a:srgbClr val="000000"/>
                 </a:solidFill>
                 <a:latin typeface="Times New Roman"/>
                 <a:ea typeface="DejaVu Sans"/>
               </a:rPr>
-              <a:t>Knihovna speech je dosud experimentální a umí hovořit pouze anglicky – je proto nutné použít anglickou transkripci např. „Yoseph“ místo Josef</a:t>
-            </a:r>
-            <a:endParaRPr b="0" lang="cs-CZ" sz="3200" spc="-1" strike="noStrike">
+              <a:t>speech</a:t>
+            </a:r>
+            <a:r>
+              <a:rPr lang="cs-CZ" sz="3200" b="0" strike="noStrike" spc="-1" dirty="0">
+                <a:solidFill>
+                  <a:srgbClr val="000000"/>
+                </a:solidFill>
+                <a:latin typeface="Times New Roman"/>
+                <a:ea typeface="DejaVu Sans"/>
+              </a:rPr>
+              <a:t> je dosud experimentální a umí hovořit pouze anglicky – je proto nutné použít anglickou transkripci např. „</a:t>
+            </a:r>
+            <a:r>
+              <a:rPr lang="cs-CZ" sz="3200" b="0" strike="noStrike" spc="-1" dirty="0" err="1">
+                <a:solidFill>
+                  <a:srgbClr val="000000"/>
+                </a:solidFill>
+                <a:latin typeface="Times New Roman"/>
+                <a:ea typeface="DejaVu Sans"/>
+              </a:rPr>
+              <a:t>Yoseph</a:t>
+            </a:r>
+            <a:r>
+              <a:rPr lang="cs-CZ" sz="3200" b="0" strike="noStrike" spc="-1" dirty="0">
+                <a:solidFill>
+                  <a:srgbClr val="000000"/>
+                </a:solidFill>
+                <a:latin typeface="Times New Roman"/>
+                <a:ea typeface="DejaVu Sans"/>
+              </a:rPr>
+              <a:t>“ místo Josef</a:t>
+            </a:r>
+            <a:endParaRPr lang="cs-CZ" sz="3200" b="0" strike="noStrike" spc="-1" dirty="0">
               <a:latin typeface="Arial"/>
             </a:endParaRPr>
           </a:p>
@@ -3609,7 +4447,7 @@
             <a:avLst/>
           </a:prstGeom>
           <a:solidFill>
-            <a:srgbClr val="dddddd"/>
+            <a:srgbClr val="DDDDDD"/>
           </a:solidFill>
           <a:ln>
             <a:solidFill>
@@ -3618,7 +4456,8 @@
           </a:ln>
         </p:spPr>
         <p:txBody>
-          <a:bodyPr lIns="90000" rIns="90000" tIns="45000" bIns="45000"/>
+          <a:bodyPr lIns="90000" tIns="45000" rIns="90000" bIns="45000"/>
+          <a:lstStyle/>
           <a:p>
             <a:pPr>
               <a:lnSpc>
@@ -3626,7 +4465,7 @@
               </a:lnSpc>
             </a:pPr>
             <a:r>
-              <a:rPr b="0" lang="cs-CZ" sz="3200" spc="-1" strike="noStrike">
+              <a:rPr lang="cs-CZ" sz="3200" b="0" strike="noStrike" spc="-1">
                 <a:solidFill>
                   <a:srgbClr val="008000"/>
                 </a:solidFill>
@@ -3636,7 +4475,7 @@
               <a:t>from</a:t>
             </a:r>
             <a:r>
-              <a:rPr b="0" lang="cs-CZ" sz="3200" spc="-1" strike="noStrike">
+              <a:rPr lang="cs-CZ" sz="3200" b="0" strike="noStrike" spc="-1">
                 <a:solidFill>
                   <a:srgbClr val="000000"/>
                 </a:solidFill>
@@ -3646,9 +4485,9 @@
               <a:t> </a:t>
             </a:r>
             <a:r>
-              <a:rPr b="0" lang="cs-CZ" sz="3200" spc="-1" strike="noStrike">
-                <a:solidFill>
-                  <a:srgbClr val="0000ff"/>
+              <a:rPr lang="cs-CZ" sz="3200" b="0" strike="noStrike" spc="-1">
+                <a:solidFill>
+                  <a:srgbClr val="0000FF"/>
                 </a:solidFill>
                 <a:latin typeface="Courier New"/>
                 <a:ea typeface="DejaVu Sans"/>
@@ -3656,7 +4495,7 @@
               <a:t>microbit</a:t>
             </a:r>
             <a:r>
-              <a:rPr b="0" lang="cs-CZ" sz="3200" spc="-1" strike="noStrike">
+              <a:rPr lang="cs-CZ" sz="3200" b="0" strike="noStrike" spc="-1">
                 <a:solidFill>
                   <a:srgbClr val="000000"/>
                 </a:solidFill>
@@ -3666,7 +4505,7 @@
               <a:t> </a:t>
             </a:r>
             <a:r>
-              <a:rPr b="0" lang="cs-CZ" sz="3200" spc="-1" strike="noStrike">
+              <a:rPr lang="cs-CZ" sz="3200" b="0" strike="noStrike" spc="-1">
                 <a:solidFill>
                   <a:srgbClr val="008000"/>
                 </a:solidFill>
@@ -3676,7 +4515,7 @@
               <a:t>import</a:t>
             </a:r>
             <a:r>
-              <a:rPr b="0" lang="cs-CZ" sz="3200" spc="-1" strike="noStrike">
+              <a:rPr lang="cs-CZ" sz="3200" b="0" strike="noStrike" spc="-1">
                 <a:solidFill>
                   <a:srgbClr val="000000"/>
                 </a:solidFill>
@@ -3686,7 +4525,7 @@
               <a:t> </a:t>
             </a:r>
             <a:r>
-              <a:rPr b="0" lang="cs-CZ" sz="3200" spc="-1" strike="noStrike">
+              <a:rPr lang="cs-CZ" sz="3200" b="0" strike="noStrike" spc="-1">
                 <a:solidFill>
                   <a:srgbClr val="666666"/>
                 </a:solidFill>
@@ -3695,7 +4534,7 @@
               </a:rPr>
               <a:t>*</a:t>
             </a:r>
-            <a:endParaRPr b="0" lang="cs-CZ" sz="3200" spc="-1" strike="noStrike">
+            <a:endParaRPr lang="cs-CZ" sz="3200" b="0" strike="noStrike" spc="-1">
               <a:latin typeface="Arial"/>
             </a:endParaRPr>
           </a:p>
@@ -3706,7 +4545,7 @@
               </a:lnSpc>
             </a:pPr>
             <a:r>
-              <a:rPr b="0" lang="cs-CZ" sz="3200" spc="-1" strike="noStrike">
+              <a:rPr lang="cs-CZ" sz="3200" b="0" strike="noStrike" spc="-1">
                 <a:solidFill>
                   <a:srgbClr val="008000"/>
                 </a:solidFill>
@@ -3716,7 +4555,7 @@
               <a:t>import</a:t>
             </a:r>
             <a:r>
-              <a:rPr b="0" lang="cs-CZ" sz="3200" spc="-1" strike="noStrike">
+              <a:rPr lang="cs-CZ" sz="3200" b="0" strike="noStrike" spc="-1">
                 <a:solidFill>
                   <a:srgbClr val="000000"/>
                 </a:solidFill>
@@ -3726,16 +4565,16 @@
               <a:t> </a:t>
             </a:r>
             <a:r>
-              <a:rPr b="0" lang="cs-CZ" sz="3200" spc="-1" strike="noStrike">
-                <a:solidFill>
-                  <a:srgbClr val="0000ff"/>
+              <a:rPr lang="cs-CZ" sz="3200" b="0" strike="noStrike" spc="-1">
+                <a:solidFill>
+                  <a:srgbClr val="0000FF"/>
                 </a:solidFill>
                 <a:latin typeface="Courier New"/>
                 <a:ea typeface="DejaVu Sans"/>
               </a:rPr>
               <a:t>speech</a:t>
             </a:r>
-            <a:endParaRPr b="0" lang="cs-CZ" sz="3200" spc="-1" strike="noStrike">
+            <a:endParaRPr lang="cs-CZ" sz="3200" b="0" strike="noStrike" spc="-1">
               <a:latin typeface="Arial"/>
             </a:endParaRPr>
           </a:p>
@@ -3746,7 +4585,7 @@
               </a:lnSpc>
             </a:pPr>
             <a:r>
-              <a:rPr b="0" lang="cs-CZ" sz="3200" spc="-1" strike="noStrike">
+              <a:rPr lang="cs-CZ" sz="3200" b="0" strike="noStrike" spc="-1">
                 <a:solidFill>
                   <a:srgbClr val="000000"/>
                 </a:solidFill>
@@ -3756,7 +4595,7 @@
               <a:t>speech</a:t>
             </a:r>
             <a:r>
-              <a:rPr b="0" lang="cs-CZ" sz="3200" spc="-1" strike="noStrike">
+              <a:rPr lang="cs-CZ" sz="3200" b="0" strike="noStrike" spc="-1">
                 <a:solidFill>
                   <a:srgbClr val="666666"/>
                 </a:solidFill>
@@ -3766,7 +4605,7 @@
               <a:t>.</a:t>
             </a:r>
             <a:r>
-              <a:rPr b="0" lang="cs-CZ" sz="3200" spc="-1" strike="noStrike">
+              <a:rPr lang="cs-CZ" sz="3200" b="0" strike="noStrike" spc="-1">
                 <a:solidFill>
                   <a:srgbClr val="000000"/>
                 </a:solidFill>
@@ -3776,9 +4615,9 @@
               <a:t>say(</a:t>
             </a:r>
             <a:r>
-              <a:rPr b="0" lang="cs-CZ" sz="3200" spc="-1" strike="noStrike">
-                <a:solidFill>
-                  <a:srgbClr val="ba2121"/>
+              <a:rPr lang="cs-CZ" sz="3200" b="0" strike="noStrike" spc="-1">
+                <a:solidFill>
+                  <a:srgbClr val="BA2121"/>
                 </a:solidFill>
                 <a:latin typeface="Courier New"/>
                 <a:ea typeface="DejaVu Sans"/>
@@ -3786,7 +4625,7 @@
               <a:t>"Hello"</a:t>
             </a:r>
             <a:r>
-              <a:rPr b="0" lang="cs-CZ" sz="3200" spc="-1" strike="noStrike">
+              <a:rPr lang="cs-CZ" sz="3200" b="0" strike="noStrike" spc="-1">
                 <a:solidFill>
                   <a:srgbClr val="000000"/>
                 </a:solidFill>
@@ -3796,7 +4635,7 @@
               <a:t>,speed</a:t>
             </a:r>
             <a:r>
-              <a:rPr b="0" lang="cs-CZ" sz="3200" spc="-1" strike="noStrike">
+              <a:rPr lang="cs-CZ" sz="3200" b="0" strike="noStrike" spc="-1">
                 <a:solidFill>
                   <a:srgbClr val="666666"/>
                 </a:solidFill>
@@ -3806,7 +4645,7 @@
               <a:t>=100</a:t>
             </a:r>
             <a:r>
-              <a:rPr b="0" lang="cs-CZ" sz="3200" spc="-1" strike="noStrike">
+              <a:rPr lang="cs-CZ" sz="3200" b="0" strike="noStrike" spc="-1">
                 <a:solidFill>
                   <a:srgbClr val="000000"/>
                 </a:solidFill>
@@ -3815,7 +4654,7 @@
               </a:rPr>
               <a:t>)</a:t>
             </a:r>
-            <a:endParaRPr b="0" lang="cs-CZ" sz="3200" spc="-1" strike="noStrike">
+            <a:endParaRPr lang="cs-CZ" sz="3200" b="0" strike="noStrike" spc="-1">
               <a:latin typeface="Arial"/>
             </a:endParaRPr>
           </a:p>
@@ -3823,22 +4662,25 @@
       </p:sp>
     </p:spTree>
   </p:cSld>
+  <p:clrMapOvr>
+    <a:masterClrMapping/>
+  </p:clrMapOvr>
   <p:timing>
     <p:tnLst>
       <p:par>
-        <p:cTn id="3" dur="indefinite" restart="never" nodeType="tmRoot">
+        <p:cTn id="1" dur="indefinite" restart="never" nodeType="tmRoot">
           <p:childTnLst>
             <p:seq>
-              <p:cTn id="4" dur="indefinite" nodeType="mainSeq"/>
+              <p:cTn id="2" dur="indefinite" nodeType="mainSeq"/>
               <p:prevCondLst>
-                <p:cond delay="0" evt="onPrev">
+                <p:cond evt="onPrev" delay="0">
                   <p:tgtEl>
                     <p:sldTgt/>
                   </p:tgtEl>
                 </p:cond>
               </p:prevCondLst>
               <p:nextCondLst>
-                <p:cond delay="0" evt="onNext">
+                <p:cond evt="onNext" delay="0">
                   <p:tgtEl>
                     <p:sldTgt/>
                   </p:tgtEl>
@@ -3854,7 +4696,7 @@
 </file>
 
 <file path=ppt/slides/slide3.xml><?xml version="1.0" encoding="utf-8"?>
-<p:sld xmlns:a="http://schemas.openxmlformats.org/drawingml/2006/main" xmlns:p="http://schemas.openxmlformats.org/presentationml/2006/main" xmlns:r="http://schemas.openxmlformats.org/officeDocument/2006/relationships" xmlns:p14="http://schemas.microsoft.com/office/powerpoint/2010/main" xmlns:p15="http://schemas.microsoft.com/office/powerpoint/2012/main" xmlns:mc="http://schemas.openxmlformats.org/markup-compatibility/2006">
+<p:sld xmlns:a="http://schemas.openxmlformats.org/drawingml/2006/main" xmlns:r="http://schemas.openxmlformats.org/officeDocument/2006/relationships" xmlns:p="http://schemas.openxmlformats.org/presentationml/2006/main">
   <p:cSld>
     <p:spTree>
       <p:nvGrpSpPr>
@@ -3890,13 +4732,20 @@
           </a:ln>
         </p:spPr>
         <p:style>
-          <a:lnRef idx="0"/>
-          <a:fillRef idx="0"/>
-          <a:effectRef idx="0"/>
+          <a:lnRef idx="0">
+            <a:scrgbClr r="0" g="0" b="0"/>
+          </a:lnRef>
+          <a:fillRef idx="0">
+            <a:scrgbClr r="0" g="0" b="0"/>
+          </a:fillRef>
+          <a:effectRef idx="0">
+            <a:scrgbClr r="0" g="0" b="0"/>
+          </a:effectRef>
           <a:fontRef idx="minor"/>
         </p:style>
         <p:txBody>
-          <a:bodyPr lIns="0" rIns="0" tIns="0" bIns="0" anchor="ctr"/>
+          <a:bodyPr lIns="0" tIns="0" rIns="0" bIns="0" anchor="ctr"/>
+          <a:lstStyle/>
           <a:p>
             <a:pPr algn="ctr">
               <a:lnSpc>
@@ -3904,7 +4753,7 @@
               </a:lnSpc>
             </a:pPr>
             <a:r>
-              <a:rPr b="0" lang="cs-CZ" sz="4400" spc="-1" strike="noStrike">
+              <a:rPr lang="cs-CZ" sz="4400" b="0" strike="noStrike" spc="-1">
                 <a:solidFill>
                   <a:srgbClr val="000000"/>
                 </a:solidFill>
@@ -3913,7 +4762,7 @@
               </a:rPr>
               <a:t>Druhý program - melodie</a:t>
             </a:r>
-            <a:endParaRPr b="0" lang="cs-CZ" sz="4400" spc="-1" strike="noStrike">
+            <a:endParaRPr lang="cs-CZ" sz="4400" b="0" strike="noStrike" spc="-1">
               <a:latin typeface="Arial"/>
             </a:endParaRPr>
           </a:p>
@@ -3934,29 +4783,36 @@
             <a:avLst/>
           </a:prstGeom>
           <a:solidFill>
-            <a:srgbClr val="dddddd"/>
+            <a:srgbClr val="DDDDDD"/>
           </a:solidFill>
           <a:ln>
             <a:solidFill>
-              <a:srgbClr val="3465a4"/>
+              <a:srgbClr val="3465A4"/>
             </a:solidFill>
           </a:ln>
         </p:spPr>
         <p:style>
-          <a:lnRef idx="0"/>
-          <a:fillRef idx="0"/>
-          <a:effectRef idx="0"/>
+          <a:lnRef idx="0">
+            <a:scrgbClr r="0" g="0" b="0"/>
+          </a:lnRef>
+          <a:fillRef idx="0">
+            <a:scrgbClr r="0" g="0" b="0"/>
+          </a:fillRef>
+          <a:effectRef idx="0">
+            <a:scrgbClr r="0" g="0" b="0"/>
+          </a:effectRef>
           <a:fontRef idx="minor"/>
         </p:style>
         <p:txBody>
-          <a:bodyPr wrap="none" lIns="90000" rIns="90000" tIns="45000" bIns="45000"/>
+          <a:bodyPr wrap="none" lIns="90000" tIns="45000" rIns="90000" bIns="45000"/>
+          <a:lstStyle/>
           <a:p>
             <a:pPr>
               <a:lnSpc>
                 <a:spcPct val="100000"/>
               </a:lnSpc>
             </a:pPr>
-            <a:endParaRPr b="0" lang="cs-CZ" sz="1800" spc="-1" strike="noStrike">
+            <a:endParaRPr lang="cs-CZ" sz="1800" b="0" strike="noStrike" spc="-1">
               <a:latin typeface="Arial"/>
             </a:endParaRPr>
           </a:p>
@@ -3967,87 +4823,77 @@
               </a:lnSpc>
             </a:pPr>
             <a:r>
-              <a:rPr b="0" lang="cs-CZ" sz="1800" spc="-1" strike="noStrike">
+              <a:rPr lang="cs-CZ" sz="1800" b="0" strike="noStrike" spc="-1">
                 <a:solidFill>
                   <a:srgbClr val="008000"/>
                 </a:solidFill>
                 <a:latin typeface="Courier New"/>
                 <a:ea typeface="DejaVu Sans"/>
               </a:rPr>
+              <a:t> fro</a:t>
+            </a:r>
+            <a:r>
+              <a:rPr lang="cs-CZ" sz="1800" b="0" strike="noStrike" spc="-1">
+                <a:solidFill>
+                  <a:srgbClr val="000000"/>
+                </a:solidFill>
+                <a:latin typeface="Courier New"/>
+                <a:ea typeface="DejaVu Sans"/>
+              </a:rPr>
+              <a:t>m</a:t>
+            </a:r>
+            <a:r>
+              <a:rPr lang="cs-CZ" sz="1800" b="0" strike="noStrike" spc="-1">
+                <a:solidFill>
+                  <a:srgbClr val="0000FF"/>
+                </a:solidFill>
+                <a:latin typeface="Courier New"/>
+                <a:ea typeface="DejaVu Sans"/>
+              </a:rPr>
+              <a:t> microbi</a:t>
+            </a:r>
+            <a:r>
+              <a:rPr lang="cs-CZ" sz="1800" b="0" strike="noStrike" spc="-1">
+                <a:solidFill>
+                  <a:srgbClr val="000000"/>
+                </a:solidFill>
+                <a:latin typeface="Courier New"/>
+                <a:ea typeface="DejaVu Sans"/>
+              </a:rPr>
+              <a:t>t</a:t>
+            </a:r>
+            <a:r>
+              <a:rPr lang="cs-CZ" sz="1800" b="0" strike="noStrike" spc="-1">
+                <a:solidFill>
+                  <a:srgbClr val="008000"/>
+                </a:solidFill>
+                <a:latin typeface="Courier New"/>
+                <a:ea typeface="DejaVu Sans"/>
+              </a:rPr>
+              <a:t> impor</a:t>
+            </a:r>
+            <a:r>
+              <a:rPr lang="cs-CZ" sz="1800" b="0" strike="noStrike" spc="-1">
+                <a:solidFill>
+                  <a:srgbClr val="000000"/>
+                </a:solidFill>
+                <a:latin typeface="Courier New"/>
+                <a:ea typeface="DejaVu Sans"/>
+              </a:rPr>
+              <a:t>t</a:t>
+            </a:r>
+            <a:r>
+              <a:rPr lang="cs-CZ" sz="1800" b="0" strike="noStrike" spc="-1">
+                <a:solidFill>
+                  <a:srgbClr val="666666"/>
+                </a:solidFill>
+                <a:latin typeface="Courier New"/>
+                <a:ea typeface="DejaVu Sans"/>
+              </a:rPr>
               <a:t> </a:t>
             </a:r>
             <a:r>
-              <a:rPr b="0" lang="cs-CZ" sz="1800" spc="-1" strike="noStrike">
-                <a:solidFill>
-                  <a:srgbClr val="008000"/>
-                </a:solidFill>
-                <a:latin typeface="Courier New"/>
-                <a:ea typeface="DejaVu Sans"/>
-              </a:rPr>
-              <a:t>fro</a:t>
-            </a:r>
-            <a:r>
-              <a:rPr b="0" lang="cs-CZ" sz="1800" spc="-1" strike="noStrike">
-                <a:solidFill>
-                  <a:srgbClr val="000000"/>
-                </a:solidFill>
-                <a:latin typeface="Courier New"/>
-                <a:ea typeface="DejaVu Sans"/>
-              </a:rPr>
-              <a:t>m</a:t>
-            </a:r>
-            <a:r>
-              <a:rPr b="0" lang="cs-CZ" sz="1800" spc="-1" strike="noStrike">
-                <a:solidFill>
-                  <a:srgbClr val="0000ff"/>
-                </a:solidFill>
-                <a:latin typeface="Courier New"/>
-                <a:ea typeface="DejaVu Sans"/>
-              </a:rPr>
-              <a:t> microbi</a:t>
-            </a:r>
-            <a:r>
-              <a:rPr b="0" lang="cs-CZ" sz="1800" spc="-1" strike="noStrike">
-                <a:solidFill>
-                  <a:srgbClr val="000000"/>
-                </a:solidFill>
-                <a:latin typeface="Courier New"/>
-                <a:ea typeface="DejaVu Sans"/>
-              </a:rPr>
-              <a:t>t</a:t>
-            </a:r>
-            <a:r>
-              <a:rPr b="0" lang="cs-CZ" sz="1800" spc="-1" strike="noStrike">
-                <a:solidFill>
-                  <a:srgbClr val="008000"/>
-                </a:solidFill>
-                <a:latin typeface="Courier New"/>
-                <a:ea typeface="DejaVu Sans"/>
-              </a:rPr>
-              <a:t> impor</a:t>
-            </a:r>
-            <a:r>
-              <a:rPr b="0" lang="cs-CZ" sz="1800" spc="-1" strike="noStrike">
-                <a:solidFill>
-                  <a:srgbClr val="000000"/>
-                </a:solidFill>
-                <a:latin typeface="Courier New"/>
-                <a:ea typeface="DejaVu Sans"/>
-              </a:rPr>
-              <a:t>t</a:t>
-            </a:r>
-            <a:r>
-              <a:rPr b="0" lang="cs-CZ" sz="1800" spc="-1" strike="noStrike">
-                <a:solidFill>
-                  <a:srgbClr val="666666"/>
-                </a:solidFill>
-                <a:latin typeface="Courier New"/>
-                <a:ea typeface="DejaVu Sans"/>
-              </a:rPr>
-              <a:t> </a:t>
-            </a:r>
-            <a:r>
-              <a:rPr b="0" lang="cs-CZ" sz="1800" spc="-1" strike="noStrike">
+              <a:rPr lang="cs-CZ" sz="1800" b="0" strike="noStrike" spc="-1">
                 <a:solidFill>
                   <a:srgbClr val="000000"/>
                 </a:solidFill>
@@ -4056,7 +4902,7 @@
               </a:rPr>
               <a:t>*</a:t>
             </a:r>
-            <a:endParaRPr b="0" lang="cs-CZ" sz="1800" spc="-1" strike="noStrike">
+            <a:endParaRPr lang="cs-CZ" sz="1800" b="0" strike="noStrike" spc="-1">
               <a:latin typeface="Arial"/>
             </a:endParaRPr>
           </a:p>
@@ -4067,27 +4913,17 @@
               </a:lnSpc>
             </a:pPr>
             <a:r>
-              <a:rPr b="0" lang="cs-CZ" sz="1800" spc="-1" strike="noStrike">
+              <a:rPr lang="cs-CZ" sz="1800" b="0" strike="noStrike" spc="-1">
                 <a:solidFill>
                   <a:srgbClr val="008000"/>
                 </a:solidFill>
                 <a:latin typeface="Courier New"/>
                 <a:ea typeface="DejaVu Sans"/>
               </a:rPr>
-              <a:t> </a:t>
-            </a:r>
-            <a:r>
-              <a:rPr b="0" lang="cs-CZ" sz="1800" spc="-1" strike="noStrike">
-                <a:solidFill>
-                  <a:srgbClr val="008000"/>
-                </a:solidFill>
-                <a:latin typeface="Courier New"/>
-                <a:ea typeface="DejaVu Sans"/>
-              </a:rPr>
-              <a:t>impor</a:t>
-            </a:r>
-            <a:r>
-              <a:rPr b="0" lang="cs-CZ" sz="1800" spc="-1" strike="noStrike">
+              <a:t> impor</a:t>
+            </a:r>
+            <a:r>
+              <a:rPr lang="cs-CZ" sz="1800" b="0" strike="noStrike" spc="-1">
                 <a:solidFill>
                   <a:srgbClr val="000000"/>
                 </a:solidFill>
@@ -4097,9 +4933,9 @@
               <a:t>t</a:t>
             </a:r>
             <a:r>
-              <a:rPr b="0" lang="cs-CZ" sz="1800" spc="-1" strike="noStrike">
-                <a:solidFill>
-                  <a:srgbClr val="0000ff"/>
+              <a:rPr lang="cs-CZ" sz="1800" b="0" strike="noStrike" spc="-1">
+                <a:solidFill>
+                  <a:srgbClr val="0000FF"/>
                 </a:solidFill>
                 <a:latin typeface="Courier New"/>
                 <a:ea typeface="DejaVu Sans"/>
@@ -4107,7 +4943,7 @@
               <a:t> musi</a:t>
             </a:r>
             <a:r>
-              <a:rPr b="0" lang="cs-CZ" sz="1800" spc="-1" strike="noStrike">
+              <a:rPr lang="cs-CZ" sz="1800" b="0" strike="noStrike" spc="-1">
                 <a:solidFill>
                   <a:srgbClr val="000000"/>
                 </a:solidFill>
@@ -4116,7 +4952,7 @@
               </a:rPr>
               <a:t>c</a:t>
             </a:r>
-            <a:endParaRPr b="0" lang="cs-CZ" sz="1800" spc="-1" strike="noStrike">
+            <a:endParaRPr lang="cs-CZ" sz="1800" b="0" strike="noStrike" spc="-1">
               <a:latin typeface="Arial"/>
             </a:endParaRPr>
           </a:p>
@@ -4126,7 +4962,7 @@
                 <a:spcPct val="100000"/>
               </a:lnSpc>
             </a:pPr>
-            <a:endParaRPr b="0" lang="cs-CZ" sz="1800" spc="-1" strike="noStrike">
+            <a:endParaRPr lang="cs-CZ" sz="1800" b="0" strike="noStrike" spc="-1">
               <a:latin typeface="Arial"/>
             </a:endParaRPr>
           </a:p>
@@ -4137,9 +4973,19 @@
               </a:lnSpc>
             </a:pPr>
             <a:r>
-              <a:rPr b="0" lang="cs-CZ" sz="1800" spc="-1" strike="noStrike">
-                <a:solidFill>
-                  <a:srgbClr val="000000"/>
+              <a:rPr lang="cs-CZ" sz="1800" b="0" strike="noStrike" spc="-1">
+                <a:solidFill>
+                  <a:srgbClr val="000000"/>
+                </a:solidFill>
+                <a:latin typeface="Courier New"/>
+                <a:ea typeface="DejaVu Sans"/>
+              </a:rPr>
+              <a:t> nota</a:t>
+            </a:r>
+            <a:r>
+              <a:rPr lang="cs-CZ" sz="1800" b="0" strike="noStrike" spc="-1">
+                <a:solidFill>
+                  <a:srgbClr val="666666"/>
                 </a:solidFill>
                 <a:latin typeface="Courier New"/>
                 <a:ea typeface="DejaVu Sans"/>
@@ -4147,27 +4993,7 @@
               <a:t> </a:t>
             </a:r>
             <a:r>
-              <a:rPr b="0" lang="cs-CZ" sz="1800" spc="-1" strike="noStrike">
-                <a:solidFill>
-                  <a:srgbClr val="000000"/>
-                </a:solidFill>
-                <a:latin typeface="Courier New"/>
-                <a:ea typeface="DejaVu Sans"/>
-              </a:rPr>
-              <a:t>nota</a:t>
-            </a:r>
-            <a:r>
-              <a:rPr b="0" lang="cs-CZ" sz="1800" spc="-1" strike="noStrike">
-                <a:solidFill>
-                  <a:srgbClr val="666666"/>
-                </a:solidFill>
-                <a:latin typeface="Courier New"/>
-                <a:ea typeface="DejaVu Sans"/>
-              </a:rPr>
-              <a:t> </a:t>
-            </a:r>
-            <a:r>
-              <a:rPr b="0" lang="cs-CZ" sz="1800" spc="-1" strike="noStrike">
+              <a:rPr lang="cs-CZ" sz="1800" b="0" strike="noStrike" spc="-1">
                 <a:solidFill>
                   <a:srgbClr val="000000"/>
                 </a:solidFill>
@@ -4177,9 +5003,9 @@
               <a:t>= </a:t>
             </a:r>
             <a:r>
-              <a:rPr b="0" lang="cs-CZ" sz="1800" spc="-1" strike="noStrike">
-                <a:solidFill>
-                  <a:srgbClr val="ba2121"/>
+              <a:rPr lang="cs-CZ" sz="1800" b="0" strike="noStrike" spc="-1">
+                <a:solidFill>
+                  <a:srgbClr val="BA2121"/>
                 </a:solidFill>
                 <a:latin typeface="Courier New"/>
                 <a:ea typeface="DejaVu Sans"/>
@@ -4187,7 +5013,7 @@
               <a:t>["C4:4</a:t>
             </a:r>
             <a:r>
-              <a:rPr b="0" lang="cs-CZ" sz="1800" spc="-1" strike="noStrike">
+              <a:rPr lang="cs-CZ" sz="1800" b="0" strike="noStrike" spc="-1">
                 <a:solidFill>
                   <a:srgbClr val="000000"/>
                 </a:solidFill>
@@ -4197,9 +5023,9 @@
               <a:t>",</a:t>
             </a:r>
             <a:r>
-              <a:rPr b="0" lang="cs-CZ" sz="1800" spc="-1" strike="noStrike">
-                <a:solidFill>
-                  <a:srgbClr val="ba2121"/>
+              <a:rPr lang="cs-CZ" sz="1800" b="0" strike="noStrike" spc="-1">
+                <a:solidFill>
+                  <a:srgbClr val="BA2121"/>
                 </a:solidFill>
                 <a:latin typeface="Courier New"/>
                 <a:ea typeface="DejaVu Sans"/>
@@ -4207,7 +5033,7 @@
               <a:t> "R:1</a:t>
             </a:r>
             <a:r>
-              <a:rPr b="0" lang="cs-CZ" sz="1800" spc="-1" strike="noStrike">
+              <a:rPr lang="cs-CZ" sz="1800" b="0" strike="noStrike" spc="-1">
                 <a:solidFill>
                   <a:srgbClr val="000000"/>
                 </a:solidFill>
@@ -4217,9 +5043,9 @@
               <a:t>",</a:t>
             </a:r>
             <a:r>
-              <a:rPr b="0" lang="cs-CZ" sz="1800" spc="-1" strike="noStrike">
-                <a:solidFill>
-                  <a:srgbClr val="ba2121"/>
+              <a:rPr lang="cs-CZ" sz="1800" b="0" strike="noStrike" spc="-1">
+                <a:solidFill>
+                  <a:srgbClr val="BA2121"/>
                 </a:solidFill>
                 <a:latin typeface="Courier New"/>
                 <a:ea typeface="DejaVu Sans"/>
@@ -4227,7 +5053,7 @@
               <a:t> "E4:4</a:t>
             </a:r>
             <a:r>
-              <a:rPr b="0" lang="cs-CZ" sz="1800" spc="-1" strike="noStrike">
+              <a:rPr lang="cs-CZ" sz="1800" b="0" strike="noStrike" spc="-1">
                 <a:solidFill>
                   <a:srgbClr val="000000"/>
                 </a:solidFill>
@@ -4237,9 +5063,9 @@
               <a:t>",</a:t>
             </a:r>
             <a:r>
-              <a:rPr b="0" lang="cs-CZ" sz="1800" spc="-1" strike="noStrike">
-                <a:solidFill>
-                  <a:srgbClr val="ba2121"/>
+              <a:rPr lang="cs-CZ" sz="1800" b="0" strike="noStrike" spc="-1">
+                <a:solidFill>
+                  <a:srgbClr val="BA2121"/>
                 </a:solidFill>
                 <a:latin typeface="Courier New"/>
                 <a:ea typeface="DejaVu Sans"/>
@@ -4247,7 +5073,7 @@
               <a:t> "R:1</a:t>
             </a:r>
             <a:r>
-              <a:rPr b="0" lang="cs-CZ" sz="1800" spc="-1" strike="noStrike">
+              <a:rPr lang="cs-CZ" sz="1800" b="0" strike="noStrike" spc="-1">
                 <a:solidFill>
                   <a:srgbClr val="000000"/>
                 </a:solidFill>
@@ -4257,9 +5083,9 @@
               <a:t>",</a:t>
             </a:r>
             <a:r>
-              <a:rPr b="0" lang="cs-CZ" sz="1800" spc="-1" strike="noStrike">
-                <a:solidFill>
-                  <a:srgbClr val="ba2121"/>
+              <a:rPr lang="cs-CZ" sz="1800" b="0" strike="noStrike" spc="-1">
+                <a:solidFill>
+                  <a:srgbClr val="BA2121"/>
                 </a:solidFill>
                 <a:latin typeface="Courier New"/>
                 <a:ea typeface="DejaVu Sans"/>
@@ -4267,7 +5093,7 @@
               <a:t> "F4:4</a:t>
             </a:r>
             <a:r>
-              <a:rPr b="0" lang="cs-CZ" sz="1800" spc="-1" strike="noStrike">
+              <a:rPr lang="cs-CZ" sz="1800" b="0" strike="noStrike" spc="-1">
                 <a:solidFill>
                   <a:srgbClr val="000000"/>
                 </a:solidFill>
@@ -4277,9 +5103,9 @@
               <a:t>",</a:t>
             </a:r>
             <a:r>
-              <a:rPr b="0" lang="cs-CZ" sz="1800" spc="-1" strike="noStrike">
-                <a:solidFill>
-                  <a:srgbClr val="ba2121"/>
+              <a:rPr lang="cs-CZ" sz="1800" b="0" strike="noStrike" spc="-1">
+                <a:solidFill>
+                  <a:srgbClr val="BA2121"/>
                 </a:solidFill>
                 <a:latin typeface="Courier New"/>
                 <a:ea typeface="DejaVu Sans"/>
@@ -4287,7 +5113,7 @@
               <a:t> "R:4</a:t>
             </a:r>
             <a:r>
-              <a:rPr b="0" lang="cs-CZ" sz="1800" spc="-1" strike="noStrike">
+              <a:rPr lang="cs-CZ" sz="1800" b="0" strike="noStrike" spc="-1">
                 <a:solidFill>
                   <a:srgbClr val="000000"/>
                 </a:solidFill>
@@ -4297,9 +5123,9 @@
               <a:t>",</a:t>
             </a:r>
             <a:r>
-              <a:rPr b="0" lang="cs-CZ" sz="1800" spc="-1" strike="noStrike">
-                <a:solidFill>
-                  <a:srgbClr val="ba2121"/>
+              <a:rPr lang="cs-CZ" sz="1800" b="0" strike="noStrike" spc="-1">
+                <a:solidFill>
+                  <a:srgbClr val="BA2121"/>
                 </a:solidFill>
                 <a:latin typeface="Courier New"/>
                 <a:ea typeface="DejaVu Sans"/>
@@ -4307,7 +5133,7 @@
               <a:t> "C4:4</a:t>
             </a:r>
             <a:r>
-              <a:rPr b="0" lang="cs-CZ" sz="1800" spc="-1" strike="noStrike">
+              <a:rPr lang="cs-CZ" sz="1800" b="0" strike="noStrike" spc="-1">
                 <a:solidFill>
                   <a:srgbClr val="000000"/>
                 </a:solidFill>
@@ -4316,7 +5142,7 @@
               </a:rPr>
               <a:t>",          </a:t>
             </a:r>
-            <a:endParaRPr b="0" lang="cs-CZ" sz="1800" spc="-1" strike="noStrike">
+            <a:endParaRPr lang="cs-CZ" sz="1800" b="0" strike="noStrike" spc="-1">
               <a:latin typeface="Arial"/>
             </a:endParaRPr>
           </a:p>
@@ -4327,7 +5153,7 @@
               </a:lnSpc>
             </a:pPr>
             <a:r>
-              <a:rPr b="0" lang="cs-CZ" sz="1800" spc="-1" strike="noStrike">
+              <a:rPr lang="cs-CZ" sz="1800" b="0" strike="noStrike" spc="-1">
                 <a:solidFill>
                   <a:srgbClr val="000000"/>
                 </a:solidFill>
@@ -4337,27 +5163,17 @@
               <a:t>       </a:t>
             </a:r>
             <a:r>
-              <a:rPr b="0" lang="cs-CZ" sz="1800" spc="-1" strike="noStrike">
-                <a:solidFill>
-                  <a:srgbClr val="ba2121"/>
-                </a:solidFill>
-                <a:latin typeface="Courier New"/>
-                <a:ea typeface="DejaVu Sans"/>
-              </a:rPr>
-              <a:t>  </a:t>
-            </a:r>
-            <a:r>
-              <a:rPr b="0" lang="cs-CZ" sz="1800" spc="-1" strike="noStrike">
-                <a:solidFill>
-                  <a:srgbClr val="ba2121"/>
-                </a:solidFill>
-                <a:latin typeface="Courier New"/>
-                <a:ea typeface="DejaVu Sans"/>
-              </a:rPr>
-              <a:t>"R:1</a:t>
-            </a:r>
-            <a:r>
-              <a:rPr b="0" lang="cs-CZ" sz="1800" spc="-1" strike="noStrike">
+              <a:rPr lang="cs-CZ" sz="1800" b="0" strike="noStrike" spc="-1">
+                <a:solidFill>
+                  <a:srgbClr val="BA2121"/>
+                </a:solidFill>
+                <a:latin typeface="Courier New"/>
+                <a:ea typeface="DejaVu Sans"/>
+              </a:rPr>
+              <a:t>  "R:1</a:t>
+            </a:r>
+            <a:r>
+              <a:rPr lang="cs-CZ" sz="1800" b="0" strike="noStrike" spc="-1">
                 <a:solidFill>
                   <a:srgbClr val="000000"/>
                 </a:solidFill>
@@ -4367,9 +5183,9 @@
               <a:t>",</a:t>
             </a:r>
             <a:r>
-              <a:rPr b="0" lang="cs-CZ" sz="1800" spc="-1" strike="noStrike">
-                <a:solidFill>
-                  <a:srgbClr val="ba2121"/>
+              <a:rPr lang="cs-CZ" sz="1800" b="0" strike="noStrike" spc="-1">
+                <a:solidFill>
+                  <a:srgbClr val="BA2121"/>
                 </a:solidFill>
                 <a:latin typeface="Courier New"/>
                 <a:ea typeface="DejaVu Sans"/>
@@ -4377,7 +5193,7 @@
               <a:t> "E4:4</a:t>
             </a:r>
             <a:r>
-              <a:rPr b="0" lang="cs-CZ" sz="1800" spc="-1" strike="noStrike">
+              <a:rPr lang="cs-CZ" sz="1800" b="0" strike="noStrike" spc="-1">
                 <a:solidFill>
                   <a:srgbClr val="000000"/>
                 </a:solidFill>
@@ -4387,9 +5203,9 @@
               <a:t>",</a:t>
             </a:r>
             <a:r>
-              <a:rPr b="0" lang="cs-CZ" sz="1800" spc="-1" strike="noStrike">
-                <a:solidFill>
-                  <a:srgbClr val="ba2121"/>
+              <a:rPr lang="cs-CZ" sz="1800" b="0" strike="noStrike" spc="-1">
+                <a:solidFill>
+                  <a:srgbClr val="BA2121"/>
                 </a:solidFill>
                 <a:latin typeface="Courier New"/>
                 <a:ea typeface="DejaVu Sans"/>
@@ -4397,7 +5213,7 @@
               <a:t> "R:1</a:t>
             </a:r>
             <a:r>
-              <a:rPr b="0" lang="cs-CZ" sz="1800" spc="-1" strike="noStrike">
+              <a:rPr lang="cs-CZ" sz="1800" b="0" strike="noStrike" spc="-1">
                 <a:solidFill>
                   <a:srgbClr val="000000"/>
                 </a:solidFill>
@@ -4407,9 +5223,9 @@
               <a:t>",</a:t>
             </a:r>
             <a:r>
-              <a:rPr b="0" lang="cs-CZ" sz="1800" spc="-1" strike="noStrike">
-                <a:solidFill>
-                  <a:srgbClr val="ba2121"/>
+              <a:rPr lang="cs-CZ" sz="1800" b="0" strike="noStrike" spc="-1">
+                <a:solidFill>
+                  <a:srgbClr val="BA2121"/>
                 </a:solidFill>
                 <a:latin typeface="Courier New"/>
                 <a:ea typeface="DejaVu Sans"/>
@@ -4417,7 +5233,7 @@
               <a:t> "F4:4</a:t>
             </a:r>
             <a:r>
-              <a:rPr b="0" lang="cs-CZ" sz="1800" spc="-1" strike="noStrike">
+              <a:rPr lang="cs-CZ" sz="1800" b="0" strike="noStrike" spc="-1">
                 <a:solidFill>
                   <a:srgbClr val="000000"/>
                 </a:solidFill>
@@ -4427,9 +5243,9 @@
               <a:t>",</a:t>
             </a:r>
             <a:r>
-              <a:rPr b="0" lang="cs-CZ" sz="1800" spc="-1" strike="noStrike">
-                <a:solidFill>
-                  <a:srgbClr val="ba2121"/>
+              <a:rPr lang="cs-CZ" sz="1800" b="0" strike="noStrike" spc="-1">
+                <a:solidFill>
+                  <a:srgbClr val="BA2121"/>
                 </a:solidFill>
                 <a:latin typeface="Courier New"/>
                 <a:ea typeface="DejaVu Sans"/>
@@ -4437,7 +5253,7 @@
               <a:t> "R:4</a:t>
             </a:r>
             <a:r>
-              <a:rPr b="0" lang="cs-CZ" sz="1800" spc="-1" strike="noStrike">
+              <a:rPr lang="cs-CZ" sz="1800" b="0" strike="noStrike" spc="-1">
                 <a:solidFill>
                   <a:srgbClr val="000000"/>
                 </a:solidFill>
@@ -4446,7 +5262,7 @@
               </a:rPr>
               <a:t>",</a:t>
             </a:r>
-            <a:endParaRPr b="0" lang="cs-CZ" sz="1800" spc="-1" strike="noStrike">
+            <a:endParaRPr lang="cs-CZ" sz="1800" b="0" strike="noStrike" spc="-1">
               <a:latin typeface="Arial"/>
             </a:endParaRPr>
           </a:p>
@@ -4457,7 +5273,7 @@
               </a:lnSpc>
             </a:pPr>
             <a:r>
-              <a:rPr b="0" lang="cs-CZ" sz="1800" spc="-1" strike="noStrike">
+              <a:rPr lang="cs-CZ" sz="1800" b="0" strike="noStrike" spc="-1">
                 <a:solidFill>
                   <a:srgbClr val="000000"/>
                 </a:solidFill>
@@ -4467,27 +5283,17 @@
               <a:t>      </a:t>
             </a:r>
             <a:r>
-              <a:rPr b="0" lang="cs-CZ" sz="1800" spc="-1" strike="noStrike">
-                <a:solidFill>
-                  <a:srgbClr val="ba2121"/>
-                </a:solidFill>
-                <a:latin typeface="Courier New"/>
-                <a:ea typeface="DejaVu Sans"/>
-              </a:rPr>
-              <a:t>   </a:t>
-            </a:r>
-            <a:r>
-              <a:rPr b="0" lang="cs-CZ" sz="1800" spc="-1" strike="noStrike">
-                <a:solidFill>
-                  <a:srgbClr val="ba2121"/>
-                </a:solidFill>
-                <a:latin typeface="Courier New"/>
-                <a:ea typeface="DejaVu Sans"/>
-              </a:rPr>
-              <a:t>"E4:2</a:t>
-            </a:r>
-            <a:r>
-              <a:rPr b="0" lang="cs-CZ" sz="1800" spc="-1" strike="noStrike">
+              <a:rPr lang="cs-CZ" sz="1800" b="0" strike="noStrike" spc="-1">
+                <a:solidFill>
+                  <a:srgbClr val="BA2121"/>
+                </a:solidFill>
+                <a:latin typeface="Courier New"/>
+                <a:ea typeface="DejaVu Sans"/>
+              </a:rPr>
+              <a:t>   "E4:2</a:t>
+            </a:r>
+            <a:r>
+              <a:rPr lang="cs-CZ" sz="1800" b="0" strike="noStrike" spc="-1">
                 <a:solidFill>
                   <a:srgbClr val="000000"/>
                 </a:solidFill>
@@ -4497,9 +5303,9 @@
               <a:t>",</a:t>
             </a:r>
             <a:r>
-              <a:rPr b="0" lang="cs-CZ" sz="1800" spc="-1" strike="noStrike">
-                <a:solidFill>
-                  <a:srgbClr val="ba2121"/>
+              <a:rPr lang="cs-CZ" sz="1800" b="0" strike="noStrike" spc="-1">
+                <a:solidFill>
+                  <a:srgbClr val="BA2121"/>
                 </a:solidFill>
                 <a:latin typeface="Courier New"/>
                 <a:ea typeface="DejaVu Sans"/>
@@ -4507,7 +5313,7 @@
               <a:t> "R:1</a:t>
             </a:r>
             <a:r>
-              <a:rPr b="0" lang="cs-CZ" sz="1800" spc="-1" strike="noStrike">
+              <a:rPr lang="cs-CZ" sz="1800" b="0" strike="noStrike" spc="-1">
                 <a:solidFill>
                   <a:srgbClr val="000000"/>
                 </a:solidFill>
@@ -4517,9 +5323,9 @@
               <a:t>",</a:t>
             </a:r>
             <a:r>
-              <a:rPr b="0" lang="cs-CZ" sz="1800" spc="-1" strike="noStrike">
-                <a:solidFill>
-                  <a:srgbClr val="ba2121"/>
+              <a:rPr lang="cs-CZ" sz="1800" b="0" strike="noStrike" spc="-1">
+                <a:solidFill>
+                  <a:srgbClr val="BA2121"/>
                 </a:solidFill>
                 <a:latin typeface="Courier New"/>
                 <a:ea typeface="DejaVu Sans"/>
@@ -4527,7 +5333,7 @@
               <a:t> "E4,2</a:t>
             </a:r>
             <a:r>
-              <a:rPr b="0" lang="cs-CZ" sz="1800" spc="-1" strike="noStrike">
+              <a:rPr lang="cs-CZ" sz="1800" b="0" strike="noStrike" spc="-1">
                 <a:solidFill>
                   <a:srgbClr val="000000"/>
                 </a:solidFill>
@@ -4537,9 +5343,9 @@
               <a:t>",</a:t>
             </a:r>
             <a:r>
-              <a:rPr b="0" lang="cs-CZ" sz="1800" spc="-1" strike="noStrike">
-                <a:solidFill>
-                  <a:srgbClr val="ba2121"/>
+              <a:rPr lang="cs-CZ" sz="1800" b="0" strike="noStrike" spc="-1">
+                <a:solidFill>
+                  <a:srgbClr val="BA2121"/>
                 </a:solidFill>
                 <a:latin typeface="Courier New"/>
                 <a:ea typeface="DejaVu Sans"/>
@@ -4547,7 +5353,7 @@
               <a:t> "R:1</a:t>
             </a:r>
             <a:r>
-              <a:rPr b="0" lang="cs-CZ" sz="1800" spc="-1" strike="noStrike">
+              <a:rPr lang="cs-CZ" sz="1800" b="0" strike="noStrike" spc="-1">
                 <a:solidFill>
                   <a:srgbClr val="000000"/>
                 </a:solidFill>
@@ -4557,9 +5363,9 @@
               <a:t>",</a:t>
             </a:r>
             <a:r>
-              <a:rPr b="0" lang="cs-CZ" sz="1800" spc="-1" strike="noStrike">
-                <a:solidFill>
-                  <a:srgbClr val="ba2121"/>
+              <a:rPr lang="cs-CZ" sz="1800" b="0" strike="noStrike" spc="-1">
+                <a:solidFill>
+                  <a:srgbClr val="BA2121"/>
                 </a:solidFill>
                 <a:latin typeface="Courier New"/>
                 <a:ea typeface="DejaVu Sans"/>
@@ -4567,7 +5373,7 @@
               <a:t> "D4:2</a:t>
             </a:r>
             <a:r>
-              <a:rPr b="0" lang="cs-CZ" sz="1800" spc="-1" strike="noStrike">
+              <a:rPr lang="cs-CZ" sz="1800" b="0" strike="noStrike" spc="-1">
                 <a:solidFill>
                   <a:srgbClr val="000000"/>
                 </a:solidFill>
@@ -4577,9 +5383,9 @@
               <a:t>",</a:t>
             </a:r>
             <a:r>
-              <a:rPr b="0" lang="cs-CZ" sz="1800" spc="-1" strike="noStrike">
-                <a:solidFill>
-                  <a:srgbClr val="ba2121"/>
+              <a:rPr lang="cs-CZ" sz="1800" b="0" strike="noStrike" spc="-1">
+                <a:solidFill>
+                  <a:srgbClr val="BA2121"/>
                 </a:solidFill>
                 <a:latin typeface="Courier New"/>
                 <a:ea typeface="DejaVu Sans"/>
@@ -4587,7 +5393,7 @@
               <a:t> "R:1</a:t>
             </a:r>
             <a:r>
-              <a:rPr b="0" lang="cs-CZ" sz="1800" spc="-1" strike="noStrike">
+              <a:rPr lang="cs-CZ" sz="1800" b="0" strike="noStrike" spc="-1">
                 <a:solidFill>
                   <a:srgbClr val="000000"/>
                 </a:solidFill>
@@ -4597,9 +5403,9 @@
               <a:t>",</a:t>
             </a:r>
             <a:r>
-              <a:rPr b="0" lang="cs-CZ" sz="1800" spc="-1" strike="noStrike">
-                <a:solidFill>
-                  <a:srgbClr val="ba2121"/>
+              <a:rPr lang="cs-CZ" sz="1800" b="0" strike="noStrike" spc="-1">
+                <a:solidFill>
+                  <a:srgbClr val="BA2121"/>
                 </a:solidFill>
                 <a:latin typeface="Courier New"/>
                 <a:ea typeface="DejaVu Sans"/>
@@ -4607,7 +5413,7 @@
               <a:t> "E4:2</a:t>
             </a:r>
             <a:r>
-              <a:rPr b="0" lang="cs-CZ" sz="1800" spc="-1" strike="noStrike">
+              <a:rPr lang="cs-CZ" sz="1800" b="0" strike="noStrike" spc="-1">
                 <a:solidFill>
                   <a:srgbClr val="000000"/>
                 </a:solidFill>
@@ -4616,7 +5422,7 @@
               </a:rPr>
               <a:t>",</a:t>
             </a:r>
-            <a:endParaRPr b="0" lang="cs-CZ" sz="1800" spc="-1" strike="noStrike">
+            <a:endParaRPr lang="cs-CZ" sz="1800" b="0" strike="noStrike" spc="-1">
               <a:latin typeface="Arial"/>
             </a:endParaRPr>
           </a:p>
@@ -4627,7 +5433,7 @@
               </a:lnSpc>
             </a:pPr>
             <a:r>
-              <a:rPr b="0" lang="cs-CZ" sz="1800" spc="-1" strike="noStrike">
+              <a:rPr lang="cs-CZ" sz="1800" b="0" strike="noStrike" spc="-1">
                 <a:solidFill>
                   <a:srgbClr val="000000"/>
                 </a:solidFill>
@@ -4637,27 +5443,17 @@
               <a:t>      </a:t>
             </a:r>
             <a:r>
-              <a:rPr b="0" lang="cs-CZ" sz="1800" spc="-1" strike="noStrike">
-                <a:solidFill>
-                  <a:srgbClr val="ba2121"/>
-                </a:solidFill>
-                <a:latin typeface="Courier New"/>
-                <a:ea typeface="DejaVu Sans"/>
-              </a:rPr>
-              <a:t>   </a:t>
-            </a:r>
-            <a:r>
-              <a:rPr b="0" lang="cs-CZ" sz="1800" spc="-1" strike="noStrike">
-                <a:solidFill>
-                  <a:srgbClr val="ba2121"/>
-                </a:solidFill>
-                <a:latin typeface="Courier New"/>
-                <a:ea typeface="DejaVu Sans"/>
-              </a:rPr>
-              <a:t>"R:2</a:t>
-            </a:r>
-            <a:r>
-              <a:rPr b="0" lang="cs-CZ" sz="1800" spc="-1" strike="noStrike">
+              <a:rPr lang="cs-CZ" sz="1800" b="0" strike="noStrike" spc="-1">
+                <a:solidFill>
+                  <a:srgbClr val="BA2121"/>
+                </a:solidFill>
+                <a:latin typeface="Courier New"/>
+                <a:ea typeface="DejaVu Sans"/>
+              </a:rPr>
+              <a:t>   "R:2</a:t>
+            </a:r>
+            <a:r>
+              <a:rPr lang="cs-CZ" sz="1800" b="0" strike="noStrike" spc="-1">
                 <a:solidFill>
                   <a:srgbClr val="000000"/>
                 </a:solidFill>
@@ -4667,9 +5463,9 @@
               <a:t>",</a:t>
             </a:r>
             <a:r>
-              <a:rPr b="0" lang="cs-CZ" sz="1800" spc="-1" strike="noStrike">
-                <a:solidFill>
-                  <a:srgbClr val="ba2121"/>
+              <a:rPr lang="cs-CZ" sz="1800" b="0" strike="noStrike" spc="-1">
+                <a:solidFill>
+                  <a:srgbClr val="BA2121"/>
                 </a:solidFill>
                 <a:latin typeface="Courier New"/>
                 <a:ea typeface="DejaVu Sans"/>
@@ -4677,7 +5473,7 @@
               <a:t> "F4:2</a:t>
             </a:r>
             <a:r>
-              <a:rPr b="0" lang="cs-CZ" sz="1800" spc="-1" strike="noStrike">
+              <a:rPr lang="cs-CZ" sz="1800" b="0" strike="noStrike" spc="-1">
                 <a:solidFill>
                   <a:srgbClr val="000000"/>
                 </a:solidFill>
@@ -4687,9 +5483,9 @@
               <a:t>",</a:t>
             </a:r>
             <a:r>
-              <a:rPr b="0" lang="cs-CZ" sz="1800" spc="-1" strike="noStrike">
-                <a:solidFill>
-                  <a:srgbClr val="ba2121"/>
+              <a:rPr lang="cs-CZ" sz="1800" b="0" strike="noStrike" spc="-1">
+                <a:solidFill>
+                  <a:srgbClr val="BA2121"/>
                 </a:solidFill>
                 <a:latin typeface="Courier New"/>
                 <a:ea typeface="DejaVu Sans"/>
@@ -4697,7 +5493,7 @@
               <a:t> "R:1</a:t>
             </a:r>
             <a:r>
-              <a:rPr b="0" lang="cs-CZ" sz="1800" spc="-1" strike="noStrike">
+              <a:rPr lang="cs-CZ" sz="1800" b="0" strike="noStrike" spc="-1">
                 <a:solidFill>
                   <a:srgbClr val="000000"/>
                 </a:solidFill>
@@ -4707,9 +5503,9 @@
               <a:t>",</a:t>
             </a:r>
             <a:r>
-              <a:rPr b="0" lang="cs-CZ" sz="1800" spc="-1" strike="noStrike">
-                <a:solidFill>
-                  <a:srgbClr val="ba2121"/>
+              <a:rPr lang="cs-CZ" sz="1800" b="0" strike="noStrike" spc="-1">
+                <a:solidFill>
+                  <a:srgbClr val="BA2121"/>
                 </a:solidFill>
                 <a:latin typeface="Courier New"/>
                 <a:ea typeface="DejaVu Sans"/>
@@ -4717,7 +5513,7 @@
               <a:t> "D4:2</a:t>
             </a:r>
             <a:r>
-              <a:rPr b="0" lang="cs-CZ" sz="1800" spc="-1" strike="noStrike">
+              <a:rPr lang="cs-CZ" sz="1800" b="0" strike="noStrike" spc="-1">
                 <a:solidFill>
                   <a:srgbClr val="000000"/>
                 </a:solidFill>
@@ -4727,9 +5523,9 @@
               <a:t>",</a:t>
             </a:r>
             <a:r>
-              <a:rPr b="0" lang="cs-CZ" sz="1800" spc="-1" strike="noStrike">
-                <a:solidFill>
-                  <a:srgbClr val="ba2121"/>
+              <a:rPr lang="cs-CZ" sz="1800" b="0" strike="noStrike" spc="-1">
+                <a:solidFill>
+                  <a:srgbClr val="BA2121"/>
                 </a:solidFill>
                 <a:latin typeface="Courier New"/>
                 <a:ea typeface="DejaVu Sans"/>
@@ -4737,7 +5533,7 @@
               <a:t> "R:1</a:t>
             </a:r>
             <a:r>
-              <a:rPr b="0" lang="cs-CZ" sz="1800" spc="-1" strike="noStrike">
+              <a:rPr lang="cs-CZ" sz="1800" b="0" strike="noStrike" spc="-1">
                 <a:solidFill>
                   <a:srgbClr val="000000"/>
                 </a:solidFill>
@@ -4746,7 +5542,7 @@
               </a:rPr>
               <a:t>",</a:t>
             </a:r>
-            <a:endParaRPr b="0" lang="cs-CZ" sz="1800" spc="-1" strike="noStrike">
+            <a:endParaRPr lang="cs-CZ" sz="1800" b="0" strike="noStrike" spc="-1">
               <a:latin typeface="Arial"/>
             </a:endParaRPr>
           </a:p>
@@ -4757,7 +5553,7 @@
               </a:lnSpc>
             </a:pPr>
             <a:r>
-              <a:rPr b="0" lang="cs-CZ" sz="1800" spc="-1" strike="noStrike">
+              <a:rPr lang="cs-CZ" sz="1800" b="0" strike="noStrike" spc="-1">
                 <a:solidFill>
                   <a:srgbClr val="000000"/>
                 </a:solidFill>
@@ -4767,27 +5563,17 @@
               <a:t>      </a:t>
             </a:r>
             <a:r>
-              <a:rPr b="0" lang="cs-CZ" sz="1800" spc="-1" strike="noStrike">
-                <a:solidFill>
-                  <a:srgbClr val="ba2121"/>
-                </a:solidFill>
-                <a:latin typeface="Courier New"/>
-                <a:ea typeface="DejaVu Sans"/>
-              </a:rPr>
-              <a:t>   </a:t>
-            </a:r>
-            <a:r>
-              <a:rPr b="0" lang="cs-CZ" sz="1800" spc="-1" strike="noStrike">
-                <a:solidFill>
-                  <a:srgbClr val="ba2121"/>
-                </a:solidFill>
-                <a:latin typeface="Courier New"/>
-                <a:ea typeface="DejaVu Sans"/>
-              </a:rPr>
-              <a:t>"E4:2</a:t>
-            </a:r>
-            <a:r>
-              <a:rPr b="0" lang="cs-CZ" sz="1800" spc="-1" strike="noStrike">
+              <a:rPr lang="cs-CZ" sz="1800" b="0" strike="noStrike" spc="-1">
+                <a:solidFill>
+                  <a:srgbClr val="BA2121"/>
+                </a:solidFill>
+                <a:latin typeface="Courier New"/>
+                <a:ea typeface="DejaVu Sans"/>
+              </a:rPr>
+              <a:t>   "E4:2</a:t>
+            </a:r>
+            <a:r>
+              <a:rPr lang="cs-CZ" sz="1800" b="0" strike="noStrike" spc="-1">
                 <a:solidFill>
                   <a:srgbClr val="000000"/>
                 </a:solidFill>
@@ -4797,9 +5583,9 @@
               <a:t>",</a:t>
             </a:r>
             <a:r>
-              <a:rPr b="0" lang="cs-CZ" sz="1800" spc="-1" strike="noStrike">
-                <a:solidFill>
-                  <a:srgbClr val="ba2121"/>
+              <a:rPr lang="cs-CZ" sz="1800" b="0" strike="noStrike" spc="-1">
+                <a:solidFill>
+                  <a:srgbClr val="BA2121"/>
                 </a:solidFill>
                 <a:latin typeface="Courier New"/>
                 <a:ea typeface="DejaVu Sans"/>
@@ -4807,7 +5593,7 @@
               <a:t> "R:1</a:t>
             </a:r>
             <a:r>
-              <a:rPr b="0" lang="cs-CZ" sz="1800" spc="-1" strike="noStrike">
+              <a:rPr lang="cs-CZ" sz="1800" b="0" strike="noStrike" spc="-1">
                 <a:solidFill>
                   <a:srgbClr val="000000"/>
                 </a:solidFill>
@@ -4817,9 +5603,9 @@
               <a:t>",</a:t>
             </a:r>
             <a:r>
-              <a:rPr b="0" lang="cs-CZ" sz="1800" spc="-1" strike="noStrike">
-                <a:solidFill>
-                  <a:srgbClr val="ba2121"/>
+              <a:rPr lang="cs-CZ" sz="1800" b="0" strike="noStrike" spc="-1">
+                <a:solidFill>
+                  <a:srgbClr val="BA2121"/>
                 </a:solidFill>
                 <a:latin typeface="Courier New"/>
                 <a:ea typeface="DejaVu Sans"/>
@@ -4827,7 +5613,7 @@
               <a:t> "E4,2</a:t>
             </a:r>
             <a:r>
-              <a:rPr b="0" lang="cs-CZ" sz="1800" spc="-1" strike="noStrike">
+              <a:rPr lang="cs-CZ" sz="1800" b="0" strike="noStrike" spc="-1">
                 <a:solidFill>
                   <a:srgbClr val="000000"/>
                 </a:solidFill>
@@ -4837,9 +5623,9 @@
               <a:t>",</a:t>
             </a:r>
             <a:r>
-              <a:rPr b="0" lang="cs-CZ" sz="1800" spc="-1" strike="noStrike">
-                <a:solidFill>
-                  <a:srgbClr val="ba2121"/>
+              <a:rPr lang="cs-CZ" sz="1800" b="0" strike="noStrike" spc="-1">
+                <a:solidFill>
+                  <a:srgbClr val="BA2121"/>
                 </a:solidFill>
                 <a:latin typeface="Courier New"/>
                 <a:ea typeface="DejaVu Sans"/>
@@ -4847,7 +5633,7 @@
               <a:t> "R:1</a:t>
             </a:r>
             <a:r>
-              <a:rPr b="0" lang="cs-CZ" sz="1800" spc="-1" strike="noStrike">
+              <a:rPr lang="cs-CZ" sz="1800" b="0" strike="noStrike" spc="-1">
                 <a:solidFill>
                   <a:srgbClr val="000000"/>
                 </a:solidFill>
@@ -4857,9 +5643,9 @@
               <a:t>",</a:t>
             </a:r>
             <a:r>
-              <a:rPr b="0" lang="cs-CZ" sz="1800" spc="-1" strike="noStrike">
-                <a:solidFill>
-                  <a:srgbClr val="ba2121"/>
+              <a:rPr lang="cs-CZ" sz="1800" b="0" strike="noStrike" spc="-1">
+                <a:solidFill>
+                  <a:srgbClr val="BA2121"/>
                 </a:solidFill>
                 <a:latin typeface="Courier New"/>
                 <a:ea typeface="DejaVu Sans"/>
@@ -4867,7 +5653,7 @@
               <a:t> "D4:2</a:t>
             </a:r>
             <a:r>
-              <a:rPr b="0" lang="cs-CZ" sz="1800" spc="-1" strike="noStrike">
+              <a:rPr lang="cs-CZ" sz="1800" b="0" strike="noStrike" spc="-1">
                 <a:solidFill>
                   <a:srgbClr val="000000"/>
                 </a:solidFill>
@@ -4877,9 +5663,9 @@
               <a:t>",</a:t>
             </a:r>
             <a:r>
-              <a:rPr b="0" lang="cs-CZ" sz="1800" spc="-1" strike="noStrike">
-                <a:solidFill>
-                  <a:srgbClr val="ba2121"/>
+              <a:rPr lang="cs-CZ" sz="1800" b="0" strike="noStrike" spc="-1">
+                <a:solidFill>
+                  <a:srgbClr val="BA2121"/>
                 </a:solidFill>
                 <a:latin typeface="Courier New"/>
                 <a:ea typeface="DejaVu Sans"/>
@@ -4887,7 +5673,7 @@
               <a:t> "R:1</a:t>
             </a:r>
             <a:r>
-              <a:rPr b="0" lang="cs-CZ" sz="1800" spc="-1" strike="noStrike">
+              <a:rPr lang="cs-CZ" sz="1800" b="0" strike="noStrike" spc="-1">
                 <a:solidFill>
                   <a:srgbClr val="000000"/>
                 </a:solidFill>
@@ -4897,9 +5683,9 @@
               <a:t>",</a:t>
             </a:r>
             <a:r>
-              <a:rPr b="0" lang="cs-CZ" sz="1800" spc="-1" strike="noStrike">
-                <a:solidFill>
-                  <a:srgbClr val="ba2121"/>
+              <a:rPr lang="cs-CZ" sz="1800" b="0" strike="noStrike" spc="-1">
+                <a:solidFill>
+                  <a:srgbClr val="BA2121"/>
                 </a:solidFill>
                 <a:latin typeface="Courier New"/>
                 <a:ea typeface="DejaVu Sans"/>
@@ -4907,7 +5693,7 @@
               <a:t> "E4:2</a:t>
             </a:r>
             <a:r>
-              <a:rPr b="0" lang="cs-CZ" sz="1800" spc="-1" strike="noStrike">
+              <a:rPr lang="cs-CZ" sz="1800" b="0" strike="noStrike" spc="-1">
                 <a:solidFill>
                   <a:srgbClr val="000000"/>
                 </a:solidFill>
@@ -4916,7 +5702,7 @@
               </a:rPr>
               <a:t>",</a:t>
             </a:r>
-            <a:endParaRPr b="0" lang="cs-CZ" sz="1800" spc="-1" strike="noStrike">
+            <a:endParaRPr lang="cs-CZ" sz="1800" b="0" strike="noStrike" spc="-1">
               <a:latin typeface="Arial"/>
             </a:endParaRPr>
           </a:p>
@@ -4927,7 +5713,7 @@
               </a:lnSpc>
             </a:pPr>
             <a:r>
-              <a:rPr b="0" lang="cs-CZ" sz="1800" spc="-1" strike="noStrike">
+              <a:rPr lang="cs-CZ" sz="1800" b="0" strike="noStrike" spc="-1">
                 <a:solidFill>
                   <a:srgbClr val="000000"/>
                 </a:solidFill>
@@ -4937,27 +5723,17 @@
               <a:t>      </a:t>
             </a:r>
             <a:r>
-              <a:rPr b="0" lang="cs-CZ" sz="1800" spc="-1" strike="noStrike">
-                <a:solidFill>
-                  <a:srgbClr val="ba2121"/>
-                </a:solidFill>
-                <a:latin typeface="Courier New"/>
-                <a:ea typeface="DejaVu Sans"/>
-              </a:rPr>
-              <a:t>   </a:t>
-            </a:r>
-            <a:r>
-              <a:rPr b="0" lang="cs-CZ" sz="1800" spc="-1" strike="noStrike">
-                <a:solidFill>
-                  <a:srgbClr val="ba2121"/>
-                </a:solidFill>
-                <a:latin typeface="Courier New"/>
-                <a:ea typeface="DejaVu Sans"/>
-              </a:rPr>
-              <a:t>"R:2</a:t>
-            </a:r>
-            <a:r>
-              <a:rPr b="0" lang="cs-CZ" sz="1800" spc="-1" strike="noStrike">
+              <a:rPr lang="cs-CZ" sz="1800" b="0" strike="noStrike" spc="-1">
+                <a:solidFill>
+                  <a:srgbClr val="BA2121"/>
+                </a:solidFill>
+                <a:latin typeface="Courier New"/>
+                <a:ea typeface="DejaVu Sans"/>
+              </a:rPr>
+              <a:t>   "R:2</a:t>
+            </a:r>
+            <a:r>
+              <a:rPr lang="cs-CZ" sz="1800" b="0" strike="noStrike" spc="-1">
                 <a:solidFill>
                   <a:srgbClr val="000000"/>
                 </a:solidFill>
@@ -4967,9 +5743,9 @@
               <a:t>",</a:t>
             </a:r>
             <a:r>
-              <a:rPr b="0" lang="cs-CZ" sz="1800" spc="-1" strike="noStrike">
-                <a:solidFill>
-                  <a:srgbClr val="ba2121"/>
+              <a:rPr lang="cs-CZ" sz="1800" b="0" strike="noStrike" spc="-1">
+                <a:solidFill>
+                  <a:srgbClr val="BA2121"/>
                 </a:solidFill>
                 <a:latin typeface="Courier New"/>
                 <a:ea typeface="DejaVu Sans"/>
@@ -4977,7 +5753,7 @@
               <a:t> "F4:2</a:t>
             </a:r>
             <a:r>
-              <a:rPr b="0" lang="cs-CZ" sz="1800" spc="-1" strike="noStrike">
+              <a:rPr lang="cs-CZ" sz="1800" b="0" strike="noStrike" spc="-1">
                 <a:solidFill>
                   <a:srgbClr val="000000"/>
                 </a:solidFill>
@@ -4987,9 +5763,9 @@
               <a:t>",</a:t>
             </a:r>
             <a:r>
-              <a:rPr b="0" lang="cs-CZ" sz="1800" spc="-1" strike="noStrike">
-                <a:solidFill>
-                  <a:srgbClr val="ba2121"/>
+              <a:rPr lang="cs-CZ" sz="1800" b="0" strike="noStrike" spc="-1">
+                <a:solidFill>
+                  <a:srgbClr val="BA2121"/>
                 </a:solidFill>
                 <a:latin typeface="Courier New"/>
                 <a:ea typeface="DejaVu Sans"/>
@@ -4997,7 +5773,7 @@
               <a:t> "R:1</a:t>
             </a:r>
             <a:r>
-              <a:rPr b="0" lang="cs-CZ" sz="1800" spc="-1" strike="noStrike">
+              <a:rPr lang="cs-CZ" sz="1800" b="0" strike="noStrike" spc="-1">
                 <a:solidFill>
                   <a:srgbClr val="000000"/>
                 </a:solidFill>
@@ -5007,9 +5783,9 @@
               <a:t>",</a:t>
             </a:r>
             <a:r>
-              <a:rPr b="0" lang="cs-CZ" sz="1800" spc="-1" strike="noStrike">
-                <a:solidFill>
-                  <a:srgbClr val="ba2121"/>
+              <a:rPr lang="cs-CZ" sz="1800" b="0" strike="noStrike" spc="-1">
+                <a:solidFill>
+                  <a:srgbClr val="BA2121"/>
                 </a:solidFill>
                 <a:latin typeface="Courier New"/>
                 <a:ea typeface="DejaVu Sans"/>
@@ -5017,7 +5793,7 @@
               <a:t> "D4:2</a:t>
             </a:r>
             <a:r>
-              <a:rPr b="0" lang="cs-CZ" sz="1800" spc="-1" strike="noStrike">
+              <a:rPr lang="cs-CZ" sz="1800" b="0" strike="noStrike" spc="-1">
                 <a:solidFill>
                   <a:srgbClr val="000000"/>
                 </a:solidFill>
@@ -5027,9 +5803,9 @@
               <a:t>",</a:t>
             </a:r>
             <a:r>
-              <a:rPr b="0" lang="cs-CZ" sz="1800" spc="-1" strike="noStrike">
-                <a:solidFill>
-                  <a:srgbClr val="ba2121"/>
+              <a:rPr lang="cs-CZ" sz="1800" b="0" strike="noStrike" spc="-1">
+                <a:solidFill>
+                  <a:srgbClr val="BA2121"/>
                 </a:solidFill>
                 <a:latin typeface="Courier New"/>
                 <a:ea typeface="DejaVu Sans"/>
@@ -5037,7 +5813,7 @@
               <a:t> "R:1</a:t>
             </a:r>
             <a:r>
-              <a:rPr b="0" lang="cs-CZ" sz="1800" spc="-1" strike="noStrike">
+              <a:rPr lang="cs-CZ" sz="1800" b="0" strike="noStrike" spc="-1">
                 <a:solidFill>
                   <a:srgbClr val="000000"/>
                 </a:solidFill>
@@ -5046,7 +5822,7 @@
               </a:rPr>
               <a:t>",</a:t>
             </a:r>
-            <a:endParaRPr b="0" lang="cs-CZ" sz="1800" spc="-1" strike="noStrike">
+            <a:endParaRPr lang="cs-CZ" sz="1800" b="0" strike="noStrike" spc="-1">
               <a:latin typeface="Arial"/>
             </a:endParaRPr>
           </a:p>
@@ -5057,7 +5833,7 @@
               </a:lnSpc>
             </a:pPr>
             <a:r>
-              <a:rPr b="0" lang="cs-CZ" sz="1800" spc="-1" strike="noStrike">
+              <a:rPr lang="cs-CZ" sz="1800" b="0" strike="noStrike" spc="-1">
                 <a:solidFill>
                   <a:srgbClr val="000000"/>
                 </a:solidFill>
@@ -5067,27 +5843,17 @@
               <a:t>      </a:t>
             </a:r>
             <a:r>
-              <a:rPr b="0" lang="cs-CZ" sz="1800" spc="-1" strike="noStrike">
-                <a:solidFill>
-                  <a:srgbClr val="ba2121"/>
-                </a:solidFill>
-                <a:latin typeface="Courier New"/>
-                <a:ea typeface="DejaVu Sans"/>
-              </a:rPr>
-              <a:t>   </a:t>
-            </a:r>
-            <a:r>
-              <a:rPr b="0" lang="cs-CZ" sz="1800" spc="-1" strike="noStrike">
-                <a:solidFill>
-                  <a:srgbClr val="ba2121"/>
-                </a:solidFill>
-                <a:latin typeface="Courier New"/>
-                <a:ea typeface="DejaVu Sans"/>
-              </a:rPr>
-              <a:t>"E4:4</a:t>
-            </a:r>
-            <a:r>
-              <a:rPr b="0" lang="cs-CZ" sz="1800" spc="-1" strike="noStrike">
+              <a:rPr lang="cs-CZ" sz="1800" b="0" strike="noStrike" spc="-1">
+                <a:solidFill>
+                  <a:srgbClr val="BA2121"/>
+                </a:solidFill>
+                <a:latin typeface="Courier New"/>
+                <a:ea typeface="DejaVu Sans"/>
+              </a:rPr>
+              <a:t>   "E4:4</a:t>
+            </a:r>
+            <a:r>
+              <a:rPr lang="cs-CZ" sz="1800" b="0" strike="noStrike" spc="-1">
                 <a:solidFill>
                   <a:srgbClr val="000000"/>
                 </a:solidFill>
@@ -5097,9 +5863,9 @@
               <a:t>",</a:t>
             </a:r>
             <a:r>
-              <a:rPr b="0" lang="cs-CZ" sz="1800" spc="-1" strike="noStrike">
-                <a:solidFill>
-                  <a:srgbClr val="ba2121"/>
+              <a:rPr lang="cs-CZ" sz="1800" b="0" strike="noStrike" spc="-1">
+                <a:solidFill>
+                  <a:srgbClr val="BA2121"/>
                 </a:solidFill>
                 <a:latin typeface="Courier New"/>
                 <a:ea typeface="DejaVu Sans"/>
@@ -5107,7 +5873,7 @@
               <a:t> "R:1</a:t>
             </a:r>
             <a:r>
-              <a:rPr b="0" lang="cs-CZ" sz="1800" spc="-1" strike="noStrike">
+              <a:rPr lang="cs-CZ" sz="1800" b="0" strike="noStrike" spc="-1">
                 <a:solidFill>
                   <a:srgbClr val="000000"/>
                 </a:solidFill>
@@ -5117,9 +5883,9 @@
               <a:t>",</a:t>
             </a:r>
             <a:r>
-              <a:rPr b="0" lang="cs-CZ" sz="1800" spc="-1" strike="noStrike">
-                <a:solidFill>
-                  <a:srgbClr val="ba2121"/>
+              <a:rPr lang="cs-CZ" sz="1800" b="0" strike="noStrike" spc="-1">
+                <a:solidFill>
+                  <a:srgbClr val="BA2121"/>
                 </a:solidFill>
                 <a:latin typeface="Courier New"/>
                 <a:ea typeface="DejaVu Sans"/>
@@ -5127,7 +5893,7 @@
               <a:t> "D4:4</a:t>
             </a:r>
             <a:r>
-              <a:rPr b="0" lang="cs-CZ" sz="1800" spc="-1" strike="noStrike">
+              <a:rPr lang="cs-CZ" sz="1800" b="0" strike="noStrike" spc="-1">
                 <a:solidFill>
                   <a:srgbClr val="000000"/>
                 </a:solidFill>
@@ -5137,9 +5903,9 @@
               <a:t>",</a:t>
             </a:r>
             <a:r>
-              <a:rPr b="0" lang="cs-CZ" sz="1800" spc="-1" strike="noStrike">
-                <a:solidFill>
-                  <a:srgbClr val="ba2121"/>
+              <a:rPr lang="cs-CZ" sz="1800" b="0" strike="noStrike" spc="-1">
+                <a:solidFill>
+                  <a:srgbClr val="BA2121"/>
                 </a:solidFill>
                 <a:latin typeface="Courier New"/>
                 <a:ea typeface="DejaVu Sans"/>
@@ -5147,7 +5913,7 @@
               <a:t> "R:1</a:t>
             </a:r>
             <a:r>
-              <a:rPr b="0" lang="cs-CZ" sz="1800" spc="-1" strike="noStrike">
+              <a:rPr lang="cs-CZ" sz="1800" b="0" strike="noStrike" spc="-1">
                 <a:solidFill>
                   <a:srgbClr val="000000"/>
                 </a:solidFill>
@@ -5157,9 +5923,9 @@
               <a:t>",</a:t>
             </a:r>
             <a:r>
-              <a:rPr b="0" lang="cs-CZ" sz="1800" spc="-1" strike="noStrike">
-                <a:solidFill>
-                  <a:srgbClr val="ba2121"/>
+              <a:rPr lang="cs-CZ" sz="1800" b="0" strike="noStrike" spc="-1">
+                <a:solidFill>
+                  <a:srgbClr val="BA2121"/>
                 </a:solidFill>
                 <a:latin typeface="Courier New"/>
                 <a:ea typeface="DejaVu Sans"/>
@@ -5167,7 +5933,7 @@
               <a:t> "C4:4</a:t>
             </a:r>
             <a:r>
-              <a:rPr b="0" lang="cs-CZ" sz="1800" spc="-1" strike="noStrike">
+              <a:rPr lang="cs-CZ" sz="1800" b="0" strike="noStrike" spc="-1">
                 <a:solidFill>
                   <a:srgbClr val="000000"/>
                 </a:solidFill>
@@ -5176,7 +5942,7 @@
               </a:rPr>
               <a:t>"]</a:t>
             </a:r>
-            <a:endParaRPr b="0" lang="cs-CZ" sz="1800" spc="-1" strike="noStrike">
+            <a:endParaRPr lang="cs-CZ" sz="1800" b="0" strike="noStrike" spc="-1">
               <a:latin typeface="Arial"/>
             </a:endParaRPr>
           </a:p>
@@ -5187,27 +5953,17 @@
               </a:lnSpc>
             </a:pPr>
             <a:r>
-              <a:rPr b="0" lang="cs-CZ" sz="1800" spc="-1" strike="noStrike">
-                <a:solidFill>
-                  <a:srgbClr val="000000"/>
-                </a:solidFill>
-                <a:latin typeface="Courier New"/>
-                <a:ea typeface="DejaVu Sans"/>
-              </a:rPr>
-              <a:t> </a:t>
-            </a:r>
-            <a:r>
-              <a:rPr b="0" lang="cs-CZ" sz="1800" spc="-1" strike="noStrike">
-                <a:solidFill>
-                  <a:srgbClr val="000000"/>
-                </a:solidFill>
-                <a:latin typeface="Courier New"/>
-                <a:ea typeface="DejaVu Sans"/>
-              </a:rPr>
-              <a:t>musi</a:t>
-            </a:r>
-            <a:r>
-              <a:rPr b="0" lang="cs-CZ" sz="1800" spc="-1" strike="noStrike">
+              <a:rPr lang="cs-CZ" sz="1800" b="0" strike="noStrike" spc="-1">
+                <a:solidFill>
+                  <a:srgbClr val="000000"/>
+                </a:solidFill>
+                <a:latin typeface="Courier New"/>
+                <a:ea typeface="DejaVu Sans"/>
+              </a:rPr>
+              <a:t> musi</a:t>
+            </a:r>
+            <a:r>
+              <a:rPr lang="cs-CZ" sz="1800" b="0" strike="noStrike" spc="-1">
                 <a:solidFill>
                   <a:srgbClr val="666666"/>
                 </a:solidFill>
@@ -5217,7 +5973,7 @@
               <a:t>c</a:t>
             </a:r>
             <a:r>
-              <a:rPr b="0" lang="cs-CZ" sz="1800" spc="-1" strike="noStrike">
+              <a:rPr lang="cs-CZ" sz="1800" b="0" strike="noStrike" spc="-1">
                 <a:solidFill>
                   <a:srgbClr val="000000"/>
                 </a:solidFill>
@@ -5226,7 +5982,7 @@
               </a:rPr>
               <a:t>.play(nota)</a:t>
             </a:r>
-            <a:endParaRPr b="0" lang="cs-CZ" sz="1800" spc="-1" strike="noStrike">
+            <a:endParaRPr lang="cs-CZ" sz="1800" b="0" strike="noStrike" spc="-1">
               <a:latin typeface="Arial"/>
             </a:endParaRPr>
           </a:p>
@@ -5234,22 +5990,25 @@
       </p:sp>
     </p:spTree>
   </p:cSld>
+  <p:clrMapOvr>
+    <a:masterClrMapping/>
+  </p:clrMapOvr>
   <p:timing>
     <p:tnLst>
       <p:par>
-        <p:cTn id="5" dur="indefinite" restart="never" nodeType="tmRoot">
+        <p:cTn id="1" dur="indefinite" restart="never" nodeType="tmRoot">
           <p:childTnLst>
             <p:seq>
-              <p:cTn id="6" dur="indefinite" nodeType="mainSeq"/>
+              <p:cTn id="2" dur="indefinite" nodeType="mainSeq"/>
               <p:prevCondLst>
-                <p:cond delay="0" evt="onPrev">
+                <p:cond evt="onPrev" delay="0">
                   <p:tgtEl>
                     <p:sldTgt/>
                   </p:tgtEl>
                 </p:cond>
               </p:prevCondLst>
               <p:nextCondLst>
-                <p:cond delay="0" evt="onNext">
+                <p:cond evt="onNext" delay="0">
                   <p:tgtEl>
                     <p:sldTgt/>
                   </p:tgtEl>
@@ -5275,31 +6034,31 @@
         <a:sysClr val="window" lastClr="FFFFFF"/>
       </a:lt1>
       <a:dk2>
-        <a:srgbClr val="1f497d"/>
+        <a:srgbClr val="1F497D"/>
       </a:dk2>
       <a:lt2>
-        <a:srgbClr val="eeece1"/>
+        <a:srgbClr val="EEECE1"/>
       </a:lt2>
       <a:accent1>
-        <a:srgbClr val="4f81bd"/>
+        <a:srgbClr val="4F81BD"/>
       </a:accent1>
       <a:accent2>
-        <a:srgbClr val="c0504d"/>
+        <a:srgbClr val="C0504D"/>
       </a:accent2>
       <a:accent3>
-        <a:srgbClr val="9bbb59"/>
+        <a:srgbClr val="9BBB59"/>
       </a:accent3>
       <a:accent4>
-        <a:srgbClr val="8064a2"/>
+        <a:srgbClr val="8064A2"/>
       </a:accent4>
       <a:accent5>
-        <a:srgbClr val="4bacc6"/>
+        <a:srgbClr val="4BACC6"/>
       </a:accent5>
       <a:accent6>
-        <a:srgbClr val="f79646"/>
+        <a:srgbClr val="F79646"/>
       </a:accent6>
       <a:hlink>
-        <a:srgbClr val="0000ff"/>
+        <a:srgbClr val="0000FF"/>
       </a:hlink>
       <a:folHlink>
         <a:srgbClr val="800080"/>
@@ -5484,6 +6243,8 @@
       </a:bgFillStyleLst>
     </a:fmtScheme>
   </a:themeElements>
+  <a:objectDefaults/>
+  <a:extraClrSchemeLst/>
 </a:theme>
 </file>
 
@@ -5498,31 +6259,31 @@
         <a:sysClr val="window" lastClr="FFFFFF"/>
       </a:lt1>
       <a:dk2>
-        <a:srgbClr val="1f497d"/>
+        <a:srgbClr val="1F497D"/>
       </a:dk2>
       <a:lt2>
-        <a:srgbClr val="eeece1"/>
+        <a:srgbClr val="EEECE1"/>
       </a:lt2>
       <a:accent1>
-        <a:srgbClr val="4f81bd"/>
+        <a:srgbClr val="4F81BD"/>
       </a:accent1>
       <a:accent2>
-        <a:srgbClr val="c0504d"/>
+        <a:srgbClr val="C0504D"/>
       </a:accent2>
       <a:accent3>
-        <a:srgbClr val="9bbb59"/>
+        <a:srgbClr val="9BBB59"/>
       </a:accent3>
       <a:accent4>
-        <a:srgbClr val="8064a2"/>
+        <a:srgbClr val="8064A2"/>
       </a:accent4>
       <a:accent5>
-        <a:srgbClr val="4bacc6"/>
+        <a:srgbClr val="4BACC6"/>
       </a:accent5>
       <a:accent6>
-        <a:srgbClr val="f79646"/>
+        <a:srgbClr val="F79646"/>
       </a:accent6>
       <a:hlink>
-        <a:srgbClr val="0000ff"/>
+        <a:srgbClr val="0000FF"/>
       </a:hlink>
       <a:folHlink>
         <a:srgbClr val="800080"/>
@@ -5707,5 +6468,7 @@
       </a:bgFillStyleLst>
     </a:fmtScheme>
   </a:themeElements>
+  <a:objectDefaults/>
+  <a:extraClrSchemeLst/>
 </a:theme>
 </file>